--- a/presentations/Assignment10.pptx
+++ b/presentations/Assignment10.pptx
@@ -1,45 +1,45 @@
 
 <file path=ppt/presentation.xml><?xml version="1.0" encoding="utf-8"?>
-<p:presentation xmlns:a="http://schemas.openxmlformats.org/drawingml/2006/main" xmlns:r="http://schemas.openxmlformats.org/officeDocument/2006/relationships" xmlns:mc="http://schemas.openxmlformats.org/markup-compatibility/2006" xmlns:mv="urn:schemas-microsoft-com:mac:vml" xmlns:p="http://schemas.openxmlformats.org/presentationml/2006/main" xmlns:c="http://schemas.openxmlformats.org/drawingml/2006/chart" xmlns:dgm="http://schemas.openxmlformats.org/drawingml/2006/diagram" xmlns:o="urn:schemas-microsoft-com:office:office" xmlns:v="urn:schemas-microsoft-com:vml" xmlns:pvml="urn:schemas-microsoft-com:office:powerpoint" xmlns:com="http://schemas.openxmlformats.org/drawingml/2006/compatibility" xmlns:p14="http://schemas.microsoft.com/office/powerpoint/2010/main" xmlns:p15="http://schemas.microsoft.com/office/powerpoint/2012/main" autoCompressPictures="0" embedTrueTypeFonts="1" strictFirstAndLastChars="0" saveSubsetFonts="1">
+<p:presentation xmlns:a="http://schemas.openxmlformats.org/drawingml/2006/main" xmlns:r="http://schemas.openxmlformats.org/officeDocument/2006/relationships" xmlns:p="http://schemas.openxmlformats.org/presentationml/2006/main" strictFirstAndLastChars="0" embedTrueTypeFonts="1" saveSubsetFonts="1" autoCompressPictures="0">
   <p:sldMasterIdLst>
-    <p:sldMasterId id="2147483659" r:id="rId4"/>
+    <p:sldMasterId id="2147483659" r:id="rId1"/>
   </p:sldMasterIdLst>
   <p:notesMasterIdLst>
-    <p:notesMasterId r:id="rId5"/>
+    <p:notesMasterId r:id="rId16"/>
   </p:notesMasterIdLst>
   <p:sldIdLst>
-    <p:sldId id="256" r:id="rId6"/>
-    <p:sldId id="257" r:id="rId7"/>
-    <p:sldId id="258" r:id="rId8"/>
-    <p:sldId id="259" r:id="rId9"/>
-    <p:sldId id="260" r:id="rId10"/>
-    <p:sldId id="261" r:id="rId11"/>
-    <p:sldId id="262" r:id="rId12"/>
-    <p:sldId id="263" r:id="rId13"/>
-    <p:sldId id="264" r:id="rId14"/>
-    <p:sldId id="265" r:id="rId15"/>
-    <p:sldId id="266" r:id="rId16"/>
-    <p:sldId id="267" r:id="rId17"/>
-    <p:sldId id="268" r:id="rId18"/>
-    <p:sldId id="269" r:id="rId19"/>
+    <p:sldId id="256" r:id="rId2"/>
+    <p:sldId id="257" r:id="rId3"/>
+    <p:sldId id="258" r:id="rId4"/>
+    <p:sldId id="259" r:id="rId5"/>
+    <p:sldId id="260" r:id="rId6"/>
+    <p:sldId id="261" r:id="rId7"/>
+    <p:sldId id="262" r:id="rId8"/>
+    <p:sldId id="263" r:id="rId9"/>
+    <p:sldId id="264" r:id="rId10"/>
+    <p:sldId id="265" r:id="rId11"/>
+    <p:sldId id="266" r:id="rId12"/>
+    <p:sldId id="267" r:id="rId13"/>
+    <p:sldId id="268" r:id="rId14"/>
+    <p:sldId id="269" r:id="rId15"/>
   </p:sldIdLst>
-  <p:sldSz cy="5143500" cx="9144000"/>
+  <p:sldSz cx="9144000" cy="5143500" type="screen16x9"/>
   <p:notesSz cx="6858000" cy="9144000"/>
   <p:embeddedFontLst>
     <p:embeddedFont>
-      <p:font typeface="Proxima Nova"/>
-      <p:regular r:id="rId20"/>
-      <p:bold r:id="rId21"/>
-      <p:italic r:id="rId22"/>
-      <p:boldItalic r:id="rId23"/>
+      <p:font typeface="Proxima Nova" panose="020B0604020202020204" charset="0"/>
+      <p:regular r:id="rId17"/>
+      <p:bold r:id="rId18"/>
+      <p:italic r:id="rId19"/>
+      <p:boldItalic r:id="rId20"/>
     </p:embeddedFont>
     <p:embeddedFont>
-      <p:font typeface="Proxima Nova Extrabold"/>
-      <p:bold r:id="rId24"/>
+      <p:font typeface="Proxima Nova Extrabold" panose="020B0604020202020204" charset="0"/>
+      <p:bold r:id="rId21"/>
     </p:embeddedFont>
   </p:embeddedFontLst>
   <p:defaultTextStyle>
-    <a:defPPr lvl="0" marR="0" rtl="0" algn="l">
+    <a:defPPr marR="0" lvl="0" algn="l" rtl="0">
       <a:lnSpc>
         <a:spcPct val="100000"/>
       </a:lnSpc>
@@ -50,7 +50,7 @@
         <a:spcPts val="0"/>
       </a:spcAft>
     </a:defPPr>
-    <a:lvl1pPr lvl="0" marR="0" rtl="0" algn="l">
+    <a:lvl1pPr marR="0" lvl="0" algn="l" rtl="0">
       <a:lnSpc>
         <a:spcPct val="100000"/>
       </a:lnSpc>
@@ -64,7 +64,7 @@
         <a:srgbClr val="000000"/>
       </a:buClr>
       <a:buFont typeface="Arial"/>
-      <a:defRPr b="0" i="0" sz="1400" u="none" cap="none" strike="noStrike">
+      <a:defRPr sz="1400" b="0" i="0" u="none" strike="noStrike" cap="none">
         <a:solidFill>
           <a:srgbClr val="000000"/>
         </a:solidFill>
@@ -74,7 +74,7 @@
         <a:sym typeface="Arial"/>
       </a:defRPr>
     </a:lvl1pPr>
-    <a:lvl2pPr lvl="1" marR="0" rtl="0" algn="l">
+    <a:lvl2pPr marR="0" lvl="1" algn="l" rtl="0">
       <a:lnSpc>
         <a:spcPct val="100000"/>
       </a:lnSpc>
@@ -88,7 +88,7 @@
         <a:srgbClr val="000000"/>
       </a:buClr>
       <a:buFont typeface="Arial"/>
-      <a:defRPr b="0" i="0" sz="1400" u="none" cap="none" strike="noStrike">
+      <a:defRPr sz="1400" b="0" i="0" u="none" strike="noStrike" cap="none">
         <a:solidFill>
           <a:srgbClr val="000000"/>
         </a:solidFill>
@@ -98,7 +98,7 @@
         <a:sym typeface="Arial"/>
       </a:defRPr>
     </a:lvl2pPr>
-    <a:lvl3pPr lvl="2" marR="0" rtl="0" algn="l">
+    <a:lvl3pPr marR="0" lvl="2" algn="l" rtl="0">
       <a:lnSpc>
         <a:spcPct val="100000"/>
       </a:lnSpc>
@@ -112,7 +112,7 @@
         <a:srgbClr val="000000"/>
       </a:buClr>
       <a:buFont typeface="Arial"/>
-      <a:defRPr b="0" i="0" sz="1400" u="none" cap="none" strike="noStrike">
+      <a:defRPr sz="1400" b="0" i="0" u="none" strike="noStrike" cap="none">
         <a:solidFill>
           <a:srgbClr val="000000"/>
         </a:solidFill>
@@ -122,7 +122,7 @@
         <a:sym typeface="Arial"/>
       </a:defRPr>
     </a:lvl3pPr>
-    <a:lvl4pPr lvl="3" marR="0" rtl="0" algn="l">
+    <a:lvl4pPr marR="0" lvl="3" algn="l" rtl="0">
       <a:lnSpc>
         <a:spcPct val="100000"/>
       </a:lnSpc>
@@ -136,7 +136,7 @@
         <a:srgbClr val="000000"/>
       </a:buClr>
       <a:buFont typeface="Arial"/>
-      <a:defRPr b="0" i="0" sz="1400" u="none" cap="none" strike="noStrike">
+      <a:defRPr sz="1400" b="0" i="0" u="none" strike="noStrike" cap="none">
         <a:solidFill>
           <a:srgbClr val="000000"/>
         </a:solidFill>
@@ -146,7 +146,7 @@
         <a:sym typeface="Arial"/>
       </a:defRPr>
     </a:lvl4pPr>
-    <a:lvl5pPr lvl="4" marR="0" rtl="0" algn="l">
+    <a:lvl5pPr marR="0" lvl="4" algn="l" rtl="0">
       <a:lnSpc>
         <a:spcPct val="100000"/>
       </a:lnSpc>
@@ -160,7 +160,7 @@
         <a:srgbClr val="000000"/>
       </a:buClr>
       <a:buFont typeface="Arial"/>
-      <a:defRPr b="0" i="0" sz="1400" u="none" cap="none" strike="noStrike">
+      <a:defRPr sz="1400" b="0" i="0" u="none" strike="noStrike" cap="none">
         <a:solidFill>
           <a:srgbClr val="000000"/>
         </a:solidFill>
@@ -170,7 +170,7 @@
         <a:sym typeface="Arial"/>
       </a:defRPr>
     </a:lvl5pPr>
-    <a:lvl6pPr lvl="5" marR="0" rtl="0" algn="l">
+    <a:lvl6pPr marR="0" lvl="5" algn="l" rtl="0">
       <a:lnSpc>
         <a:spcPct val="100000"/>
       </a:lnSpc>
@@ -184,7 +184,7 @@
         <a:srgbClr val="000000"/>
       </a:buClr>
       <a:buFont typeface="Arial"/>
-      <a:defRPr b="0" i="0" sz="1400" u="none" cap="none" strike="noStrike">
+      <a:defRPr sz="1400" b="0" i="0" u="none" strike="noStrike" cap="none">
         <a:solidFill>
           <a:srgbClr val="000000"/>
         </a:solidFill>
@@ -194,7 +194,7 @@
         <a:sym typeface="Arial"/>
       </a:defRPr>
     </a:lvl6pPr>
-    <a:lvl7pPr lvl="6" marR="0" rtl="0" algn="l">
+    <a:lvl7pPr marR="0" lvl="6" algn="l" rtl="0">
       <a:lnSpc>
         <a:spcPct val="100000"/>
       </a:lnSpc>
@@ -208,7 +208,7 @@
         <a:srgbClr val="000000"/>
       </a:buClr>
       <a:buFont typeface="Arial"/>
-      <a:defRPr b="0" i="0" sz="1400" u="none" cap="none" strike="noStrike">
+      <a:defRPr sz="1400" b="0" i="0" u="none" strike="noStrike" cap="none">
         <a:solidFill>
           <a:srgbClr val="000000"/>
         </a:solidFill>
@@ -218,7 +218,7 @@
         <a:sym typeface="Arial"/>
       </a:defRPr>
     </a:lvl7pPr>
-    <a:lvl8pPr lvl="7" marR="0" rtl="0" algn="l">
+    <a:lvl8pPr marR="0" lvl="7" algn="l" rtl="0">
       <a:lnSpc>
         <a:spcPct val="100000"/>
       </a:lnSpc>
@@ -232,7 +232,7 @@
         <a:srgbClr val="000000"/>
       </a:buClr>
       <a:buFont typeface="Arial"/>
-      <a:defRPr b="0" i="0" sz="1400" u="none" cap="none" strike="noStrike">
+      <a:defRPr sz="1400" b="0" i="0" u="none" strike="noStrike" cap="none">
         <a:solidFill>
           <a:srgbClr val="000000"/>
         </a:solidFill>
@@ -242,7 +242,7 @@
         <a:sym typeface="Arial"/>
       </a:defRPr>
     </a:lvl8pPr>
-    <a:lvl9pPr lvl="8" marR="0" rtl="0" algn="l">
+    <a:lvl9pPr marR="0" lvl="8" algn="l" rtl="0">
       <a:lnSpc>
         <a:spcPct val="100000"/>
       </a:lnSpc>
@@ -256,7 +256,7 @@
         <a:srgbClr val="000000"/>
       </a:buClr>
       <a:buFont typeface="Arial"/>
-      <a:defRPr b="0" i="0" sz="1400" u="none" cap="none" strike="noStrike">
+      <a:defRPr sz="1400" b="0" i="0" u="none" strike="noStrike" cap="none">
         <a:solidFill>
           <a:srgbClr val="000000"/>
         </a:solidFill>
@@ -269,7 +269,7 @@
   </p:defaultTextStyle>
   <p:extLst>
     <p:ext uri="{EFAFB233-063F-42B5-8137-9DF3F51BA10A}">
-      <p15:sldGuideLst>
+      <p15:sldGuideLst xmlns:p15="http://schemas.microsoft.com/office/powerpoint/2012/main">
         <p15:guide id="1" orient="horz" pos="1620">
           <p15:clr>
             <a:srgbClr val="A4A3A4"/>
@@ -287,11 +287,16 @@
 </file>
 
 <file path=ppt/notesMasters/notesMaster1.xml><?xml version="1.0" encoding="utf-8"?>
-<p:notesMaster xmlns:a="http://schemas.openxmlformats.org/drawingml/2006/main" xmlns:r="http://schemas.openxmlformats.org/officeDocument/2006/relationships" xmlns:mc="http://schemas.openxmlformats.org/markup-compatibility/2006" xmlns:mv="urn:schemas-microsoft-com:mac:vml" xmlns:p="http://schemas.openxmlformats.org/presentationml/2006/main" xmlns:c="http://schemas.openxmlformats.org/drawingml/2006/chart" xmlns:dgm="http://schemas.openxmlformats.org/drawingml/2006/diagram" xmlns:o="urn:schemas-microsoft-com:office:office" xmlns:v="urn:schemas-microsoft-com:vml" xmlns:pvml="urn:schemas-microsoft-com:office:powerpoint" xmlns:com="http://schemas.openxmlformats.org/drawingml/2006/compatibility" xmlns:p14="http://schemas.microsoft.com/office/powerpoint/2010/main" xmlns:p15="http://schemas.microsoft.com/office/powerpoint/2012/main">
+<p:notesMaster xmlns:a="http://schemas.openxmlformats.org/drawingml/2006/main" xmlns:r="http://schemas.openxmlformats.org/officeDocument/2006/relationships" xmlns:p="http://schemas.openxmlformats.org/presentationml/2006/main">
   <p:cSld>
+    <p:bg>
+      <p:bgRef idx="1001">
+        <a:schemeClr val="bg1"/>
+      </p:bgRef>
+    </p:bg>
     <p:spTree>
       <p:nvGrpSpPr>
-        <p:cNvPr id="2" name="Shape 2"/>
+        <p:cNvPr id="1" name="Shape 2"/>
         <p:cNvGrpSpPr/>
         <p:nvPr/>
       </p:nvGrpSpPr>
@@ -306,9 +311,11 @@
       <p:sp>
         <p:nvSpPr>
           <p:cNvPr id="3" name="Google Shape;3;n"/>
-          <p:cNvSpPr/>
+          <p:cNvSpPr>
+            <a:spLocks noGrp="1" noRot="1" noChangeAspect="1"/>
+          </p:cNvSpPr>
           <p:nvPr>
-            <p:ph idx="2" type="sldImg"/>
+            <p:ph type="sldImg" idx="2"/>
           </p:nvPr>
         </p:nvSpPr>
         <p:spPr>
@@ -317,9 +324,13 @@
             <a:ext cx="6096075" cy="3429000"/>
           </a:xfrm>
           <a:custGeom>
-            <a:rect b="b" l="l" r="r" t="t"/>
+            <a:avLst/>
+            <a:gdLst/>
+            <a:ahLst/>
+            <a:cxnLst/>
+            <a:rect l="l" t="t" r="r" b="b"/>
             <a:pathLst>
-              <a:path extrusionOk="0" h="120000" w="120000">
+              <a:path w="120000" h="120000" extrusionOk="0">
                 <a:moveTo>
                   <a:pt x="0" y="0"/>
                 </a:moveTo>
@@ -337,23 +348,25 @@
             </a:pathLst>
           </a:custGeom>
           <a:noFill/>
-          <a:ln cap="flat" cmpd="sng" w="9525">
+          <a:ln w="9525" cap="flat" cmpd="sng">
             <a:solidFill>
               <a:srgbClr val="000000"/>
             </a:solidFill>
             <a:prstDash val="solid"/>
             <a:round/>
-            <a:headEnd len="sm" w="sm" type="none"/>
-            <a:tailEnd len="sm" w="sm" type="none"/>
+            <a:headEnd type="none" w="sm" len="sm"/>
+            <a:tailEnd type="none" w="sm" len="sm"/>
           </a:ln>
         </p:spPr>
       </p:sp>
       <p:sp>
         <p:nvSpPr>
           <p:cNvPr id="4" name="Google Shape;4;n"/>
-          <p:cNvSpPr txBox="1"/>
+          <p:cNvSpPr txBox="1">
+            <a:spLocks noGrp="1"/>
+          </p:cNvSpPr>
           <p:nvPr>
-            <p:ph idx="1" type="body"/>
+            <p:ph type="body" idx="1"/>
           </p:nvPr>
         </p:nvSpPr>
         <p:spPr>
@@ -370,9 +383,9 @@
           </a:ln>
         </p:spPr>
         <p:txBody>
-          <a:bodyPr anchorCtr="0" anchor="t" bIns="91425" lIns="91425" spcFirstLastPara="1" rIns="91425" wrap="square" tIns="91425"/>
+          <a:bodyPr spcFirstLastPara="1" wrap="square" lIns="91425" tIns="91425" rIns="91425" bIns="91425" anchor="t" anchorCtr="0"/>
           <a:lstStyle>
-            <a:lvl1pPr indent="-298450" lvl="0" marL="457200">
+            <a:lvl1pPr marL="457200" lvl="0" indent="-298450">
               <a:spcBef>
                 <a:spcPts val="0"/>
               </a:spcBef>
@@ -383,7 +396,7 @@
               <a:buChar char="●"/>
               <a:defRPr sz="1100"/>
             </a:lvl1pPr>
-            <a:lvl2pPr indent="-298450" lvl="1" marL="914400">
+            <a:lvl2pPr marL="914400" lvl="1" indent="-298450">
               <a:spcBef>
                 <a:spcPts val="0"/>
               </a:spcBef>
@@ -394,7 +407,7 @@
               <a:buChar char="○"/>
               <a:defRPr sz="1100"/>
             </a:lvl2pPr>
-            <a:lvl3pPr indent="-298450" lvl="2" marL="1371600">
+            <a:lvl3pPr marL="1371600" lvl="2" indent="-298450">
               <a:spcBef>
                 <a:spcPts val="0"/>
               </a:spcBef>
@@ -405,7 +418,7 @@
               <a:buChar char="■"/>
               <a:defRPr sz="1100"/>
             </a:lvl3pPr>
-            <a:lvl4pPr indent="-298450" lvl="3" marL="1828800">
+            <a:lvl4pPr marL="1828800" lvl="3" indent="-298450">
               <a:spcBef>
                 <a:spcPts val="0"/>
               </a:spcBef>
@@ -416,7 +429,7 @@
               <a:buChar char="●"/>
               <a:defRPr sz="1100"/>
             </a:lvl4pPr>
-            <a:lvl5pPr indent="-298450" lvl="4" marL="2286000">
+            <a:lvl5pPr marL="2286000" lvl="4" indent="-298450">
               <a:spcBef>
                 <a:spcPts val="0"/>
               </a:spcBef>
@@ -427,7 +440,7 @@
               <a:buChar char="○"/>
               <a:defRPr sz="1100"/>
             </a:lvl5pPr>
-            <a:lvl6pPr indent="-298450" lvl="5" marL="2743200">
+            <a:lvl6pPr marL="2743200" lvl="5" indent="-298450">
               <a:spcBef>
                 <a:spcPts val="0"/>
               </a:spcBef>
@@ -438,7 +451,7 @@
               <a:buChar char="■"/>
               <a:defRPr sz="1100"/>
             </a:lvl6pPr>
-            <a:lvl7pPr indent="-298450" lvl="6" marL="3200400">
+            <a:lvl7pPr marL="3200400" lvl="6" indent="-298450">
               <a:spcBef>
                 <a:spcPts val="0"/>
               </a:spcBef>
@@ -449,7 +462,7 @@
               <a:buChar char="●"/>
               <a:defRPr sz="1100"/>
             </a:lvl7pPr>
-            <a:lvl8pPr indent="-298450" lvl="7" marL="3657600">
+            <a:lvl8pPr marL="3657600" lvl="7" indent="-298450">
               <a:spcBef>
                 <a:spcPts val="0"/>
               </a:spcBef>
@@ -460,7 +473,7 @@
               <a:buChar char="○"/>
               <a:defRPr sz="1100"/>
             </a:lvl8pPr>
-            <a:lvl9pPr indent="-298450" lvl="8" marL="4114800">
+            <a:lvl9pPr marL="4114800" lvl="8" indent="-298450">
               <a:spcBef>
                 <a:spcPts val="0"/>
               </a:spcBef>
@@ -472,14 +485,16 @@
               <a:defRPr sz="1100"/>
             </a:lvl9pPr>
           </a:lstStyle>
-          <a:p/>
+          <a:p>
+            <a:endParaRPr/>
+          </a:p>
         </p:txBody>
       </p:sp>
     </p:spTree>
   </p:cSld>
-  <p:clrMap accent1="accent1" accent2="accent2" accent3="accent3" accent4="accent4" accent5="accent5" accent6="accent6" bg1="lt1" bg2="dk2" tx1="dk1" tx2="lt2" folHlink="folHlink" hlink="hlink"/>
+  <p:clrMap bg1="lt1" tx1="dk1" bg2="dk2" tx2="lt2" accent1="accent1" accent2="accent2" accent3="accent3" accent4="accent4" accent5="accent5" accent6="accent6" hlink="hlink" folHlink="folHlink"/>
   <p:notesStyle>
-    <a:defPPr lvl="0" marR="0" rtl="0" algn="l">
+    <a:defPPr marR="0" lvl="0" algn="l" rtl="0">
       <a:lnSpc>
         <a:spcPct val="100000"/>
       </a:lnSpc>
@@ -490,7 +505,7 @@
         <a:spcPts val="0"/>
       </a:spcAft>
     </a:defPPr>
-    <a:lvl1pPr lvl="0" marR="0" rtl="0" algn="l">
+    <a:lvl1pPr marR="0" lvl="0" algn="l" rtl="0">
       <a:lnSpc>
         <a:spcPct val="100000"/>
       </a:lnSpc>
@@ -504,7 +519,7 @@
         <a:srgbClr val="000000"/>
       </a:buClr>
       <a:buFont typeface="Arial"/>
-      <a:defRPr b="0" i="0" sz="1400" u="none" cap="none" strike="noStrike">
+      <a:defRPr sz="1400" b="0" i="0" u="none" strike="noStrike" cap="none">
         <a:solidFill>
           <a:srgbClr val="000000"/>
         </a:solidFill>
@@ -514,7 +529,7 @@
         <a:sym typeface="Arial"/>
       </a:defRPr>
     </a:lvl1pPr>
-    <a:lvl2pPr lvl="1" marR="0" rtl="0" algn="l">
+    <a:lvl2pPr marR="0" lvl="1" algn="l" rtl="0">
       <a:lnSpc>
         <a:spcPct val="100000"/>
       </a:lnSpc>
@@ -528,7 +543,7 @@
         <a:srgbClr val="000000"/>
       </a:buClr>
       <a:buFont typeface="Arial"/>
-      <a:defRPr b="0" i="0" sz="1400" u="none" cap="none" strike="noStrike">
+      <a:defRPr sz="1400" b="0" i="0" u="none" strike="noStrike" cap="none">
         <a:solidFill>
           <a:srgbClr val="000000"/>
         </a:solidFill>
@@ -538,7 +553,7 @@
         <a:sym typeface="Arial"/>
       </a:defRPr>
     </a:lvl2pPr>
-    <a:lvl3pPr lvl="2" marR="0" rtl="0" algn="l">
+    <a:lvl3pPr marR="0" lvl="2" algn="l" rtl="0">
       <a:lnSpc>
         <a:spcPct val="100000"/>
       </a:lnSpc>
@@ -552,7 +567,7 @@
         <a:srgbClr val="000000"/>
       </a:buClr>
       <a:buFont typeface="Arial"/>
-      <a:defRPr b="0" i="0" sz="1400" u="none" cap="none" strike="noStrike">
+      <a:defRPr sz="1400" b="0" i="0" u="none" strike="noStrike" cap="none">
         <a:solidFill>
           <a:srgbClr val="000000"/>
         </a:solidFill>
@@ -562,7 +577,7 @@
         <a:sym typeface="Arial"/>
       </a:defRPr>
     </a:lvl3pPr>
-    <a:lvl4pPr lvl="3" marR="0" rtl="0" algn="l">
+    <a:lvl4pPr marR="0" lvl="3" algn="l" rtl="0">
       <a:lnSpc>
         <a:spcPct val="100000"/>
       </a:lnSpc>
@@ -576,7 +591,7 @@
         <a:srgbClr val="000000"/>
       </a:buClr>
       <a:buFont typeface="Arial"/>
-      <a:defRPr b="0" i="0" sz="1400" u="none" cap="none" strike="noStrike">
+      <a:defRPr sz="1400" b="0" i="0" u="none" strike="noStrike" cap="none">
         <a:solidFill>
           <a:srgbClr val="000000"/>
         </a:solidFill>
@@ -586,7 +601,7 @@
         <a:sym typeface="Arial"/>
       </a:defRPr>
     </a:lvl4pPr>
-    <a:lvl5pPr lvl="4" marR="0" rtl="0" algn="l">
+    <a:lvl5pPr marR="0" lvl="4" algn="l" rtl="0">
       <a:lnSpc>
         <a:spcPct val="100000"/>
       </a:lnSpc>
@@ -600,7 +615,7 @@
         <a:srgbClr val="000000"/>
       </a:buClr>
       <a:buFont typeface="Arial"/>
-      <a:defRPr b="0" i="0" sz="1400" u="none" cap="none" strike="noStrike">
+      <a:defRPr sz="1400" b="0" i="0" u="none" strike="noStrike" cap="none">
         <a:solidFill>
           <a:srgbClr val="000000"/>
         </a:solidFill>
@@ -610,7 +625,7 @@
         <a:sym typeface="Arial"/>
       </a:defRPr>
     </a:lvl5pPr>
-    <a:lvl6pPr lvl="5" marR="0" rtl="0" algn="l">
+    <a:lvl6pPr marR="0" lvl="5" algn="l" rtl="0">
       <a:lnSpc>
         <a:spcPct val="100000"/>
       </a:lnSpc>
@@ -624,7 +639,7 @@
         <a:srgbClr val="000000"/>
       </a:buClr>
       <a:buFont typeface="Arial"/>
-      <a:defRPr b="0" i="0" sz="1400" u="none" cap="none" strike="noStrike">
+      <a:defRPr sz="1400" b="0" i="0" u="none" strike="noStrike" cap="none">
         <a:solidFill>
           <a:srgbClr val="000000"/>
         </a:solidFill>
@@ -634,7 +649,7 @@
         <a:sym typeface="Arial"/>
       </a:defRPr>
     </a:lvl6pPr>
-    <a:lvl7pPr lvl="6" marR="0" rtl="0" algn="l">
+    <a:lvl7pPr marR="0" lvl="6" algn="l" rtl="0">
       <a:lnSpc>
         <a:spcPct val="100000"/>
       </a:lnSpc>
@@ -648,7 +663,7 @@
         <a:srgbClr val="000000"/>
       </a:buClr>
       <a:buFont typeface="Arial"/>
-      <a:defRPr b="0" i="0" sz="1400" u="none" cap="none" strike="noStrike">
+      <a:defRPr sz="1400" b="0" i="0" u="none" strike="noStrike" cap="none">
         <a:solidFill>
           <a:srgbClr val="000000"/>
         </a:solidFill>
@@ -658,7 +673,7 @@
         <a:sym typeface="Arial"/>
       </a:defRPr>
     </a:lvl7pPr>
-    <a:lvl8pPr lvl="7" marR="0" rtl="0" algn="l">
+    <a:lvl8pPr marR="0" lvl="7" algn="l" rtl="0">
       <a:lnSpc>
         <a:spcPct val="100000"/>
       </a:lnSpc>
@@ -672,7 +687,7 @@
         <a:srgbClr val="000000"/>
       </a:buClr>
       <a:buFont typeface="Arial"/>
-      <a:defRPr b="0" i="0" sz="1400" u="none" cap="none" strike="noStrike">
+      <a:defRPr sz="1400" b="0" i="0" u="none" strike="noStrike" cap="none">
         <a:solidFill>
           <a:srgbClr val="000000"/>
         </a:solidFill>
@@ -682,7 +697,7 @@
         <a:sym typeface="Arial"/>
       </a:defRPr>
     </a:lvl8pPr>
-    <a:lvl9pPr lvl="8" marR="0" rtl="0" algn="l">
+    <a:lvl9pPr marR="0" lvl="8" algn="l" rtl="0">
       <a:lnSpc>
         <a:spcPct val="100000"/>
       </a:lnSpc>
@@ -696,7 +711,7 @@
         <a:srgbClr val="000000"/>
       </a:buClr>
       <a:buFont typeface="Arial"/>
-      <a:defRPr b="0" i="0" sz="1400" u="none" cap="none" strike="noStrike">
+      <a:defRPr sz="1400" b="0" i="0" u="none" strike="noStrike" cap="none">
         <a:solidFill>
           <a:srgbClr val="000000"/>
         </a:solidFill>
@@ -711,11 +726,11 @@
 </file>
 
 <file path=ppt/notesSlides/notesSlide1.xml><?xml version="1.0" encoding="utf-8"?>
-<p:notes xmlns:a="http://schemas.openxmlformats.org/drawingml/2006/main" xmlns:r="http://schemas.openxmlformats.org/officeDocument/2006/relationships" xmlns:mc="http://schemas.openxmlformats.org/markup-compatibility/2006" xmlns:mv="urn:schemas-microsoft-com:mac:vml" xmlns:p="http://schemas.openxmlformats.org/presentationml/2006/main" xmlns:c="http://schemas.openxmlformats.org/drawingml/2006/chart" xmlns:dgm="http://schemas.openxmlformats.org/drawingml/2006/diagram" xmlns:o="urn:schemas-microsoft-com:office:office" xmlns:v="urn:schemas-microsoft-com:vml" xmlns:pvml="urn:schemas-microsoft-com:office:powerpoint" xmlns:com="http://schemas.openxmlformats.org/drawingml/2006/compatibility" xmlns:p14="http://schemas.microsoft.com/office/powerpoint/2010/main" xmlns:p15="http://schemas.microsoft.com/office/powerpoint/2012/main" showMasterPhAnim="0" showMasterSp="0">
+<p:notes xmlns:a="http://schemas.openxmlformats.org/drawingml/2006/main" xmlns:r="http://schemas.openxmlformats.org/officeDocument/2006/relationships" xmlns:p="http://schemas.openxmlformats.org/presentationml/2006/main" showMasterSp="0" showMasterPhAnim="0">
   <p:cSld>
     <p:spTree>
       <p:nvGrpSpPr>
-        <p:cNvPr id="50" name="Shape 50"/>
+        <p:cNvPr id="1" name="Shape 50"/>
         <p:cNvGrpSpPr/>
         <p:nvPr/>
       </p:nvGrpSpPr>
@@ -730,20 +745,26 @@
       <p:sp>
         <p:nvSpPr>
           <p:cNvPr id="51" name="Google Shape;51;p:notes"/>
-          <p:cNvSpPr/>
+          <p:cNvSpPr>
+            <a:spLocks noGrp="1" noRot="1" noChangeAspect="1"/>
+          </p:cNvSpPr>
           <p:nvPr>
-            <p:ph idx="2" type="sldImg"/>
+            <p:ph type="sldImg" idx="2"/>
           </p:nvPr>
         </p:nvSpPr>
         <p:spPr>
           <a:xfrm>
-            <a:off x="381300" y="685800"/>
-            <a:ext cx="6096075" cy="3429000"/>
+            <a:off x="381000" y="685800"/>
+            <a:ext cx="6096000" cy="3429000"/>
           </a:xfrm>
           <a:custGeom>
-            <a:rect b="b" l="l" r="r" t="t"/>
+            <a:avLst/>
+            <a:gdLst/>
+            <a:ahLst/>
+            <a:cxnLst/>
+            <a:rect l="l" t="t" r="r" b="b"/>
             <a:pathLst>
-              <a:path extrusionOk="0" h="120000" w="120000">
+              <a:path w="120000" h="120000" extrusionOk="0">
                 <a:moveTo>
                   <a:pt x="0" y="0"/>
                 </a:moveTo>
@@ -765,9 +786,11 @@
       <p:sp>
         <p:nvSpPr>
           <p:cNvPr id="52" name="Google Shape;52;p:notes"/>
-          <p:cNvSpPr txBox="1"/>
+          <p:cNvSpPr txBox="1">
+            <a:spLocks noGrp="1"/>
+          </p:cNvSpPr>
           <p:nvPr>
-            <p:ph idx="1" type="body"/>
+            <p:ph type="body" idx="1"/>
           </p:nvPr>
         </p:nvSpPr>
         <p:spPr>
@@ -780,12 +803,12 @@
           </a:prstGeom>
         </p:spPr>
         <p:txBody>
-          <a:bodyPr anchorCtr="0" anchor="t" bIns="91425" lIns="91425" spcFirstLastPara="1" rIns="91425" wrap="square" tIns="91425">
+          <a:bodyPr spcFirstLastPara="1" wrap="square" lIns="91425" tIns="91425" rIns="91425" bIns="91425" anchor="t" anchorCtr="0">
             <a:noAutofit/>
           </a:bodyPr>
           <a:lstStyle/>
           <a:p>
-            <a:pPr indent="0" lvl="0" marL="0" rtl="0" algn="l">
+            <a:pPr marL="0" lvl="0" indent="0" algn="l" rtl="0">
               <a:spcBef>
                 <a:spcPts val="0"/>
               </a:spcBef>
@@ -794,9 +817,6 @@
               </a:spcAft>
               <a:buNone/>
             </a:pPr>
-            <a:r>
-              <a:t/>
-            </a:r>
             <a:endParaRPr/>
           </a:p>
         </p:txBody>
@@ -810,11 +830,11 @@
 </file>
 
 <file path=ppt/notesSlides/notesSlide10.xml><?xml version="1.0" encoding="utf-8"?>
-<p:notes xmlns:a="http://schemas.openxmlformats.org/drawingml/2006/main" xmlns:r="http://schemas.openxmlformats.org/officeDocument/2006/relationships" xmlns:mc="http://schemas.openxmlformats.org/markup-compatibility/2006" xmlns:mv="urn:schemas-microsoft-com:mac:vml" xmlns:p="http://schemas.openxmlformats.org/presentationml/2006/main" xmlns:c="http://schemas.openxmlformats.org/drawingml/2006/chart" xmlns:dgm="http://schemas.openxmlformats.org/drawingml/2006/diagram" xmlns:o="urn:schemas-microsoft-com:office:office" xmlns:v="urn:schemas-microsoft-com:vml" xmlns:pvml="urn:schemas-microsoft-com:office:powerpoint" xmlns:com="http://schemas.openxmlformats.org/drawingml/2006/compatibility" xmlns:p14="http://schemas.microsoft.com/office/powerpoint/2010/main" xmlns:p15="http://schemas.microsoft.com/office/powerpoint/2012/main" showMasterPhAnim="0" showMasterSp="0">
+<p:notes xmlns:a="http://schemas.openxmlformats.org/drawingml/2006/main" xmlns:r="http://schemas.openxmlformats.org/officeDocument/2006/relationships" xmlns:p="http://schemas.openxmlformats.org/presentationml/2006/main" showMasterSp="0" showMasterPhAnim="0">
   <p:cSld>
     <p:spTree>
       <p:nvGrpSpPr>
-        <p:cNvPr id="113" name="Shape 113"/>
+        <p:cNvPr id="1" name="Shape 113"/>
         <p:cNvGrpSpPr/>
         <p:nvPr/>
       </p:nvGrpSpPr>
@@ -829,9 +849,11 @@
       <p:sp>
         <p:nvSpPr>
           <p:cNvPr id="114" name="Google Shape;114;g50f7cd518c_2_4:notes"/>
-          <p:cNvSpPr/>
+          <p:cNvSpPr>
+            <a:spLocks noGrp="1" noRot="1" noChangeAspect="1"/>
+          </p:cNvSpPr>
           <p:nvPr>
-            <p:ph idx="2" type="sldImg"/>
+            <p:ph type="sldImg" idx="2"/>
           </p:nvPr>
         </p:nvSpPr>
         <p:spPr>
@@ -840,9 +862,13 @@
             <a:ext cx="6096000" cy="3429000"/>
           </a:xfrm>
           <a:custGeom>
-            <a:rect b="b" l="l" r="r" t="t"/>
+            <a:avLst/>
+            <a:gdLst/>
+            <a:ahLst/>
+            <a:cxnLst/>
+            <a:rect l="l" t="t" r="r" b="b"/>
             <a:pathLst>
-              <a:path extrusionOk="0" h="120000" w="120000">
+              <a:path w="120000" h="120000" extrusionOk="0">
                 <a:moveTo>
                   <a:pt x="0" y="0"/>
                 </a:moveTo>
@@ -864,9 +890,11 @@
       <p:sp>
         <p:nvSpPr>
           <p:cNvPr id="115" name="Google Shape;115;g50f7cd518c_2_4:notes"/>
-          <p:cNvSpPr txBox="1"/>
+          <p:cNvSpPr txBox="1">
+            <a:spLocks noGrp="1"/>
+          </p:cNvSpPr>
           <p:nvPr>
-            <p:ph idx="1" type="body"/>
+            <p:ph type="body" idx="1"/>
           </p:nvPr>
         </p:nvSpPr>
         <p:spPr>
@@ -879,12 +907,12 @@
           </a:prstGeom>
         </p:spPr>
         <p:txBody>
-          <a:bodyPr anchorCtr="0" anchor="t" bIns="91425" lIns="91425" spcFirstLastPara="1" rIns="91425" wrap="square" tIns="91425">
+          <a:bodyPr spcFirstLastPara="1" wrap="square" lIns="91425" tIns="91425" rIns="91425" bIns="91425" anchor="t" anchorCtr="0">
             <a:noAutofit/>
           </a:bodyPr>
           <a:lstStyle/>
           <a:p>
-            <a:pPr indent="0" lvl="0" marL="0" rtl="0" algn="l">
+            <a:pPr marL="0" lvl="0" indent="0" algn="l" rtl="0">
               <a:spcBef>
                 <a:spcPts val="0"/>
               </a:spcBef>
@@ -900,7 +928,7 @@
             <a:endParaRPr/>
           </a:p>
           <a:p>
-            <a:pPr indent="0" lvl="0" marL="0" rtl="0" algn="l">
+            <a:pPr marL="0" lvl="0" indent="0" algn="l" rtl="0">
               <a:spcBef>
                 <a:spcPts val="0"/>
               </a:spcBef>
@@ -916,7 +944,7 @@
             <a:endParaRPr/>
           </a:p>
           <a:p>
-            <a:pPr indent="0" lvl="0" marL="0" rtl="0" algn="l">
+            <a:pPr marL="0" lvl="0" indent="0" algn="l" rtl="0">
               <a:spcBef>
                 <a:spcPts val="0"/>
               </a:spcBef>
@@ -932,7 +960,7 @@
             <a:endParaRPr/>
           </a:p>
           <a:p>
-            <a:pPr indent="0" lvl="0" marL="0" rtl="0" algn="l">
+            <a:pPr marL="0" lvl="0" indent="0" algn="l" rtl="0">
               <a:spcBef>
                 <a:spcPts val="0"/>
               </a:spcBef>
@@ -948,7 +976,7 @@
             <a:endParaRPr/>
           </a:p>
           <a:p>
-            <a:pPr indent="0" lvl="0" marL="0" rtl="0" algn="l">
+            <a:pPr marL="0" lvl="0" indent="0" algn="l" rtl="0">
               <a:spcBef>
                 <a:spcPts val="0"/>
               </a:spcBef>
@@ -964,7 +992,7 @@
             <a:endParaRPr/>
           </a:p>
           <a:p>
-            <a:pPr indent="0" lvl="0" marL="0" rtl="0" algn="l">
+            <a:pPr marL="0" lvl="0" indent="0" algn="l" rtl="0">
               <a:spcBef>
                 <a:spcPts val="0"/>
               </a:spcBef>
@@ -980,7 +1008,7 @@
             <a:endParaRPr/>
           </a:p>
           <a:p>
-            <a:pPr indent="0" lvl="0" marL="0" rtl="0" algn="l">
+            <a:pPr marL="0" lvl="0" indent="0" algn="l" rtl="0">
               <a:spcBef>
                 <a:spcPts val="0"/>
               </a:spcBef>
@@ -989,13 +1017,10 @@
               </a:spcAft>
               <a:buNone/>
             </a:pPr>
-            <a:r>
-              <a:t/>
-            </a:r>
             <a:endParaRPr/>
           </a:p>
           <a:p>
-            <a:pPr indent="0" lvl="0" marL="0" rtl="0" algn="l">
+            <a:pPr marL="0" lvl="0" indent="0" algn="l" rtl="0">
               <a:spcBef>
                 <a:spcPts val="0"/>
               </a:spcBef>
@@ -1011,7 +1036,7 @@
             <a:endParaRPr/>
           </a:p>
           <a:p>
-            <a:pPr indent="0" lvl="0" marL="0" rtl="0" algn="l">
+            <a:pPr marL="0" lvl="0" indent="0" algn="l" rtl="0">
               <a:spcBef>
                 <a:spcPts val="0"/>
               </a:spcBef>
@@ -1027,7 +1052,7 @@
             <a:endParaRPr/>
           </a:p>
           <a:p>
-            <a:pPr indent="0" lvl="0" marL="0" rtl="0" algn="l">
+            <a:pPr marL="0" lvl="0" indent="0" algn="l" rtl="0">
               <a:spcBef>
                 <a:spcPts val="0"/>
               </a:spcBef>
@@ -1036,13 +1061,10 @@
               </a:spcAft>
               <a:buNone/>
             </a:pPr>
-            <a:r>
-              <a:t/>
-            </a:r>
             <a:endParaRPr/>
           </a:p>
           <a:p>
-            <a:pPr indent="0" lvl="0" marL="0" rtl="0" algn="l">
+            <a:pPr marL="0" lvl="0" indent="0" algn="l" rtl="0">
               <a:spcBef>
                 <a:spcPts val="0"/>
               </a:spcBef>
@@ -1058,7 +1080,7 @@
             <a:endParaRPr/>
           </a:p>
           <a:p>
-            <a:pPr indent="0" lvl="0" marL="0" rtl="0" algn="l">
+            <a:pPr marL="0" lvl="0" indent="0" algn="l" rtl="0">
               <a:spcBef>
                 <a:spcPts val="0"/>
               </a:spcBef>
@@ -1067,9 +1089,6 @@
               </a:spcAft>
               <a:buNone/>
             </a:pPr>
-            <a:r>
-              <a:t/>
-            </a:r>
             <a:endParaRPr/>
           </a:p>
         </p:txBody>
@@ -1083,11 +1102,11 @@
 </file>
 
 <file path=ppt/notesSlides/notesSlide11.xml><?xml version="1.0" encoding="utf-8"?>
-<p:notes xmlns:a="http://schemas.openxmlformats.org/drawingml/2006/main" xmlns:r="http://schemas.openxmlformats.org/officeDocument/2006/relationships" xmlns:mc="http://schemas.openxmlformats.org/markup-compatibility/2006" xmlns:mv="urn:schemas-microsoft-com:mac:vml" xmlns:p="http://schemas.openxmlformats.org/presentationml/2006/main" xmlns:c="http://schemas.openxmlformats.org/drawingml/2006/chart" xmlns:dgm="http://schemas.openxmlformats.org/drawingml/2006/diagram" xmlns:o="urn:schemas-microsoft-com:office:office" xmlns:v="urn:schemas-microsoft-com:vml" xmlns:pvml="urn:schemas-microsoft-com:office:powerpoint" xmlns:com="http://schemas.openxmlformats.org/drawingml/2006/compatibility" xmlns:p14="http://schemas.microsoft.com/office/powerpoint/2010/main" xmlns:p15="http://schemas.microsoft.com/office/powerpoint/2012/main" showMasterPhAnim="0" showMasterSp="0">
+<p:notes xmlns:a="http://schemas.openxmlformats.org/drawingml/2006/main" xmlns:r="http://schemas.openxmlformats.org/officeDocument/2006/relationships" xmlns:p="http://schemas.openxmlformats.org/presentationml/2006/main" showMasterSp="0" showMasterPhAnim="0">
   <p:cSld>
     <p:spTree>
       <p:nvGrpSpPr>
-        <p:cNvPr id="119" name="Shape 119"/>
+        <p:cNvPr id="1" name="Shape 119"/>
         <p:cNvGrpSpPr/>
         <p:nvPr/>
       </p:nvGrpSpPr>
@@ -1102,9 +1121,11 @@
       <p:sp>
         <p:nvSpPr>
           <p:cNvPr id="120" name="Google Shape;120;g50f7cd518c_1_0:notes"/>
-          <p:cNvSpPr/>
+          <p:cNvSpPr>
+            <a:spLocks noGrp="1" noRot="1" noChangeAspect="1"/>
+          </p:cNvSpPr>
           <p:nvPr>
-            <p:ph idx="2" type="sldImg"/>
+            <p:ph type="sldImg" idx="2"/>
           </p:nvPr>
         </p:nvSpPr>
         <p:spPr>
@@ -1113,9 +1134,13 @@
             <a:ext cx="6096000" cy="3429000"/>
           </a:xfrm>
           <a:custGeom>
-            <a:rect b="b" l="l" r="r" t="t"/>
+            <a:avLst/>
+            <a:gdLst/>
+            <a:ahLst/>
+            <a:cxnLst/>
+            <a:rect l="l" t="t" r="r" b="b"/>
             <a:pathLst>
-              <a:path extrusionOk="0" h="120000" w="120000">
+              <a:path w="120000" h="120000" extrusionOk="0">
                 <a:moveTo>
                   <a:pt x="0" y="0"/>
                 </a:moveTo>
@@ -1137,9 +1162,11 @@
       <p:sp>
         <p:nvSpPr>
           <p:cNvPr id="121" name="Google Shape;121;g50f7cd518c_1_0:notes"/>
-          <p:cNvSpPr txBox="1"/>
+          <p:cNvSpPr txBox="1">
+            <a:spLocks noGrp="1"/>
+          </p:cNvSpPr>
           <p:nvPr>
-            <p:ph idx="1" type="body"/>
+            <p:ph type="body" idx="1"/>
           </p:nvPr>
         </p:nvSpPr>
         <p:spPr>
@@ -1152,12 +1179,12 @@
           </a:prstGeom>
         </p:spPr>
         <p:txBody>
-          <a:bodyPr anchorCtr="0" anchor="t" bIns="91425" lIns="91425" spcFirstLastPara="1" rIns="91425" wrap="square" tIns="91425">
+          <a:bodyPr spcFirstLastPara="1" wrap="square" lIns="91425" tIns="91425" rIns="91425" bIns="91425" anchor="t" anchorCtr="0">
             <a:noAutofit/>
           </a:bodyPr>
           <a:lstStyle/>
           <a:p>
-            <a:pPr indent="0" lvl="0" marL="0" rtl="0" algn="l">
+            <a:pPr marL="0" lvl="0" indent="0" algn="l" rtl="0">
               <a:spcBef>
                 <a:spcPts val="0"/>
               </a:spcBef>
@@ -1173,7 +1200,7 @@
             <a:endParaRPr/>
           </a:p>
           <a:p>
-            <a:pPr indent="0" lvl="0" marL="0" rtl="0" algn="l">
+            <a:pPr marL="0" lvl="0" indent="0" algn="l" rtl="0">
               <a:spcBef>
                 <a:spcPts val="0"/>
               </a:spcBef>
@@ -1189,7 +1216,7 @@
             <a:endParaRPr/>
           </a:p>
           <a:p>
-            <a:pPr indent="0" lvl="0" marL="0" rtl="0" algn="l">
+            <a:pPr marL="0" lvl="0" indent="0" algn="l" rtl="0">
               <a:spcBef>
                 <a:spcPts val="0"/>
               </a:spcBef>
@@ -1205,7 +1232,7 @@
             <a:endParaRPr/>
           </a:p>
           <a:p>
-            <a:pPr indent="0" lvl="0" marL="0" rtl="0" algn="l">
+            <a:pPr marL="0" lvl="0" indent="0" algn="l" rtl="0">
               <a:spcBef>
                 <a:spcPts val="0"/>
               </a:spcBef>
@@ -1221,7 +1248,7 @@
             <a:endParaRPr/>
           </a:p>
           <a:p>
-            <a:pPr indent="0" lvl="0" marL="0" rtl="0" algn="l">
+            <a:pPr marL="0" lvl="0" indent="0" algn="l" rtl="0">
               <a:spcBef>
                 <a:spcPts val="0"/>
               </a:spcBef>
@@ -1237,7 +1264,7 @@
             <a:endParaRPr/>
           </a:p>
           <a:p>
-            <a:pPr indent="0" lvl="0" marL="0" rtl="0" algn="l">
+            <a:pPr marL="0" lvl="0" indent="0" algn="l" rtl="0">
               <a:spcBef>
                 <a:spcPts val="0"/>
               </a:spcBef>
@@ -1253,7 +1280,7 @@
             <a:endParaRPr/>
           </a:p>
           <a:p>
-            <a:pPr indent="0" lvl="0" marL="0" rtl="0" algn="l">
+            <a:pPr marL="0" lvl="0" indent="0" algn="l" rtl="0">
               <a:spcBef>
                 <a:spcPts val="0"/>
               </a:spcBef>
@@ -1262,13 +1289,10 @@
               </a:spcAft>
               <a:buNone/>
             </a:pPr>
-            <a:r>
-              <a:t/>
-            </a:r>
             <a:endParaRPr/>
           </a:p>
           <a:p>
-            <a:pPr indent="0" lvl="0" marL="0" rtl="0" algn="l">
+            <a:pPr marL="0" lvl="0" indent="0" algn="l" rtl="0">
               <a:spcBef>
                 <a:spcPts val="0"/>
               </a:spcBef>
@@ -1284,7 +1308,7 @@
             <a:endParaRPr/>
           </a:p>
           <a:p>
-            <a:pPr indent="0" lvl="0" marL="0" rtl="0" algn="l">
+            <a:pPr marL="0" lvl="0" indent="0" algn="l" rtl="0">
               <a:spcBef>
                 <a:spcPts val="0"/>
               </a:spcBef>
@@ -1300,7 +1324,7 @@
             <a:endParaRPr/>
           </a:p>
           <a:p>
-            <a:pPr indent="0" lvl="0" marL="0" rtl="0" algn="l">
+            <a:pPr marL="0" lvl="0" indent="0" algn="l" rtl="0">
               <a:spcBef>
                 <a:spcPts val="0"/>
               </a:spcBef>
@@ -1309,9 +1333,6 @@
               </a:spcAft>
               <a:buNone/>
             </a:pPr>
-            <a:r>
-              <a:t/>
-            </a:r>
             <a:endParaRPr/>
           </a:p>
         </p:txBody>
@@ -1325,11 +1346,11 @@
 </file>
 
 <file path=ppt/notesSlides/notesSlide12.xml><?xml version="1.0" encoding="utf-8"?>
-<p:notes xmlns:a="http://schemas.openxmlformats.org/drawingml/2006/main" xmlns:r="http://schemas.openxmlformats.org/officeDocument/2006/relationships" xmlns:mc="http://schemas.openxmlformats.org/markup-compatibility/2006" xmlns:mv="urn:schemas-microsoft-com:mac:vml" xmlns:p="http://schemas.openxmlformats.org/presentationml/2006/main" xmlns:c="http://schemas.openxmlformats.org/drawingml/2006/chart" xmlns:dgm="http://schemas.openxmlformats.org/drawingml/2006/diagram" xmlns:o="urn:schemas-microsoft-com:office:office" xmlns:v="urn:schemas-microsoft-com:vml" xmlns:pvml="urn:schemas-microsoft-com:office:powerpoint" xmlns:com="http://schemas.openxmlformats.org/drawingml/2006/compatibility" xmlns:p14="http://schemas.microsoft.com/office/powerpoint/2010/main" xmlns:p15="http://schemas.microsoft.com/office/powerpoint/2012/main" showMasterPhAnim="0" showMasterSp="0">
+<p:notes xmlns:a="http://schemas.openxmlformats.org/drawingml/2006/main" xmlns:r="http://schemas.openxmlformats.org/officeDocument/2006/relationships" xmlns:p="http://schemas.openxmlformats.org/presentationml/2006/main" showMasterSp="0" showMasterPhAnim="0">
   <p:cSld>
     <p:spTree>
       <p:nvGrpSpPr>
-        <p:cNvPr id="126" name="Shape 126"/>
+        <p:cNvPr id="1" name="Shape 126"/>
         <p:cNvGrpSpPr/>
         <p:nvPr/>
       </p:nvGrpSpPr>
@@ -1344,9 +1365,11 @@
       <p:sp>
         <p:nvSpPr>
           <p:cNvPr id="127" name="Google Shape;127;g50f7cd518c_1_5:notes"/>
-          <p:cNvSpPr/>
+          <p:cNvSpPr>
+            <a:spLocks noGrp="1" noRot="1" noChangeAspect="1"/>
+          </p:cNvSpPr>
           <p:nvPr>
-            <p:ph idx="2" type="sldImg"/>
+            <p:ph type="sldImg" idx="2"/>
           </p:nvPr>
         </p:nvSpPr>
         <p:spPr>
@@ -1355,9 +1378,13 @@
             <a:ext cx="6096000" cy="3429000"/>
           </a:xfrm>
           <a:custGeom>
-            <a:rect b="b" l="l" r="r" t="t"/>
+            <a:avLst/>
+            <a:gdLst/>
+            <a:ahLst/>
+            <a:cxnLst/>
+            <a:rect l="l" t="t" r="r" b="b"/>
             <a:pathLst>
-              <a:path extrusionOk="0" h="120000" w="120000">
+              <a:path w="120000" h="120000" extrusionOk="0">
                 <a:moveTo>
                   <a:pt x="0" y="0"/>
                 </a:moveTo>
@@ -1379,9 +1406,11 @@
       <p:sp>
         <p:nvSpPr>
           <p:cNvPr id="128" name="Google Shape;128;g50f7cd518c_1_5:notes"/>
-          <p:cNvSpPr txBox="1"/>
+          <p:cNvSpPr txBox="1">
+            <a:spLocks noGrp="1"/>
+          </p:cNvSpPr>
           <p:nvPr>
-            <p:ph idx="1" type="body"/>
+            <p:ph type="body" idx="1"/>
           </p:nvPr>
         </p:nvSpPr>
         <p:spPr>
@@ -1394,12 +1423,12 @@
           </a:prstGeom>
         </p:spPr>
         <p:txBody>
-          <a:bodyPr anchorCtr="0" anchor="t" bIns="91425" lIns="91425" spcFirstLastPara="1" rIns="91425" wrap="square" tIns="91425">
+          <a:bodyPr spcFirstLastPara="1" wrap="square" lIns="91425" tIns="91425" rIns="91425" bIns="91425" anchor="t" anchorCtr="0">
             <a:noAutofit/>
           </a:bodyPr>
           <a:lstStyle/>
           <a:p>
-            <a:pPr indent="0" lvl="0" marL="0" rtl="0" algn="l">
+            <a:pPr marL="0" lvl="0" indent="0" algn="l" rtl="0">
               <a:spcBef>
                 <a:spcPts val="0"/>
               </a:spcBef>
@@ -1415,7 +1444,7 @@
             <a:endParaRPr/>
           </a:p>
           <a:p>
-            <a:pPr indent="0" lvl="0" marL="0" rtl="0" algn="l">
+            <a:pPr marL="0" lvl="0" indent="0" algn="l" rtl="0">
               <a:spcBef>
                 <a:spcPts val="0"/>
               </a:spcBef>
@@ -1424,13 +1453,10 @@
               </a:spcAft>
               <a:buNone/>
             </a:pPr>
-            <a:r>
-              <a:t/>
-            </a:r>
             <a:endParaRPr/>
           </a:p>
           <a:p>
-            <a:pPr indent="0" lvl="0" marL="0" rtl="0" algn="l">
+            <a:pPr marL="0" lvl="0" indent="0" algn="l" rtl="0">
               <a:spcBef>
                 <a:spcPts val="0"/>
               </a:spcBef>
@@ -1446,7 +1472,7 @@
             <a:endParaRPr/>
           </a:p>
           <a:p>
-            <a:pPr indent="0" lvl="0" marL="0" rtl="0" algn="l">
+            <a:pPr marL="0" lvl="0" indent="0" algn="l" rtl="0">
               <a:spcBef>
                 <a:spcPts val="0"/>
               </a:spcBef>
@@ -1472,11 +1498,11 @@
 </file>
 
 <file path=ppt/notesSlides/notesSlide13.xml><?xml version="1.0" encoding="utf-8"?>
-<p:notes xmlns:a="http://schemas.openxmlformats.org/drawingml/2006/main" xmlns:r="http://schemas.openxmlformats.org/officeDocument/2006/relationships" xmlns:mc="http://schemas.openxmlformats.org/markup-compatibility/2006" xmlns:mv="urn:schemas-microsoft-com:mac:vml" xmlns:p="http://schemas.openxmlformats.org/presentationml/2006/main" xmlns:c="http://schemas.openxmlformats.org/drawingml/2006/chart" xmlns:dgm="http://schemas.openxmlformats.org/drawingml/2006/diagram" xmlns:o="urn:schemas-microsoft-com:office:office" xmlns:v="urn:schemas-microsoft-com:vml" xmlns:pvml="urn:schemas-microsoft-com:office:powerpoint" xmlns:com="http://schemas.openxmlformats.org/drawingml/2006/compatibility" xmlns:p14="http://schemas.microsoft.com/office/powerpoint/2010/main" xmlns:p15="http://schemas.microsoft.com/office/powerpoint/2012/main" showMasterPhAnim="0" showMasterSp="0">
+<p:notes xmlns:a="http://schemas.openxmlformats.org/drawingml/2006/main" xmlns:r="http://schemas.openxmlformats.org/officeDocument/2006/relationships" xmlns:p="http://schemas.openxmlformats.org/presentationml/2006/main" showMasterSp="0" showMasterPhAnim="0">
   <p:cSld>
     <p:spTree>
       <p:nvGrpSpPr>
-        <p:cNvPr id="135" name="Shape 135"/>
+        <p:cNvPr id="1" name="Shape 135"/>
         <p:cNvGrpSpPr/>
         <p:nvPr/>
       </p:nvGrpSpPr>
@@ -1491,9 +1517,11 @@
       <p:sp>
         <p:nvSpPr>
           <p:cNvPr id="136" name="Google Shape;136;g50f7cd518c_1_10:notes"/>
-          <p:cNvSpPr/>
+          <p:cNvSpPr>
+            <a:spLocks noGrp="1" noRot="1" noChangeAspect="1"/>
+          </p:cNvSpPr>
           <p:nvPr>
-            <p:ph idx="2" type="sldImg"/>
+            <p:ph type="sldImg" idx="2"/>
           </p:nvPr>
         </p:nvSpPr>
         <p:spPr>
@@ -1502,9 +1530,13 @@
             <a:ext cx="6096000" cy="3429000"/>
           </a:xfrm>
           <a:custGeom>
-            <a:rect b="b" l="l" r="r" t="t"/>
+            <a:avLst/>
+            <a:gdLst/>
+            <a:ahLst/>
+            <a:cxnLst/>
+            <a:rect l="l" t="t" r="r" b="b"/>
             <a:pathLst>
-              <a:path extrusionOk="0" h="120000" w="120000">
+              <a:path w="120000" h="120000" extrusionOk="0">
                 <a:moveTo>
                   <a:pt x="0" y="0"/>
                 </a:moveTo>
@@ -1526,9 +1558,11 @@
       <p:sp>
         <p:nvSpPr>
           <p:cNvPr id="137" name="Google Shape;137;g50f7cd518c_1_10:notes"/>
-          <p:cNvSpPr txBox="1"/>
+          <p:cNvSpPr txBox="1">
+            <a:spLocks noGrp="1"/>
+          </p:cNvSpPr>
           <p:nvPr>
-            <p:ph idx="1" type="body"/>
+            <p:ph type="body" idx="1"/>
           </p:nvPr>
         </p:nvSpPr>
         <p:spPr>
@@ -1541,12 +1575,12 @@
           </a:prstGeom>
         </p:spPr>
         <p:txBody>
-          <a:bodyPr anchorCtr="0" anchor="t" bIns="91425" lIns="91425" spcFirstLastPara="1" rIns="91425" wrap="square" tIns="91425">
+          <a:bodyPr spcFirstLastPara="1" wrap="square" lIns="91425" tIns="91425" rIns="91425" bIns="91425" anchor="t" anchorCtr="0">
             <a:noAutofit/>
           </a:bodyPr>
           <a:lstStyle/>
           <a:p>
-            <a:pPr indent="0" lvl="0" marL="0" rtl="0" algn="l">
+            <a:pPr marL="0" lvl="0" indent="0" algn="l" rtl="0">
               <a:spcBef>
                 <a:spcPts val="0"/>
               </a:spcBef>
@@ -1572,11 +1606,11 @@
 </file>
 
 <file path=ppt/notesSlides/notesSlide14.xml><?xml version="1.0" encoding="utf-8"?>
-<p:notes xmlns:a="http://schemas.openxmlformats.org/drawingml/2006/main" xmlns:r="http://schemas.openxmlformats.org/officeDocument/2006/relationships" xmlns:mc="http://schemas.openxmlformats.org/markup-compatibility/2006" xmlns:mv="urn:schemas-microsoft-com:mac:vml" xmlns:p="http://schemas.openxmlformats.org/presentationml/2006/main" xmlns:c="http://schemas.openxmlformats.org/drawingml/2006/chart" xmlns:dgm="http://schemas.openxmlformats.org/drawingml/2006/diagram" xmlns:o="urn:schemas-microsoft-com:office:office" xmlns:v="urn:schemas-microsoft-com:vml" xmlns:pvml="urn:schemas-microsoft-com:office:powerpoint" xmlns:com="http://schemas.openxmlformats.org/drawingml/2006/compatibility" xmlns:p14="http://schemas.microsoft.com/office/powerpoint/2010/main" xmlns:p15="http://schemas.microsoft.com/office/powerpoint/2012/main" showMasterPhAnim="0" showMasterSp="0">
+<p:notes xmlns:a="http://schemas.openxmlformats.org/drawingml/2006/main" xmlns:r="http://schemas.openxmlformats.org/officeDocument/2006/relationships" xmlns:p="http://schemas.openxmlformats.org/presentationml/2006/main" showMasterSp="0" showMasterPhAnim="0">
   <p:cSld>
     <p:spTree>
       <p:nvGrpSpPr>
-        <p:cNvPr id="141" name="Shape 141"/>
+        <p:cNvPr id="1" name="Shape 141"/>
         <p:cNvGrpSpPr/>
         <p:nvPr/>
       </p:nvGrpSpPr>
@@ -1591,9 +1625,11 @@
       <p:sp>
         <p:nvSpPr>
           <p:cNvPr id="142" name="Google Shape;142;g5520e3e391_0_64:notes"/>
-          <p:cNvSpPr/>
+          <p:cNvSpPr>
+            <a:spLocks noGrp="1" noRot="1" noChangeAspect="1"/>
+          </p:cNvSpPr>
           <p:nvPr>
-            <p:ph idx="2" type="sldImg"/>
+            <p:ph type="sldImg" idx="2"/>
           </p:nvPr>
         </p:nvSpPr>
         <p:spPr>
@@ -1602,9 +1638,13 @@
             <a:ext cx="6096000" cy="3429000"/>
           </a:xfrm>
           <a:custGeom>
-            <a:rect b="b" l="l" r="r" t="t"/>
+            <a:avLst/>
+            <a:gdLst/>
+            <a:ahLst/>
+            <a:cxnLst/>
+            <a:rect l="l" t="t" r="r" b="b"/>
             <a:pathLst>
-              <a:path extrusionOk="0" h="120000" w="120000">
+              <a:path w="120000" h="120000" extrusionOk="0">
                 <a:moveTo>
                   <a:pt x="0" y="0"/>
                 </a:moveTo>
@@ -1626,9 +1666,11 @@
       <p:sp>
         <p:nvSpPr>
           <p:cNvPr id="143" name="Google Shape;143;g5520e3e391_0_64:notes"/>
-          <p:cNvSpPr txBox="1"/>
+          <p:cNvSpPr txBox="1">
+            <a:spLocks noGrp="1"/>
+          </p:cNvSpPr>
           <p:nvPr>
-            <p:ph idx="1" type="body"/>
+            <p:ph type="body" idx="1"/>
           </p:nvPr>
         </p:nvSpPr>
         <p:spPr>
@@ -1641,12 +1683,12 @@
           </a:prstGeom>
         </p:spPr>
         <p:txBody>
-          <a:bodyPr anchorCtr="0" anchor="t" bIns="91425" lIns="91425" spcFirstLastPara="1" rIns="91425" wrap="square" tIns="91425">
+          <a:bodyPr spcFirstLastPara="1" wrap="square" lIns="91425" tIns="91425" rIns="91425" bIns="91425" anchor="t" anchorCtr="0">
             <a:noAutofit/>
           </a:bodyPr>
           <a:lstStyle/>
           <a:p>
-            <a:pPr indent="0" lvl="0" marL="0" rtl="0" algn="l">
+            <a:pPr marL="0" lvl="0" indent="0" algn="l" rtl="0">
               <a:spcBef>
                 <a:spcPts val="0"/>
               </a:spcBef>
@@ -1655,9 +1697,6 @@
               </a:spcAft>
               <a:buNone/>
             </a:pPr>
-            <a:r>
-              <a:t/>
-            </a:r>
             <a:endParaRPr/>
           </a:p>
         </p:txBody>
@@ -1671,11 +1710,11 @@
 </file>
 
 <file path=ppt/notesSlides/notesSlide2.xml><?xml version="1.0" encoding="utf-8"?>
-<p:notes xmlns:a="http://schemas.openxmlformats.org/drawingml/2006/main" xmlns:r="http://schemas.openxmlformats.org/officeDocument/2006/relationships" xmlns:mc="http://schemas.openxmlformats.org/markup-compatibility/2006" xmlns:mv="urn:schemas-microsoft-com:mac:vml" xmlns:p="http://schemas.openxmlformats.org/presentationml/2006/main" xmlns:c="http://schemas.openxmlformats.org/drawingml/2006/chart" xmlns:dgm="http://schemas.openxmlformats.org/drawingml/2006/diagram" xmlns:o="urn:schemas-microsoft-com:office:office" xmlns:v="urn:schemas-microsoft-com:vml" xmlns:pvml="urn:schemas-microsoft-com:office:powerpoint" xmlns:com="http://schemas.openxmlformats.org/drawingml/2006/compatibility" xmlns:p14="http://schemas.microsoft.com/office/powerpoint/2010/main" xmlns:p15="http://schemas.microsoft.com/office/powerpoint/2012/main" showMasterPhAnim="0" showMasterSp="0">
+<p:notes xmlns:a="http://schemas.openxmlformats.org/drawingml/2006/main" xmlns:r="http://schemas.openxmlformats.org/officeDocument/2006/relationships" xmlns:p="http://schemas.openxmlformats.org/presentationml/2006/main" showMasterSp="0" showMasterPhAnim="0">
   <p:cSld>
     <p:spTree>
       <p:nvGrpSpPr>
-        <p:cNvPr id="58" name="Shape 58"/>
+        <p:cNvPr id="1" name="Shape 58"/>
         <p:cNvGrpSpPr/>
         <p:nvPr/>
       </p:nvGrpSpPr>
@@ -1690,9 +1729,11 @@
       <p:sp>
         <p:nvSpPr>
           <p:cNvPr id="59" name="Google Shape;59;g5520e3e391_0_25:notes"/>
-          <p:cNvSpPr/>
+          <p:cNvSpPr>
+            <a:spLocks noGrp="1" noRot="1" noChangeAspect="1"/>
+          </p:cNvSpPr>
           <p:nvPr>
-            <p:ph idx="2" type="sldImg"/>
+            <p:ph type="sldImg" idx="2"/>
           </p:nvPr>
         </p:nvSpPr>
         <p:spPr>
@@ -1701,9 +1742,13 @@
             <a:ext cx="6096000" cy="3429000"/>
           </a:xfrm>
           <a:custGeom>
-            <a:rect b="b" l="l" r="r" t="t"/>
+            <a:avLst/>
+            <a:gdLst/>
+            <a:ahLst/>
+            <a:cxnLst/>
+            <a:rect l="l" t="t" r="r" b="b"/>
             <a:pathLst>
-              <a:path extrusionOk="0" h="120000" w="120000">
+              <a:path w="120000" h="120000" extrusionOk="0">
                 <a:moveTo>
                   <a:pt x="0" y="0"/>
                 </a:moveTo>
@@ -1725,9 +1770,11 @@
       <p:sp>
         <p:nvSpPr>
           <p:cNvPr id="60" name="Google Shape;60;g5520e3e391_0_25:notes"/>
-          <p:cNvSpPr txBox="1"/>
+          <p:cNvSpPr txBox="1">
+            <a:spLocks noGrp="1"/>
+          </p:cNvSpPr>
           <p:nvPr>
-            <p:ph idx="1" type="body"/>
+            <p:ph type="body" idx="1"/>
           </p:nvPr>
         </p:nvSpPr>
         <p:spPr>
@@ -1740,12 +1787,12 @@
           </a:prstGeom>
         </p:spPr>
         <p:txBody>
-          <a:bodyPr anchorCtr="0" anchor="t" bIns="91425" lIns="91425" spcFirstLastPara="1" rIns="91425" wrap="square" tIns="91425">
+          <a:bodyPr spcFirstLastPara="1" wrap="square" lIns="91425" tIns="91425" rIns="91425" bIns="91425" anchor="t" anchorCtr="0">
             <a:noAutofit/>
           </a:bodyPr>
           <a:lstStyle/>
           <a:p>
-            <a:pPr indent="0" lvl="0" marL="0" rtl="0" algn="l">
+            <a:pPr marL="0" lvl="0" indent="0" algn="l" rtl="0">
               <a:spcBef>
                 <a:spcPts val="0"/>
               </a:spcBef>
@@ -1754,9 +1801,6 @@
               </a:spcAft>
               <a:buNone/>
             </a:pPr>
-            <a:r>
-              <a:t/>
-            </a:r>
             <a:endParaRPr/>
           </a:p>
         </p:txBody>
@@ -1770,11 +1814,11 @@
 </file>
 
 <file path=ppt/notesSlides/notesSlide3.xml><?xml version="1.0" encoding="utf-8"?>
-<p:notes xmlns:a="http://schemas.openxmlformats.org/drawingml/2006/main" xmlns:r="http://schemas.openxmlformats.org/officeDocument/2006/relationships" xmlns:mc="http://schemas.openxmlformats.org/markup-compatibility/2006" xmlns:mv="urn:schemas-microsoft-com:mac:vml" xmlns:p="http://schemas.openxmlformats.org/presentationml/2006/main" xmlns:c="http://schemas.openxmlformats.org/drawingml/2006/chart" xmlns:dgm="http://schemas.openxmlformats.org/drawingml/2006/diagram" xmlns:o="urn:schemas-microsoft-com:office:office" xmlns:v="urn:schemas-microsoft-com:vml" xmlns:pvml="urn:schemas-microsoft-com:office:powerpoint" xmlns:com="http://schemas.openxmlformats.org/drawingml/2006/compatibility" xmlns:p14="http://schemas.microsoft.com/office/powerpoint/2010/main" xmlns:p15="http://schemas.microsoft.com/office/powerpoint/2012/main" showMasterPhAnim="0" showMasterSp="0">
+<p:notes xmlns:a="http://schemas.openxmlformats.org/drawingml/2006/main" xmlns:r="http://schemas.openxmlformats.org/officeDocument/2006/relationships" xmlns:p="http://schemas.openxmlformats.org/presentationml/2006/main" showMasterSp="0" showMasterPhAnim="0">
   <p:cSld>
     <p:spTree>
       <p:nvGrpSpPr>
-        <p:cNvPr id="63" name="Shape 63"/>
+        <p:cNvPr id="1" name="Shape 63"/>
         <p:cNvGrpSpPr/>
         <p:nvPr/>
       </p:nvGrpSpPr>
@@ -1789,9 +1833,11 @@
       <p:sp>
         <p:nvSpPr>
           <p:cNvPr id="64" name="Google Shape;64;g54ac76f0b9_0_11:notes"/>
-          <p:cNvSpPr/>
+          <p:cNvSpPr>
+            <a:spLocks noGrp="1" noRot="1" noChangeAspect="1"/>
+          </p:cNvSpPr>
           <p:nvPr>
-            <p:ph idx="2" type="sldImg"/>
+            <p:ph type="sldImg" idx="2"/>
           </p:nvPr>
         </p:nvSpPr>
         <p:spPr>
@@ -1800,9 +1846,13 @@
             <a:ext cx="6096000" cy="3429000"/>
           </a:xfrm>
           <a:custGeom>
-            <a:rect b="b" l="l" r="r" t="t"/>
+            <a:avLst/>
+            <a:gdLst/>
+            <a:ahLst/>
+            <a:cxnLst/>
+            <a:rect l="l" t="t" r="r" b="b"/>
             <a:pathLst>
-              <a:path extrusionOk="0" h="120000" w="120000">
+              <a:path w="120000" h="120000" extrusionOk="0">
                 <a:moveTo>
                   <a:pt x="0" y="0"/>
                 </a:moveTo>
@@ -1824,9 +1874,11 @@
       <p:sp>
         <p:nvSpPr>
           <p:cNvPr id="65" name="Google Shape;65;g54ac76f0b9_0_11:notes"/>
-          <p:cNvSpPr txBox="1"/>
+          <p:cNvSpPr txBox="1">
+            <a:spLocks noGrp="1"/>
+          </p:cNvSpPr>
           <p:nvPr>
-            <p:ph idx="1" type="body"/>
+            <p:ph type="body" idx="1"/>
           </p:nvPr>
         </p:nvSpPr>
         <p:spPr>
@@ -1839,12 +1891,12 @@
           </a:prstGeom>
         </p:spPr>
         <p:txBody>
-          <a:bodyPr anchorCtr="0" anchor="t" bIns="91425" lIns="91425" spcFirstLastPara="1" rIns="91425" wrap="square" tIns="91425">
+          <a:bodyPr spcFirstLastPara="1" wrap="square" lIns="91425" tIns="91425" rIns="91425" bIns="91425" anchor="t" anchorCtr="0">
             <a:noAutofit/>
           </a:bodyPr>
           <a:lstStyle/>
           <a:p>
-            <a:pPr indent="0" lvl="0" marL="0" rtl="0" algn="l">
+            <a:pPr marL="0" lvl="0" indent="0" algn="l" rtl="0">
               <a:spcBef>
                 <a:spcPts val="0"/>
               </a:spcBef>
@@ -1870,11 +1922,11 @@
 </file>
 
 <file path=ppt/notesSlides/notesSlide4.xml><?xml version="1.0" encoding="utf-8"?>
-<p:notes xmlns:a="http://schemas.openxmlformats.org/drawingml/2006/main" xmlns:r="http://schemas.openxmlformats.org/officeDocument/2006/relationships" xmlns:mc="http://schemas.openxmlformats.org/markup-compatibility/2006" xmlns:mv="urn:schemas-microsoft-com:mac:vml" xmlns:p="http://schemas.openxmlformats.org/presentationml/2006/main" xmlns:c="http://schemas.openxmlformats.org/drawingml/2006/chart" xmlns:dgm="http://schemas.openxmlformats.org/drawingml/2006/diagram" xmlns:o="urn:schemas-microsoft-com:office:office" xmlns:v="urn:schemas-microsoft-com:vml" xmlns:pvml="urn:schemas-microsoft-com:office:powerpoint" xmlns:com="http://schemas.openxmlformats.org/drawingml/2006/compatibility" xmlns:p14="http://schemas.microsoft.com/office/powerpoint/2010/main" xmlns:p15="http://schemas.microsoft.com/office/powerpoint/2012/main" showMasterPhAnim="0" showMasterSp="0">
+<p:notes xmlns:a="http://schemas.openxmlformats.org/drawingml/2006/main" xmlns:r="http://schemas.openxmlformats.org/officeDocument/2006/relationships" xmlns:p="http://schemas.openxmlformats.org/presentationml/2006/main" showMasterSp="0" showMasterPhAnim="0">
   <p:cSld>
     <p:spTree>
       <p:nvGrpSpPr>
-        <p:cNvPr id="69" name="Shape 69"/>
+        <p:cNvPr id="1" name="Shape 69"/>
         <p:cNvGrpSpPr/>
         <p:nvPr/>
       </p:nvGrpSpPr>
@@ -1889,9 +1941,11 @@
       <p:sp>
         <p:nvSpPr>
           <p:cNvPr id="70" name="Google Shape;70;g5520e3e391_0_0:notes"/>
-          <p:cNvSpPr/>
+          <p:cNvSpPr>
+            <a:spLocks noGrp="1" noRot="1" noChangeAspect="1"/>
+          </p:cNvSpPr>
           <p:nvPr>
-            <p:ph idx="2" type="sldImg"/>
+            <p:ph type="sldImg" idx="2"/>
           </p:nvPr>
         </p:nvSpPr>
         <p:spPr>
@@ -1900,9 +1954,13 @@
             <a:ext cx="6096000" cy="3429000"/>
           </a:xfrm>
           <a:custGeom>
-            <a:rect b="b" l="l" r="r" t="t"/>
+            <a:avLst/>
+            <a:gdLst/>
+            <a:ahLst/>
+            <a:cxnLst/>
+            <a:rect l="l" t="t" r="r" b="b"/>
             <a:pathLst>
-              <a:path extrusionOk="0" h="120000" w="120000">
+              <a:path w="120000" h="120000" extrusionOk="0">
                 <a:moveTo>
                   <a:pt x="0" y="0"/>
                 </a:moveTo>
@@ -1924,9 +1982,11 @@
       <p:sp>
         <p:nvSpPr>
           <p:cNvPr id="71" name="Google Shape;71;g5520e3e391_0_0:notes"/>
-          <p:cNvSpPr txBox="1"/>
+          <p:cNvSpPr txBox="1">
+            <a:spLocks noGrp="1"/>
+          </p:cNvSpPr>
           <p:nvPr>
-            <p:ph idx="1" type="body"/>
+            <p:ph type="body" idx="1"/>
           </p:nvPr>
         </p:nvSpPr>
         <p:spPr>
@@ -1939,12 +1999,12 @@
           </a:prstGeom>
         </p:spPr>
         <p:txBody>
-          <a:bodyPr anchorCtr="0" anchor="t" bIns="91425" lIns="91425" spcFirstLastPara="1" rIns="91425" wrap="square" tIns="91425">
+          <a:bodyPr spcFirstLastPara="1" wrap="square" lIns="91425" tIns="91425" rIns="91425" bIns="91425" anchor="t" anchorCtr="0">
             <a:noAutofit/>
           </a:bodyPr>
           <a:lstStyle/>
           <a:p>
-            <a:pPr indent="0" lvl="0" marL="0" rtl="0" algn="l">
+            <a:pPr marL="0" lvl="0" indent="0" algn="l" rtl="0">
               <a:spcBef>
                 <a:spcPts val="0"/>
               </a:spcBef>
@@ -1970,11 +2030,11 @@
 </file>
 
 <file path=ppt/notesSlides/notesSlide5.xml><?xml version="1.0" encoding="utf-8"?>
-<p:notes xmlns:a="http://schemas.openxmlformats.org/drawingml/2006/main" xmlns:r="http://schemas.openxmlformats.org/officeDocument/2006/relationships" xmlns:mc="http://schemas.openxmlformats.org/markup-compatibility/2006" xmlns:mv="urn:schemas-microsoft-com:mac:vml" xmlns:p="http://schemas.openxmlformats.org/presentationml/2006/main" xmlns:c="http://schemas.openxmlformats.org/drawingml/2006/chart" xmlns:dgm="http://schemas.openxmlformats.org/drawingml/2006/diagram" xmlns:o="urn:schemas-microsoft-com:office:office" xmlns:v="urn:schemas-microsoft-com:vml" xmlns:pvml="urn:schemas-microsoft-com:office:powerpoint" xmlns:com="http://schemas.openxmlformats.org/drawingml/2006/compatibility" xmlns:p14="http://schemas.microsoft.com/office/powerpoint/2010/main" xmlns:p15="http://schemas.microsoft.com/office/powerpoint/2012/main" showMasterPhAnim="0" showMasterSp="0">
+<p:notes xmlns:a="http://schemas.openxmlformats.org/drawingml/2006/main" xmlns:r="http://schemas.openxmlformats.org/officeDocument/2006/relationships" xmlns:p="http://schemas.openxmlformats.org/presentationml/2006/main" showMasterSp="0" showMasterPhAnim="0">
   <p:cSld>
     <p:spTree>
       <p:nvGrpSpPr>
-        <p:cNvPr id="77" name="Shape 77"/>
+        <p:cNvPr id="1" name="Shape 77"/>
         <p:cNvGrpSpPr/>
         <p:nvPr/>
       </p:nvGrpSpPr>
@@ -1989,9 +2049,11 @@
       <p:sp>
         <p:nvSpPr>
           <p:cNvPr id="78" name="Google Shape;78;g54ac76f0b9_0_16:notes"/>
-          <p:cNvSpPr/>
+          <p:cNvSpPr>
+            <a:spLocks noGrp="1" noRot="1" noChangeAspect="1"/>
+          </p:cNvSpPr>
           <p:nvPr>
-            <p:ph idx="2" type="sldImg"/>
+            <p:ph type="sldImg" idx="2"/>
           </p:nvPr>
         </p:nvSpPr>
         <p:spPr>
@@ -2000,9 +2062,13 @@
             <a:ext cx="6096000" cy="3429000"/>
           </a:xfrm>
           <a:custGeom>
-            <a:rect b="b" l="l" r="r" t="t"/>
+            <a:avLst/>
+            <a:gdLst/>
+            <a:ahLst/>
+            <a:cxnLst/>
+            <a:rect l="l" t="t" r="r" b="b"/>
             <a:pathLst>
-              <a:path extrusionOk="0" h="120000" w="120000">
+              <a:path w="120000" h="120000" extrusionOk="0">
                 <a:moveTo>
                   <a:pt x="0" y="0"/>
                 </a:moveTo>
@@ -2024,9 +2090,11 @@
       <p:sp>
         <p:nvSpPr>
           <p:cNvPr id="79" name="Google Shape;79;g54ac76f0b9_0_16:notes"/>
-          <p:cNvSpPr txBox="1"/>
+          <p:cNvSpPr txBox="1">
+            <a:spLocks noGrp="1"/>
+          </p:cNvSpPr>
           <p:nvPr>
-            <p:ph idx="1" type="body"/>
+            <p:ph type="body" idx="1"/>
           </p:nvPr>
         </p:nvSpPr>
         <p:spPr>
@@ -2039,12 +2107,12 @@
           </a:prstGeom>
         </p:spPr>
         <p:txBody>
-          <a:bodyPr anchorCtr="0" anchor="t" bIns="91425" lIns="91425" spcFirstLastPara="1" rIns="91425" wrap="square" tIns="91425">
+          <a:bodyPr spcFirstLastPara="1" wrap="square" lIns="91425" tIns="91425" rIns="91425" bIns="91425" anchor="t" anchorCtr="0">
             <a:noAutofit/>
           </a:bodyPr>
           <a:lstStyle/>
           <a:p>
-            <a:pPr indent="0" lvl="0" marL="0" rtl="0" algn="l">
+            <a:pPr marL="0" lvl="0" indent="0" algn="l" rtl="0">
               <a:spcBef>
                 <a:spcPts val="0"/>
               </a:spcBef>
@@ -2070,11 +2138,11 @@
 </file>
 
 <file path=ppt/notesSlides/notesSlide6.xml><?xml version="1.0" encoding="utf-8"?>
-<p:notes xmlns:a="http://schemas.openxmlformats.org/drawingml/2006/main" xmlns:r="http://schemas.openxmlformats.org/officeDocument/2006/relationships" xmlns:mc="http://schemas.openxmlformats.org/markup-compatibility/2006" xmlns:mv="urn:schemas-microsoft-com:mac:vml" xmlns:p="http://schemas.openxmlformats.org/presentationml/2006/main" xmlns:c="http://schemas.openxmlformats.org/drawingml/2006/chart" xmlns:dgm="http://schemas.openxmlformats.org/drawingml/2006/diagram" xmlns:o="urn:schemas-microsoft-com:office:office" xmlns:v="urn:schemas-microsoft-com:vml" xmlns:pvml="urn:schemas-microsoft-com:office:powerpoint" xmlns:com="http://schemas.openxmlformats.org/drawingml/2006/compatibility" xmlns:p14="http://schemas.microsoft.com/office/powerpoint/2010/main" xmlns:p15="http://schemas.microsoft.com/office/powerpoint/2012/main" showMasterPhAnim="0" showMasterSp="0">
+<p:notes xmlns:a="http://schemas.openxmlformats.org/drawingml/2006/main" xmlns:r="http://schemas.openxmlformats.org/officeDocument/2006/relationships" xmlns:p="http://schemas.openxmlformats.org/presentationml/2006/main" showMasterSp="0" showMasterPhAnim="0">
   <p:cSld>
     <p:spTree>
       <p:nvGrpSpPr>
-        <p:cNvPr id="84" name="Shape 84"/>
+        <p:cNvPr id="1" name="Shape 84"/>
         <p:cNvGrpSpPr/>
         <p:nvPr/>
       </p:nvGrpSpPr>
@@ -2089,9 +2157,11 @@
       <p:sp>
         <p:nvSpPr>
           <p:cNvPr id="85" name="Google Shape;85;g55c1552fb7_0_14:notes"/>
-          <p:cNvSpPr/>
+          <p:cNvSpPr>
+            <a:spLocks noGrp="1" noRot="1" noChangeAspect="1"/>
+          </p:cNvSpPr>
           <p:nvPr>
-            <p:ph idx="2" type="sldImg"/>
+            <p:ph type="sldImg" idx="2"/>
           </p:nvPr>
         </p:nvSpPr>
         <p:spPr>
@@ -2100,9 +2170,13 @@
             <a:ext cx="6096000" cy="3429000"/>
           </a:xfrm>
           <a:custGeom>
-            <a:rect b="b" l="l" r="r" t="t"/>
+            <a:avLst/>
+            <a:gdLst/>
+            <a:ahLst/>
+            <a:cxnLst/>
+            <a:rect l="l" t="t" r="r" b="b"/>
             <a:pathLst>
-              <a:path extrusionOk="0" h="120000" w="120000">
+              <a:path w="120000" h="120000" extrusionOk="0">
                 <a:moveTo>
                   <a:pt x="0" y="0"/>
                 </a:moveTo>
@@ -2124,9 +2198,11 @@
       <p:sp>
         <p:nvSpPr>
           <p:cNvPr id="86" name="Google Shape;86;g55c1552fb7_0_14:notes"/>
-          <p:cNvSpPr txBox="1"/>
+          <p:cNvSpPr txBox="1">
+            <a:spLocks noGrp="1"/>
+          </p:cNvSpPr>
           <p:nvPr>
-            <p:ph idx="1" type="body"/>
+            <p:ph type="body" idx="1"/>
           </p:nvPr>
         </p:nvSpPr>
         <p:spPr>
@@ -2139,12 +2215,12 @@
           </a:prstGeom>
         </p:spPr>
         <p:txBody>
-          <a:bodyPr anchorCtr="0" anchor="t" bIns="91425" lIns="91425" spcFirstLastPara="1" rIns="91425" wrap="square" tIns="91425">
+          <a:bodyPr spcFirstLastPara="1" wrap="square" lIns="91425" tIns="91425" rIns="91425" bIns="91425" anchor="t" anchorCtr="0">
             <a:noAutofit/>
           </a:bodyPr>
           <a:lstStyle/>
           <a:p>
-            <a:pPr indent="0" lvl="0" marL="0" rtl="0" algn="l">
+            <a:pPr marL="0" lvl="0" indent="0" algn="l" rtl="0">
               <a:spcBef>
                 <a:spcPts val="0"/>
               </a:spcBef>
@@ -2170,11 +2246,11 @@
 </file>
 
 <file path=ppt/notesSlides/notesSlide7.xml><?xml version="1.0" encoding="utf-8"?>
-<p:notes xmlns:a="http://schemas.openxmlformats.org/drawingml/2006/main" xmlns:r="http://schemas.openxmlformats.org/officeDocument/2006/relationships" xmlns:mc="http://schemas.openxmlformats.org/markup-compatibility/2006" xmlns:mv="urn:schemas-microsoft-com:mac:vml" xmlns:p="http://schemas.openxmlformats.org/presentationml/2006/main" xmlns:c="http://schemas.openxmlformats.org/drawingml/2006/chart" xmlns:dgm="http://schemas.openxmlformats.org/drawingml/2006/diagram" xmlns:o="urn:schemas-microsoft-com:office:office" xmlns:v="urn:schemas-microsoft-com:vml" xmlns:pvml="urn:schemas-microsoft-com:office:powerpoint" xmlns:com="http://schemas.openxmlformats.org/drawingml/2006/compatibility" xmlns:p14="http://schemas.microsoft.com/office/powerpoint/2010/main" xmlns:p15="http://schemas.microsoft.com/office/powerpoint/2012/main" showMasterPhAnim="0" showMasterSp="0">
+<p:notes xmlns:a="http://schemas.openxmlformats.org/drawingml/2006/main" xmlns:r="http://schemas.openxmlformats.org/officeDocument/2006/relationships" xmlns:p="http://schemas.openxmlformats.org/presentationml/2006/main" showMasterSp="0" showMasterPhAnim="0">
   <p:cSld>
     <p:spTree>
       <p:nvGrpSpPr>
-        <p:cNvPr id="92" name="Shape 92"/>
+        <p:cNvPr id="1" name="Shape 92"/>
         <p:cNvGrpSpPr/>
         <p:nvPr/>
       </p:nvGrpSpPr>
@@ -2189,9 +2265,11 @@
       <p:sp>
         <p:nvSpPr>
           <p:cNvPr id="93" name="Google Shape;93;g55c1552fb7_0_22:notes"/>
-          <p:cNvSpPr/>
+          <p:cNvSpPr>
+            <a:spLocks noGrp="1" noRot="1" noChangeAspect="1"/>
+          </p:cNvSpPr>
           <p:nvPr>
-            <p:ph idx="2" type="sldImg"/>
+            <p:ph type="sldImg" idx="2"/>
           </p:nvPr>
         </p:nvSpPr>
         <p:spPr>
@@ -2200,9 +2278,13 @@
             <a:ext cx="6096000" cy="3429000"/>
           </a:xfrm>
           <a:custGeom>
-            <a:rect b="b" l="l" r="r" t="t"/>
+            <a:avLst/>
+            <a:gdLst/>
+            <a:ahLst/>
+            <a:cxnLst/>
+            <a:rect l="l" t="t" r="r" b="b"/>
             <a:pathLst>
-              <a:path extrusionOk="0" h="120000" w="120000">
+              <a:path w="120000" h="120000" extrusionOk="0">
                 <a:moveTo>
                   <a:pt x="0" y="0"/>
                 </a:moveTo>
@@ -2224,9 +2306,11 @@
       <p:sp>
         <p:nvSpPr>
           <p:cNvPr id="94" name="Google Shape;94;g55c1552fb7_0_22:notes"/>
-          <p:cNvSpPr txBox="1"/>
+          <p:cNvSpPr txBox="1">
+            <a:spLocks noGrp="1"/>
+          </p:cNvSpPr>
           <p:nvPr>
-            <p:ph idx="1" type="body"/>
+            <p:ph type="body" idx="1"/>
           </p:nvPr>
         </p:nvSpPr>
         <p:spPr>
@@ -2239,12 +2323,12 @@
           </a:prstGeom>
         </p:spPr>
         <p:txBody>
-          <a:bodyPr anchorCtr="0" anchor="t" bIns="91425" lIns="91425" spcFirstLastPara="1" rIns="91425" wrap="square" tIns="91425">
+          <a:bodyPr spcFirstLastPara="1" wrap="square" lIns="91425" tIns="91425" rIns="91425" bIns="91425" anchor="t" anchorCtr="0">
             <a:noAutofit/>
           </a:bodyPr>
           <a:lstStyle/>
           <a:p>
-            <a:pPr indent="0" lvl="0" marL="0" rtl="0" algn="l">
+            <a:pPr marL="0" lvl="0" indent="0" algn="l" rtl="0">
               <a:spcBef>
                 <a:spcPts val="0"/>
               </a:spcBef>
@@ -2270,11 +2354,11 @@
 </file>
 
 <file path=ppt/notesSlides/notesSlide8.xml><?xml version="1.0" encoding="utf-8"?>
-<p:notes xmlns:a="http://schemas.openxmlformats.org/drawingml/2006/main" xmlns:r="http://schemas.openxmlformats.org/officeDocument/2006/relationships" xmlns:mc="http://schemas.openxmlformats.org/markup-compatibility/2006" xmlns:mv="urn:schemas-microsoft-com:mac:vml" xmlns:p="http://schemas.openxmlformats.org/presentationml/2006/main" xmlns:c="http://schemas.openxmlformats.org/drawingml/2006/chart" xmlns:dgm="http://schemas.openxmlformats.org/drawingml/2006/diagram" xmlns:o="urn:schemas-microsoft-com:office:office" xmlns:v="urn:schemas-microsoft-com:vml" xmlns:pvml="urn:schemas-microsoft-com:office:powerpoint" xmlns:com="http://schemas.openxmlformats.org/drawingml/2006/compatibility" xmlns:p14="http://schemas.microsoft.com/office/powerpoint/2010/main" xmlns:p15="http://schemas.microsoft.com/office/powerpoint/2012/main" showMasterPhAnim="0" showMasterSp="0">
+<p:notes xmlns:a="http://schemas.openxmlformats.org/drawingml/2006/main" xmlns:r="http://schemas.openxmlformats.org/officeDocument/2006/relationships" xmlns:p="http://schemas.openxmlformats.org/presentationml/2006/main" showMasterSp="0" showMasterPhAnim="0">
   <p:cSld>
     <p:spTree>
       <p:nvGrpSpPr>
-        <p:cNvPr id="99" name="Shape 99"/>
+        <p:cNvPr id="1" name="Shape 99"/>
         <p:cNvGrpSpPr/>
         <p:nvPr/>
       </p:nvGrpSpPr>
@@ -2289,9 +2373,11 @@
       <p:sp>
         <p:nvSpPr>
           <p:cNvPr id="100" name="Google Shape;100;g54ac76f0b9_0_1:notes"/>
-          <p:cNvSpPr/>
+          <p:cNvSpPr>
+            <a:spLocks noGrp="1" noRot="1" noChangeAspect="1"/>
+          </p:cNvSpPr>
           <p:nvPr>
-            <p:ph idx="2" type="sldImg"/>
+            <p:ph type="sldImg" idx="2"/>
           </p:nvPr>
         </p:nvSpPr>
         <p:spPr>
@@ -2300,9 +2386,13 @@
             <a:ext cx="6096000" cy="3429000"/>
           </a:xfrm>
           <a:custGeom>
-            <a:rect b="b" l="l" r="r" t="t"/>
+            <a:avLst/>
+            <a:gdLst/>
+            <a:ahLst/>
+            <a:cxnLst/>
+            <a:rect l="l" t="t" r="r" b="b"/>
             <a:pathLst>
-              <a:path extrusionOk="0" h="120000" w="120000">
+              <a:path w="120000" h="120000" extrusionOk="0">
                 <a:moveTo>
                   <a:pt x="0" y="0"/>
                 </a:moveTo>
@@ -2324,9 +2414,11 @@
       <p:sp>
         <p:nvSpPr>
           <p:cNvPr id="101" name="Google Shape;101;g54ac76f0b9_0_1:notes"/>
-          <p:cNvSpPr txBox="1"/>
+          <p:cNvSpPr txBox="1">
+            <a:spLocks noGrp="1"/>
+          </p:cNvSpPr>
           <p:nvPr>
-            <p:ph idx="1" type="body"/>
+            <p:ph type="body" idx="1"/>
           </p:nvPr>
         </p:nvSpPr>
         <p:spPr>
@@ -2339,12 +2431,12 @@
           </a:prstGeom>
         </p:spPr>
         <p:txBody>
-          <a:bodyPr anchorCtr="0" anchor="t" bIns="91425" lIns="91425" spcFirstLastPara="1" rIns="91425" wrap="square" tIns="91425">
+          <a:bodyPr spcFirstLastPara="1" wrap="square" lIns="91425" tIns="91425" rIns="91425" bIns="91425" anchor="t" anchorCtr="0">
             <a:noAutofit/>
           </a:bodyPr>
           <a:lstStyle/>
           <a:p>
-            <a:pPr indent="0" lvl="0" marL="0" rtl="0" algn="l">
+            <a:pPr marL="0" lvl="0" indent="0" algn="l" rtl="0">
               <a:spcBef>
                 <a:spcPts val="0"/>
               </a:spcBef>
@@ -2370,11 +2462,11 @@
 </file>
 
 <file path=ppt/notesSlides/notesSlide9.xml><?xml version="1.0" encoding="utf-8"?>
-<p:notes xmlns:a="http://schemas.openxmlformats.org/drawingml/2006/main" xmlns:r="http://schemas.openxmlformats.org/officeDocument/2006/relationships" xmlns:mc="http://schemas.openxmlformats.org/markup-compatibility/2006" xmlns:mv="urn:schemas-microsoft-com:mac:vml" xmlns:p="http://schemas.openxmlformats.org/presentationml/2006/main" xmlns:c="http://schemas.openxmlformats.org/drawingml/2006/chart" xmlns:dgm="http://schemas.openxmlformats.org/drawingml/2006/diagram" xmlns:o="urn:schemas-microsoft-com:office:office" xmlns:v="urn:schemas-microsoft-com:vml" xmlns:pvml="urn:schemas-microsoft-com:office:powerpoint" xmlns:com="http://schemas.openxmlformats.org/drawingml/2006/compatibility" xmlns:p14="http://schemas.microsoft.com/office/powerpoint/2010/main" xmlns:p15="http://schemas.microsoft.com/office/powerpoint/2012/main" showMasterPhAnim="0" showMasterSp="0">
+<p:notes xmlns:a="http://schemas.openxmlformats.org/drawingml/2006/main" xmlns:r="http://schemas.openxmlformats.org/officeDocument/2006/relationships" xmlns:p="http://schemas.openxmlformats.org/presentationml/2006/main" showMasterSp="0" showMasterPhAnim="0">
   <p:cSld>
     <p:spTree>
       <p:nvGrpSpPr>
-        <p:cNvPr id="107" name="Shape 107"/>
+        <p:cNvPr id="1" name="Shape 107"/>
         <p:cNvGrpSpPr/>
         <p:nvPr/>
       </p:nvGrpSpPr>
@@ -2389,9 +2481,11 @@
       <p:sp>
         <p:nvSpPr>
           <p:cNvPr id="108" name="Google Shape;108;g54ac76f0b9_0_6:notes"/>
-          <p:cNvSpPr/>
+          <p:cNvSpPr>
+            <a:spLocks noGrp="1" noRot="1" noChangeAspect="1"/>
+          </p:cNvSpPr>
           <p:nvPr>
-            <p:ph idx="2" type="sldImg"/>
+            <p:ph type="sldImg" idx="2"/>
           </p:nvPr>
         </p:nvSpPr>
         <p:spPr>
@@ -2400,9 +2494,13 @@
             <a:ext cx="6096000" cy="3429000"/>
           </a:xfrm>
           <a:custGeom>
-            <a:rect b="b" l="l" r="r" t="t"/>
+            <a:avLst/>
+            <a:gdLst/>
+            <a:ahLst/>
+            <a:cxnLst/>
+            <a:rect l="l" t="t" r="r" b="b"/>
             <a:pathLst>
-              <a:path extrusionOk="0" h="120000" w="120000">
+              <a:path w="120000" h="120000" extrusionOk="0">
                 <a:moveTo>
                   <a:pt x="0" y="0"/>
                 </a:moveTo>
@@ -2424,9 +2522,11 @@
       <p:sp>
         <p:nvSpPr>
           <p:cNvPr id="109" name="Google Shape;109;g54ac76f0b9_0_6:notes"/>
-          <p:cNvSpPr txBox="1"/>
+          <p:cNvSpPr txBox="1">
+            <a:spLocks noGrp="1"/>
+          </p:cNvSpPr>
           <p:nvPr>
-            <p:ph idx="1" type="body"/>
+            <p:ph type="body" idx="1"/>
           </p:nvPr>
         </p:nvSpPr>
         <p:spPr>
@@ -2439,12 +2539,12 @@
           </a:prstGeom>
         </p:spPr>
         <p:txBody>
-          <a:bodyPr anchorCtr="0" anchor="t" bIns="91425" lIns="91425" spcFirstLastPara="1" rIns="91425" wrap="square" tIns="91425">
+          <a:bodyPr spcFirstLastPara="1" wrap="square" lIns="91425" tIns="91425" rIns="91425" bIns="91425" anchor="t" anchorCtr="0">
             <a:noAutofit/>
           </a:bodyPr>
           <a:lstStyle/>
           <a:p>
-            <a:pPr indent="0" lvl="0" marL="0" rtl="0" algn="l">
+            <a:pPr marL="0" lvl="0" indent="0" algn="l" rtl="0">
               <a:spcBef>
                 <a:spcPts val="0"/>
               </a:spcBef>
@@ -2470,11 +2570,11 @@
 </file>
 
 <file path=ppt/slideLayouts/slideLayout1.xml><?xml version="1.0" encoding="utf-8"?>
-<p:sldLayout xmlns:a="http://schemas.openxmlformats.org/drawingml/2006/main" xmlns:r="http://schemas.openxmlformats.org/officeDocument/2006/relationships" xmlns:mc="http://schemas.openxmlformats.org/markup-compatibility/2006" xmlns:mv="urn:schemas-microsoft-com:mac:vml" xmlns:p="http://schemas.openxmlformats.org/presentationml/2006/main" xmlns:c="http://schemas.openxmlformats.org/drawingml/2006/chart" xmlns:dgm="http://schemas.openxmlformats.org/drawingml/2006/diagram" xmlns:o="urn:schemas-microsoft-com:office:office" xmlns:v="urn:schemas-microsoft-com:vml" xmlns:pvml="urn:schemas-microsoft-com:office:powerpoint" xmlns:com="http://schemas.openxmlformats.org/drawingml/2006/compatibility" xmlns:p14="http://schemas.microsoft.com/office/powerpoint/2010/main" xmlns:p15="http://schemas.microsoft.com/office/powerpoint/2012/main" matchingName="Title slide" type="title">
+<p:sldLayout xmlns:a="http://schemas.openxmlformats.org/drawingml/2006/main" xmlns:r="http://schemas.openxmlformats.org/officeDocument/2006/relationships" xmlns:p="http://schemas.openxmlformats.org/presentationml/2006/main" matchingName="Title slide" type="title">
   <p:cSld name="TITLE">
     <p:spTree>
       <p:nvGrpSpPr>
-        <p:cNvPr id="9" name="Shape 9"/>
+        <p:cNvPr id="1" name="Shape 9"/>
         <p:cNvGrpSpPr/>
         <p:nvPr/>
       </p:nvGrpSpPr>
@@ -2489,7 +2589,9 @@
       <p:sp>
         <p:nvSpPr>
           <p:cNvPr id="10" name="Google Shape;10;p2"/>
-          <p:cNvSpPr txBox="1"/>
+          <p:cNvSpPr txBox="1">
+            <a:spLocks noGrp="1"/>
+          </p:cNvSpPr>
           <p:nvPr>
             <p:ph type="ctrTitle"/>
           </p:nvPr>
@@ -2504,7 +2606,7 @@
           </a:prstGeom>
         </p:spPr>
         <p:txBody>
-          <a:bodyPr anchorCtr="0" anchor="b" bIns="91425" lIns="91425" spcFirstLastPara="1" rIns="91425" wrap="square" tIns="91425"/>
+          <a:bodyPr spcFirstLastPara="1" wrap="square" lIns="91425" tIns="91425" rIns="91425" bIns="91425" anchor="b" anchorCtr="0"/>
           <a:lstStyle>
             <a:lvl1pPr lvl="0" algn="ctr">
               <a:spcBef>
@@ -2606,15 +2708,19 @@
               <a:defRPr sz="5200"/>
             </a:lvl9pPr>
           </a:lstStyle>
-          <a:p/>
+          <a:p>
+            <a:endParaRPr/>
+          </a:p>
         </p:txBody>
       </p:sp>
       <p:sp>
         <p:nvSpPr>
           <p:cNvPr id="11" name="Google Shape;11;p2"/>
-          <p:cNvSpPr txBox="1"/>
+          <p:cNvSpPr txBox="1">
+            <a:spLocks noGrp="1"/>
+          </p:cNvSpPr>
           <p:nvPr>
-            <p:ph idx="1" type="subTitle"/>
+            <p:ph type="subTitle" idx="1"/>
           </p:nvPr>
         </p:nvSpPr>
         <p:spPr>
@@ -2627,7 +2733,7 @@
           </a:prstGeom>
         </p:spPr>
         <p:txBody>
-          <a:bodyPr anchorCtr="0" anchor="t" bIns="91425" lIns="91425" spcFirstLastPara="1" rIns="91425" wrap="square" tIns="91425"/>
+          <a:bodyPr spcFirstLastPara="1" wrap="square" lIns="91425" tIns="91425" rIns="91425" bIns="91425" anchor="t" anchorCtr="0"/>
           <a:lstStyle>
             <a:lvl1pPr lvl="0" algn="ctr">
               <a:lnSpc>
@@ -2756,15 +2862,19 @@
               <a:defRPr sz="2800"/>
             </a:lvl9pPr>
           </a:lstStyle>
-          <a:p/>
+          <a:p>
+            <a:endParaRPr/>
+          </a:p>
         </p:txBody>
       </p:sp>
       <p:sp>
         <p:nvSpPr>
           <p:cNvPr id="12" name="Google Shape;12;p2"/>
-          <p:cNvSpPr txBox="1"/>
+          <p:cNvSpPr txBox="1">
+            <a:spLocks noGrp="1"/>
+          </p:cNvSpPr>
           <p:nvPr>
-            <p:ph idx="12" type="sldNum"/>
+            <p:ph type="sldNum" idx="12"/>
           </p:nvPr>
         </p:nvSpPr>
         <p:spPr>
@@ -2777,7 +2887,7 @@
           </a:prstGeom>
         </p:spPr>
         <p:txBody>
-          <a:bodyPr anchorCtr="0" anchor="ctr" bIns="91425" lIns="91425" spcFirstLastPara="1" rIns="91425" wrap="square" tIns="91425">
+          <a:bodyPr spcFirstLastPara="1" wrap="square" lIns="91425" tIns="91425" rIns="91425" bIns="91425" anchor="ctr" anchorCtr="0">
             <a:noAutofit/>
           </a:bodyPr>
           <a:lstStyle>
@@ -2819,7 +2929,7 @@
             </a:lvl9pPr>
           </a:lstStyle>
           <a:p>
-            <a:pPr indent="0" lvl="0" marL="0" rtl="0" algn="r">
+            <a:pPr marL="0" lvl="0" indent="0" algn="r" rtl="0">
               <a:spcBef>
                 <a:spcPts val="0"/>
               </a:spcBef>
@@ -2845,11 +2955,11 @@
 </file>
 
 <file path=ppt/slideLayouts/slideLayout10.xml><?xml version="1.0" encoding="utf-8"?>
-<p:sldLayout xmlns:a="http://schemas.openxmlformats.org/drawingml/2006/main" xmlns:r="http://schemas.openxmlformats.org/officeDocument/2006/relationships" xmlns:mc="http://schemas.openxmlformats.org/markup-compatibility/2006" xmlns:mv="urn:schemas-microsoft-com:mac:vml" xmlns:p="http://schemas.openxmlformats.org/presentationml/2006/main" xmlns:c="http://schemas.openxmlformats.org/drawingml/2006/chart" xmlns:dgm="http://schemas.openxmlformats.org/drawingml/2006/diagram" xmlns:o="urn:schemas-microsoft-com:office:office" xmlns:v="urn:schemas-microsoft-com:vml" xmlns:pvml="urn:schemas-microsoft-com:office:powerpoint" xmlns:com="http://schemas.openxmlformats.org/drawingml/2006/compatibility" xmlns:p14="http://schemas.microsoft.com/office/powerpoint/2010/main" xmlns:p15="http://schemas.microsoft.com/office/powerpoint/2012/main" matchingName="Big number">
+<p:sldLayout xmlns:a="http://schemas.openxmlformats.org/drawingml/2006/main" xmlns:r="http://schemas.openxmlformats.org/officeDocument/2006/relationships" xmlns:p="http://schemas.openxmlformats.org/presentationml/2006/main" matchingName="Big number">
   <p:cSld name="BIG_NUMBER">
     <p:spTree>
       <p:nvGrpSpPr>
-        <p:cNvPr id="44" name="Shape 44"/>
+        <p:cNvPr id="1" name="Shape 44"/>
         <p:cNvGrpSpPr/>
         <p:nvPr/>
       </p:nvGrpSpPr>
@@ -2864,9 +2974,11 @@
       <p:sp>
         <p:nvSpPr>
           <p:cNvPr id="45" name="Google Shape;45;p11"/>
-          <p:cNvSpPr txBox="1"/>
+          <p:cNvSpPr txBox="1">
+            <a:spLocks noGrp="1"/>
+          </p:cNvSpPr>
           <p:nvPr>
-            <p:ph hasCustomPrompt="1" type="title"/>
+            <p:ph type="title" hasCustomPrompt="1"/>
           </p:nvPr>
         </p:nvSpPr>
         <p:spPr>
@@ -2879,7 +2991,7 @@
           </a:prstGeom>
         </p:spPr>
         <p:txBody>
-          <a:bodyPr anchorCtr="0" anchor="b" bIns="91425" lIns="91425" spcFirstLastPara="1" rIns="91425" wrap="square" tIns="91425"/>
+          <a:bodyPr spcFirstLastPara="1" wrap="square" lIns="91425" tIns="91425" rIns="91425" bIns="91425" anchor="b" anchorCtr="0"/>
           <a:lstStyle>
             <a:lvl1pPr lvl="0" algn="ctr">
               <a:spcBef>
@@ -2991,9 +3103,11 @@
       <p:sp>
         <p:nvSpPr>
           <p:cNvPr id="46" name="Google Shape;46;p11"/>
-          <p:cNvSpPr txBox="1"/>
+          <p:cNvSpPr txBox="1">
+            <a:spLocks noGrp="1"/>
+          </p:cNvSpPr>
           <p:nvPr>
-            <p:ph idx="1" type="body"/>
+            <p:ph type="body" idx="1"/>
           </p:nvPr>
         </p:nvSpPr>
         <p:spPr>
@@ -3006,9 +3120,9 @@
           </a:prstGeom>
         </p:spPr>
         <p:txBody>
-          <a:bodyPr anchorCtr="0" anchor="t" bIns="91425" lIns="91425" spcFirstLastPara="1" rIns="91425" wrap="square" tIns="91425"/>
+          <a:bodyPr spcFirstLastPara="1" wrap="square" lIns="91425" tIns="91425" rIns="91425" bIns="91425" anchor="t" anchorCtr="0"/>
           <a:lstStyle>
-            <a:lvl1pPr indent="-342900" lvl="0" marL="457200" algn="ctr">
+            <a:lvl1pPr marL="457200" lvl="0" indent="-342900" algn="ctr">
               <a:spcBef>
                 <a:spcPts val="0"/>
               </a:spcBef>
@@ -3019,7 +3133,7 @@
               <a:buChar char="●"/>
               <a:defRPr/>
             </a:lvl1pPr>
-            <a:lvl2pPr indent="-317500" lvl="1" marL="914400" algn="ctr">
+            <a:lvl2pPr marL="914400" lvl="1" indent="-317500" algn="ctr">
               <a:spcBef>
                 <a:spcPts val="1600"/>
               </a:spcBef>
@@ -3030,7 +3144,7 @@
               <a:buChar char="○"/>
               <a:defRPr/>
             </a:lvl2pPr>
-            <a:lvl3pPr indent="-317500" lvl="2" marL="1371600" algn="ctr">
+            <a:lvl3pPr marL="1371600" lvl="2" indent="-317500" algn="ctr">
               <a:spcBef>
                 <a:spcPts val="1600"/>
               </a:spcBef>
@@ -3041,7 +3155,7 @@
               <a:buChar char="■"/>
               <a:defRPr/>
             </a:lvl3pPr>
-            <a:lvl4pPr indent="-317500" lvl="3" marL="1828800" algn="ctr">
+            <a:lvl4pPr marL="1828800" lvl="3" indent="-317500" algn="ctr">
               <a:spcBef>
                 <a:spcPts val="1600"/>
               </a:spcBef>
@@ -3052,7 +3166,7 @@
               <a:buChar char="●"/>
               <a:defRPr/>
             </a:lvl4pPr>
-            <a:lvl5pPr indent="-317500" lvl="4" marL="2286000" algn="ctr">
+            <a:lvl5pPr marL="2286000" lvl="4" indent="-317500" algn="ctr">
               <a:spcBef>
                 <a:spcPts val="1600"/>
               </a:spcBef>
@@ -3063,7 +3177,7 @@
               <a:buChar char="○"/>
               <a:defRPr/>
             </a:lvl5pPr>
-            <a:lvl6pPr indent="-317500" lvl="5" marL="2743200" algn="ctr">
+            <a:lvl6pPr marL="2743200" lvl="5" indent="-317500" algn="ctr">
               <a:spcBef>
                 <a:spcPts val="1600"/>
               </a:spcBef>
@@ -3074,7 +3188,7 @@
               <a:buChar char="■"/>
               <a:defRPr/>
             </a:lvl6pPr>
-            <a:lvl7pPr indent="-317500" lvl="6" marL="3200400" algn="ctr">
+            <a:lvl7pPr marL="3200400" lvl="6" indent="-317500" algn="ctr">
               <a:spcBef>
                 <a:spcPts val="1600"/>
               </a:spcBef>
@@ -3085,7 +3199,7 @@
               <a:buChar char="●"/>
               <a:defRPr/>
             </a:lvl7pPr>
-            <a:lvl8pPr indent="-317500" lvl="7" marL="3657600" algn="ctr">
+            <a:lvl8pPr marL="3657600" lvl="7" indent="-317500" algn="ctr">
               <a:spcBef>
                 <a:spcPts val="1600"/>
               </a:spcBef>
@@ -3096,7 +3210,7 @@
               <a:buChar char="○"/>
               <a:defRPr/>
             </a:lvl8pPr>
-            <a:lvl9pPr indent="-317500" lvl="8" marL="4114800" algn="ctr">
+            <a:lvl9pPr marL="4114800" lvl="8" indent="-317500" algn="ctr">
               <a:spcBef>
                 <a:spcPts val="1600"/>
               </a:spcBef>
@@ -3108,15 +3222,19 @@
               <a:defRPr/>
             </a:lvl9pPr>
           </a:lstStyle>
-          <a:p/>
+          <a:p>
+            <a:endParaRPr/>
+          </a:p>
         </p:txBody>
       </p:sp>
       <p:sp>
         <p:nvSpPr>
           <p:cNvPr id="47" name="Google Shape;47;p11"/>
-          <p:cNvSpPr txBox="1"/>
+          <p:cNvSpPr txBox="1">
+            <a:spLocks noGrp="1"/>
+          </p:cNvSpPr>
           <p:nvPr>
-            <p:ph idx="12" type="sldNum"/>
+            <p:ph type="sldNum" idx="12"/>
           </p:nvPr>
         </p:nvSpPr>
         <p:spPr>
@@ -3129,7 +3247,7 @@
           </a:prstGeom>
         </p:spPr>
         <p:txBody>
-          <a:bodyPr anchorCtr="0" anchor="ctr" bIns="91425" lIns="91425" spcFirstLastPara="1" rIns="91425" wrap="square" tIns="91425">
+          <a:bodyPr spcFirstLastPara="1" wrap="square" lIns="91425" tIns="91425" rIns="91425" bIns="91425" anchor="ctr" anchorCtr="0">
             <a:noAutofit/>
           </a:bodyPr>
           <a:lstStyle>
@@ -3171,7 +3289,7 @@
             </a:lvl9pPr>
           </a:lstStyle>
           <a:p>
-            <a:pPr indent="0" lvl="0" marL="0" rtl="0" algn="r">
+            <a:pPr marL="0" lvl="0" indent="0" algn="r" rtl="0">
               <a:spcBef>
                 <a:spcPts val="0"/>
               </a:spcBef>
@@ -3197,11 +3315,11 @@
 </file>
 
 <file path=ppt/slideLayouts/slideLayout11.xml><?xml version="1.0" encoding="utf-8"?>
-<p:sldLayout xmlns:a="http://schemas.openxmlformats.org/drawingml/2006/main" xmlns:r="http://schemas.openxmlformats.org/officeDocument/2006/relationships" xmlns:mc="http://schemas.openxmlformats.org/markup-compatibility/2006" xmlns:mv="urn:schemas-microsoft-com:mac:vml" xmlns:p="http://schemas.openxmlformats.org/presentationml/2006/main" xmlns:c="http://schemas.openxmlformats.org/drawingml/2006/chart" xmlns:dgm="http://schemas.openxmlformats.org/drawingml/2006/diagram" xmlns:o="urn:schemas-microsoft-com:office:office" xmlns:v="urn:schemas-microsoft-com:vml" xmlns:pvml="urn:schemas-microsoft-com:office:powerpoint" xmlns:com="http://schemas.openxmlformats.org/drawingml/2006/compatibility" xmlns:p14="http://schemas.microsoft.com/office/powerpoint/2010/main" xmlns:p15="http://schemas.microsoft.com/office/powerpoint/2012/main" matchingName="Blank" type="blank">
+<p:sldLayout xmlns:a="http://schemas.openxmlformats.org/drawingml/2006/main" xmlns:r="http://schemas.openxmlformats.org/officeDocument/2006/relationships" xmlns:p="http://schemas.openxmlformats.org/presentationml/2006/main" matchingName="Blank" type="blank">
   <p:cSld name="BLANK">
     <p:spTree>
       <p:nvGrpSpPr>
-        <p:cNvPr id="48" name="Shape 48"/>
+        <p:cNvPr id="1" name="Shape 48"/>
         <p:cNvGrpSpPr/>
         <p:nvPr/>
       </p:nvGrpSpPr>
@@ -3216,9 +3334,11 @@
       <p:sp>
         <p:nvSpPr>
           <p:cNvPr id="49" name="Google Shape;49;p12"/>
-          <p:cNvSpPr txBox="1"/>
+          <p:cNvSpPr txBox="1">
+            <a:spLocks noGrp="1"/>
+          </p:cNvSpPr>
           <p:nvPr>
-            <p:ph idx="12" type="sldNum"/>
+            <p:ph type="sldNum" idx="12"/>
           </p:nvPr>
         </p:nvSpPr>
         <p:spPr>
@@ -3231,7 +3351,7 @@
           </a:prstGeom>
         </p:spPr>
         <p:txBody>
-          <a:bodyPr anchorCtr="0" anchor="ctr" bIns="91425" lIns="91425" spcFirstLastPara="1" rIns="91425" wrap="square" tIns="91425">
+          <a:bodyPr spcFirstLastPara="1" wrap="square" lIns="91425" tIns="91425" rIns="91425" bIns="91425" anchor="ctr" anchorCtr="0">
             <a:noAutofit/>
           </a:bodyPr>
           <a:lstStyle>
@@ -3273,7 +3393,7 @@
             </a:lvl9pPr>
           </a:lstStyle>
           <a:p>
-            <a:pPr indent="0" lvl="0" marL="0" rtl="0" algn="r">
+            <a:pPr marL="0" lvl="0" indent="0" algn="r" rtl="0">
               <a:spcBef>
                 <a:spcPts val="0"/>
               </a:spcBef>
@@ -3299,11 +3419,11 @@
 </file>
 
 <file path=ppt/slideLayouts/slideLayout2.xml><?xml version="1.0" encoding="utf-8"?>
-<p:sldLayout xmlns:a="http://schemas.openxmlformats.org/drawingml/2006/main" xmlns:r="http://schemas.openxmlformats.org/officeDocument/2006/relationships" xmlns:mc="http://schemas.openxmlformats.org/markup-compatibility/2006" xmlns:mv="urn:schemas-microsoft-com:mac:vml" xmlns:p="http://schemas.openxmlformats.org/presentationml/2006/main" xmlns:c="http://schemas.openxmlformats.org/drawingml/2006/chart" xmlns:dgm="http://schemas.openxmlformats.org/drawingml/2006/diagram" xmlns:o="urn:schemas-microsoft-com:office:office" xmlns:v="urn:schemas-microsoft-com:vml" xmlns:pvml="urn:schemas-microsoft-com:office:powerpoint" xmlns:com="http://schemas.openxmlformats.org/drawingml/2006/compatibility" xmlns:p14="http://schemas.microsoft.com/office/powerpoint/2010/main" xmlns:p15="http://schemas.microsoft.com/office/powerpoint/2012/main" matchingName="Section header" type="secHead">
+<p:sldLayout xmlns:a="http://schemas.openxmlformats.org/drawingml/2006/main" xmlns:r="http://schemas.openxmlformats.org/officeDocument/2006/relationships" xmlns:p="http://schemas.openxmlformats.org/presentationml/2006/main" matchingName="Section header" type="secHead">
   <p:cSld name="SECTION_HEADER">
     <p:spTree>
       <p:nvGrpSpPr>
-        <p:cNvPr id="13" name="Shape 13"/>
+        <p:cNvPr id="1" name="Shape 13"/>
         <p:cNvGrpSpPr/>
         <p:nvPr/>
       </p:nvGrpSpPr>
@@ -3318,7 +3438,9 @@
       <p:sp>
         <p:nvSpPr>
           <p:cNvPr id="14" name="Google Shape;14;p3"/>
-          <p:cNvSpPr txBox="1"/>
+          <p:cNvSpPr txBox="1">
+            <a:spLocks noGrp="1"/>
+          </p:cNvSpPr>
           <p:nvPr>
             <p:ph type="title"/>
           </p:nvPr>
@@ -3333,7 +3455,7 @@
           </a:prstGeom>
         </p:spPr>
         <p:txBody>
-          <a:bodyPr anchorCtr="0" anchor="ctr" bIns="91425" lIns="91425" spcFirstLastPara="1" rIns="91425" wrap="square" tIns="91425"/>
+          <a:bodyPr spcFirstLastPara="1" wrap="square" lIns="91425" tIns="91425" rIns="91425" bIns="91425" anchor="ctr" anchorCtr="0"/>
           <a:lstStyle>
             <a:lvl1pPr lvl="0" algn="ctr">
               <a:spcBef>
@@ -3435,15 +3557,19 @@
               <a:defRPr sz="3600"/>
             </a:lvl9pPr>
           </a:lstStyle>
-          <a:p/>
+          <a:p>
+            <a:endParaRPr/>
+          </a:p>
         </p:txBody>
       </p:sp>
       <p:sp>
         <p:nvSpPr>
           <p:cNvPr id="15" name="Google Shape;15;p3"/>
-          <p:cNvSpPr txBox="1"/>
+          <p:cNvSpPr txBox="1">
+            <a:spLocks noGrp="1"/>
+          </p:cNvSpPr>
           <p:nvPr>
-            <p:ph idx="12" type="sldNum"/>
+            <p:ph type="sldNum" idx="12"/>
           </p:nvPr>
         </p:nvSpPr>
         <p:spPr>
@@ -3456,7 +3582,7 @@
           </a:prstGeom>
         </p:spPr>
         <p:txBody>
-          <a:bodyPr anchorCtr="0" anchor="ctr" bIns="91425" lIns="91425" spcFirstLastPara="1" rIns="91425" wrap="square" tIns="91425">
+          <a:bodyPr spcFirstLastPara="1" wrap="square" lIns="91425" tIns="91425" rIns="91425" bIns="91425" anchor="ctr" anchorCtr="0">
             <a:noAutofit/>
           </a:bodyPr>
           <a:lstStyle>
@@ -3498,7 +3624,7 @@
             </a:lvl9pPr>
           </a:lstStyle>
           <a:p>
-            <a:pPr indent="0" lvl="0" marL="0" rtl="0" algn="r">
+            <a:pPr marL="0" lvl="0" indent="0" algn="r" rtl="0">
               <a:spcBef>
                 <a:spcPts val="0"/>
               </a:spcBef>
@@ -3524,11 +3650,11 @@
 </file>
 
 <file path=ppt/slideLayouts/slideLayout3.xml><?xml version="1.0" encoding="utf-8"?>
-<p:sldLayout xmlns:a="http://schemas.openxmlformats.org/drawingml/2006/main" xmlns:r="http://schemas.openxmlformats.org/officeDocument/2006/relationships" xmlns:mc="http://schemas.openxmlformats.org/markup-compatibility/2006" xmlns:mv="urn:schemas-microsoft-com:mac:vml" xmlns:p="http://schemas.openxmlformats.org/presentationml/2006/main" xmlns:c="http://schemas.openxmlformats.org/drawingml/2006/chart" xmlns:dgm="http://schemas.openxmlformats.org/drawingml/2006/diagram" xmlns:o="urn:schemas-microsoft-com:office:office" xmlns:v="urn:schemas-microsoft-com:vml" xmlns:pvml="urn:schemas-microsoft-com:office:powerpoint" xmlns:com="http://schemas.openxmlformats.org/drawingml/2006/compatibility" xmlns:p14="http://schemas.microsoft.com/office/powerpoint/2010/main" xmlns:p15="http://schemas.microsoft.com/office/powerpoint/2012/main" matchingName="Title and body" type="tx">
+<p:sldLayout xmlns:a="http://schemas.openxmlformats.org/drawingml/2006/main" xmlns:r="http://schemas.openxmlformats.org/officeDocument/2006/relationships" xmlns:p="http://schemas.openxmlformats.org/presentationml/2006/main" matchingName="Title and body" type="tx">
   <p:cSld name="TITLE_AND_BODY">
     <p:spTree>
       <p:nvGrpSpPr>
-        <p:cNvPr id="16" name="Shape 16"/>
+        <p:cNvPr id="1" name="Shape 16"/>
         <p:cNvGrpSpPr/>
         <p:nvPr/>
       </p:nvGrpSpPr>
@@ -3543,7 +3669,9 @@
       <p:sp>
         <p:nvSpPr>
           <p:cNvPr id="17" name="Google Shape;17;p4"/>
-          <p:cNvSpPr txBox="1"/>
+          <p:cNvSpPr txBox="1">
+            <a:spLocks noGrp="1"/>
+          </p:cNvSpPr>
           <p:nvPr>
             <p:ph type="title"/>
           </p:nvPr>
@@ -3558,7 +3686,7 @@
           </a:prstGeom>
         </p:spPr>
         <p:txBody>
-          <a:bodyPr anchorCtr="0" anchor="t" bIns="91425" lIns="91425" spcFirstLastPara="1" rIns="91425" wrap="square" tIns="91425"/>
+          <a:bodyPr spcFirstLastPara="1" wrap="square" lIns="91425" tIns="91425" rIns="91425" bIns="91425" anchor="t" anchorCtr="0"/>
           <a:lstStyle>
             <a:lvl1pPr lvl="0">
               <a:spcBef>
@@ -3660,15 +3788,19 @@
               <a:defRPr/>
             </a:lvl9pPr>
           </a:lstStyle>
-          <a:p/>
+          <a:p>
+            <a:endParaRPr/>
+          </a:p>
         </p:txBody>
       </p:sp>
       <p:sp>
         <p:nvSpPr>
           <p:cNvPr id="18" name="Google Shape;18;p4"/>
-          <p:cNvSpPr txBox="1"/>
+          <p:cNvSpPr txBox="1">
+            <a:spLocks noGrp="1"/>
+          </p:cNvSpPr>
           <p:nvPr>
-            <p:ph idx="1" type="body"/>
+            <p:ph type="body" idx="1"/>
           </p:nvPr>
         </p:nvSpPr>
         <p:spPr>
@@ -3681,9 +3813,9 @@
           </a:prstGeom>
         </p:spPr>
         <p:txBody>
-          <a:bodyPr anchorCtr="0" anchor="t" bIns="91425" lIns="91425" spcFirstLastPara="1" rIns="91425" wrap="square" tIns="91425"/>
+          <a:bodyPr spcFirstLastPara="1" wrap="square" lIns="91425" tIns="91425" rIns="91425" bIns="91425" anchor="t" anchorCtr="0"/>
           <a:lstStyle>
-            <a:lvl1pPr indent="-342900" lvl="0" marL="457200">
+            <a:lvl1pPr marL="457200" lvl="0" indent="-342900">
               <a:spcBef>
                 <a:spcPts val="0"/>
               </a:spcBef>
@@ -3694,7 +3826,7 @@
               <a:buChar char="●"/>
               <a:defRPr/>
             </a:lvl1pPr>
-            <a:lvl2pPr indent="-317500" lvl="1" marL="914400">
+            <a:lvl2pPr marL="914400" lvl="1" indent="-317500">
               <a:spcBef>
                 <a:spcPts val="1600"/>
               </a:spcBef>
@@ -3705,7 +3837,7 @@
               <a:buChar char="○"/>
               <a:defRPr/>
             </a:lvl2pPr>
-            <a:lvl3pPr indent="-317500" lvl="2" marL="1371600">
+            <a:lvl3pPr marL="1371600" lvl="2" indent="-317500">
               <a:spcBef>
                 <a:spcPts val="1600"/>
               </a:spcBef>
@@ -3716,7 +3848,7 @@
               <a:buChar char="■"/>
               <a:defRPr/>
             </a:lvl3pPr>
-            <a:lvl4pPr indent="-317500" lvl="3" marL="1828800">
+            <a:lvl4pPr marL="1828800" lvl="3" indent="-317500">
               <a:spcBef>
                 <a:spcPts val="1600"/>
               </a:spcBef>
@@ -3727,7 +3859,7 @@
               <a:buChar char="●"/>
               <a:defRPr/>
             </a:lvl4pPr>
-            <a:lvl5pPr indent="-317500" lvl="4" marL="2286000">
+            <a:lvl5pPr marL="2286000" lvl="4" indent="-317500">
               <a:spcBef>
                 <a:spcPts val="1600"/>
               </a:spcBef>
@@ -3738,7 +3870,7 @@
               <a:buChar char="○"/>
               <a:defRPr/>
             </a:lvl5pPr>
-            <a:lvl6pPr indent="-317500" lvl="5" marL="2743200">
+            <a:lvl6pPr marL="2743200" lvl="5" indent="-317500">
               <a:spcBef>
                 <a:spcPts val="1600"/>
               </a:spcBef>
@@ -3749,7 +3881,7 @@
               <a:buChar char="■"/>
               <a:defRPr/>
             </a:lvl6pPr>
-            <a:lvl7pPr indent="-317500" lvl="6" marL="3200400">
+            <a:lvl7pPr marL="3200400" lvl="6" indent="-317500">
               <a:spcBef>
                 <a:spcPts val="1600"/>
               </a:spcBef>
@@ -3760,7 +3892,7 @@
               <a:buChar char="●"/>
               <a:defRPr/>
             </a:lvl7pPr>
-            <a:lvl8pPr indent="-317500" lvl="7" marL="3657600">
+            <a:lvl8pPr marL="3657600" lvl="7" indent="-317500">
               <a:spcBef>
                 <a:spcPts val="1600"/>
               </a:spcBef>
@@ -3771,7 +3903,7 @@
               <a:buChar char="○"/>
               <a:defRPr/>
             </a:lvl8pPr>
-            <a:lvl9pPr indent="-317500" lvl="8" marL="4114800">
+            <a:lvl9pPr marL="4114800" lvl="8" indent="-317500">
               <a:spcBef>
                 <a:spcPts val="1600"/>
               </a:spcBef>
@@ -3783,15 +3915,19 @@
               <a:defRPr/>
             </a:lvl9pPr>
           </a:lstStyle>
-          <a:p/>
+          <a:p>
+            <a:endParaRPr/>
+          </a:p>
         </p:txBody>
       </p:sp>
       <p:sp>
         <p:nvSpPr>
           <p:cNvPr id="19" name="Google Shape;19;p4"/>
-          <p:cNvSpPr txBox="1"/>
+          <p:cNvSpPr txBox="1">
+            <a:spLocks noGrp="1"/>
+          </p:cNvSpPr>
           <p:nvPr>
-            <p:ph idx="12" type="sldNum"/>
+            <p:ph type="sldNum" idx="12"/>
           </p:nvPr>
         </p:nvSpPr>
         <p:spPr>
@@ -3804,7 +3940,7 @@
           </a:prstGeom>
         </p:spPr>
         <p:txBody>
-          <a:bodyPr anchorCtr="0" anchor="ctr" bIns="91425" lIns="91425" spcFirstLastPara="1" rIns="91425" wrap="square" tIns="91425">
+          <a:bodyPr spcFirstLastPara="1" wrap="square" lIns="91425" tIns="91425" rIns="91425" bIns="91425" anchor="ctr" anchorCtr="0">
             <a:noAutofit/>
           </a:bodyPr>
           <a:lstStyle>
@@ -3846,7 +3982,7 @@
             </a:lvl9pPr>
           </a:lstStyle>
           <a:p>
-            <a:pPr indent="0" lvl="0" marL="0" rtl="0" algn="r">
+            <a:pPr marL="0" lvl="0" indent="0" algn="r" rtl="0">
               <a:spcBef>
                 <a:spcPts val="0"/>
               </a:spcBef>
@@ -3872,11 +4008,11 @@
 </file>
 
 <file path=ppt/slideLayouts/slideLayout4.xml><?xml version="1.0" encoding="utf-8"?>
-<p:sldLayout xmlns:a="http://schemas.openxmlformats.org/drawingml/2006/main" xmlns:r="http://schemas.openxmlformats.org/officeDocument/2006/relationships" xmlns:mc="http://schemas.openxmlformats.org/markup-compatibility/2006" xmlns:mv="urn:schemas-microsoft-com:mac:vml" xmlns:p="http://schemas.openxmlformats.org/presentationml/2006/main" xmlns:c="http://schemas.openxmlformats.org/drawingml/2006/chart" xmlns:dgm="http://schemas.openxmlformats.org/drawingml/2006/diagram" xmlns:o="urn:schemas-microsoft-com:office:office" xmlns:v="urn:schemas-microsoft-com:vml" xmlns:pvml="urn:schemas-microsoft-com:office:powerpoint" xmlns:com="http://schemas.openxmlformats.org/drawingml/2006/compatibility" xmlns:p14="http://schemas.microsoft.com/office/powerpoint/2010/main" xmlns:p15="http://schemas.microsoft.com/office/powerpoint/2012/main" matchingName="Title and two columns" type="twoColTx">
+<p:sldLayout xmlns:a="http://schemas.openxmlformats.org/drawingml/2006/main" xmlns:r="http://schemas.openxmlformats.org/officeDocument/2006/relationships" xmlns:p="http://schemas.openxmlformats.org/presentationml/2006/main" matchingName="Title and two columns" type="twoColTx">
   <p:cSld name="TITLE_AND_TWO_COLUMNS">
     <p:spTree>
       <p:nvGrpSpPr>
-        <p:cNvPr id="20" name="Shape 20"/>
+        <p:cNvPr id="1" name="Shape 20"/>
         <p:cNvGrpSpPr/>
         <p:nvPr/>
       </p:nvGrpSpPr>
@@ -3891,7 +4027,9 @@
       <p:sp>
         <p:nvSpPr>
           <p:cNvPr id="21" name="Google Shape;21;p5"/>
-          <p:cNvSpPr txBox="1"/>
+          <p:cNvSpPr txBox="1">
+            <a:spLocks noGrp="1"/>
+          </p:cNvSpPr>
           <p:nvPr>
             <p:ph type="title"/>
           </p:nvPr>
@@ -3906,7 +4044,7 @@
           </a:prstGeom>
         </p:spPr>
         <p:txBody>
-          <a:bodyPr anchorCtr="0" anchor="t" bIns="91425" lIns="91425" spcFirstLastPara="1" rIns="91425" wrap="square" tIns="91425"/>
+          <a:bodyPr spcFirstLastPara="1" wrap="square" lIns="91425" tIns="91425" rIns="91425" bIns="91425" anchor="t" anchorCtr="0"/>
           <a:lstStyle>
             <a:lvl1pPr lvl="0">
               <a:spcBef>
@@ -4008,15 +4146,19 @@
               <a:defRPr/>
             </a:lvl9pPr>
           </a:lstStyle>
-          <a:p/>
+          <a:p>
+            <a:endParaRPr/>
+          </a:p>
         </p:txBody>
       </p:sp>
       <p:sp>
         <p:nvSpPr>
           <p:cNvPr id="22" name="Google Shape;22;p5"/>
-          <p:cNvSpPr txBox="1"/>
+          <p:cNvSpPr txBox="1">
+            <a:spLocks noGrp="1"/>
+          </p:cNvSpPr>
           <p:nvPr>
-            <p:ph idx="1" type="body"/>
+            <p:ph type="body" idx="1"/>
           </p:nvPr>
         </p:nvSpPr>
         <p:spPr>
@@ -4029,9 +4171,9 @@
           </a:prstGeom>
         </p:spPr>
         <p:txBody>
-          <a:bodyPr anchorCtr="0" anchor="t" bIns="91425" lIns="91425" spcFirstLastPara="1" rIns="91425" wrap="square" tIns="91425"/>
+          <a:bodyPr spcFirstLastPara="1" wrap="square" lIns="91425" tIns="91425" rIns="91425" bIns="91425" anchor="t" anchorCtr="0"/>
           <a:lstStyle>
-            <a:lvl1pPr indent="-317500" lvl="0" marL="457200">
+            <a:lvl1pPr marL="457200" lvl="0" indent="-317500">
               <a:spcBef>
                 <a:spcPts val="0"/>
               </a:spcBef>
@@ -4042,7 +4184,7 @@
               <a:buChar char="●"/>
               <a:defRPr sz="1400"/>
             </a:lvl1pPr>
-            <a:lvl2pPr indent="-304800" lvl="1" marL="914400">
+            <a:lvl2pPr marL="914400" lvl="1" indent="-304800">
               <a:spcBef>
                 <a:spcPts val="1600"/>
               </a:spcBef>
@@ -4053,7 +4195,7 @@
               <a:buChar char="○"/>
               <a:defRPr sz="1200"/>
             </a:lvl2pPr>
-            <a:lvl3pPr indent="-304800" lvl="2" marL="1371600">
+            <a:lvl3pPr marL="1371600" lvl="2" indent="-304800">
               <a:spcBef>
                 <a:spcPts val="1600"/>
               </a:spcBef>
@@ -4064,7 +4206,7 @@
               <a:buChar char="■"/>
               <a:defRPr sz="1200"/>
             </a:lvl3pPr>
-            <a:lvl4pPr indent="-304800" lvl="3" marL="1828800">
+            <a:lvl4pPr marL="1828800" lvl="3" indent="-304800">
               <a:spcBef>
                 <a:spcPts val="1600"/>
               </a:spcBef>
@@ -4075,7 +4217,7 @@
               <a:buChar char="●"/>
               <a:defRPr sz="1200"/>
             </a:lvl4pPr>
-            <a:lvl5pPr indent="-304800" lvl="4" marL="2286000">
+            <a:lvl5pPr marL="2286000" lvl="4" indent="-304800">
               <a:spcBef>
                 <a:spcPts val="1600"/>
               </a:spcBef>
@@ -4086,7 +4228,7 @@
               <a:buChar char="○"/>
               <a:defRPr sz="1200"/>
             </a:lvl5pPr>
-            <a:lvl6pPr indent="-304800" lvl="5" marL="2743200">
+            <a:lvl6pPr marL="2743200" lvl="5" indent="-304800">
               <a:spcBef>
                 <a:spcPts val="1600"/>
               </a:spcBef>
@@ -4097,7 +4239,7 @@
               <a:buChar char="■"/>
               <a:defRPr sz="1200"/>
             </a:lvl6pPr>
-            <a:lvl7pPr indent="-304800" lvl="6" marL="3200400">
+            <a:lvl7pPr marL="3200400" lvl="6" indent="-304800">
               <a:spcBef>
                 <a:spcPts val="1600"/>
               </a:spcBef>
@@ -4108,7 +4250,7 @@
               <a:buChar char="●"/>
               <a:defRPr sz="1200"/>
             </a:lvl7pPr>
-            <a:lvl8pPr indent="-304800" lvl="7" marL="3657600">
+            <a:lvl8pPr marL="3657600" lvl="7" indent="-304800">
               <a:spcBef>
                 <a:spcPts val="1600"/>
               </a:spcBef>
@@ -4119,7 +4261,7 @@
               <a:buChar char="○"/>
               <a:defRPr sz="1200"/>
             </a:lvl8pPr>
-            <a:lvl9pPr indent="-304800" lvl="8" marL="4114800">
+            <a:lvl9pPr marL="4114800" lvl="8" indent="-304800">
               <a:spcBef>
                 <a:spcPts val="1600"/>
               </a:spcBef>
@@ -4131,15 +4273,19 @@
               <a:defRPr sz="1200"/>
             </a:lvl9pPr>
           </a:lstStyle>
-          <a:p/>
+          <a:p>
+            <a:endParaRPr/>
+          </a:p>
         </p:txBody>
       </p:sp>
       <p:sp>
         <p:nvSpPr>
           <p:cNvPr id="23" name="Google Shape;23;p5"/>
-          <p:cNvSpPr txBox="1"/>
+          <p:cNvSpPr txBox="1">
+            <a:spLocks noGrp="1"/>
+          </p:cNvSpPr>
           <p:nvPr>
-            <p:ph idx="2" type="body"/>
+            <p:ph type="body" idx="2"/>
           </p:nvPr>
         </p:nvSpPr>
         <p:spPr>
@@ -4152,9 +4298,9 @@
           </a:prstGeom>
         </p:spPr>
         <p:txBody>
-          <a:bodyPr anchorCtr="0" anchor="t" bIns="91425" lIns="91425" spcFirstLastPara="1" rIns="91425" wrap="square" tIns="91425"/>
+          <a:bodyPr spcFirstLastPara="1" wrap="square" lIns="91425" tIns="91425" rIns="91425" bIns="91425" anchor="t" anchorCtr="0"/>
           <a:lstStyle>
-            <a:lvl1pPr indent="-317500" lvl="0" marL="457200">
+            <a:lvl1pPr marL="457200" lvl="0" indent="-317500">
               <a:spcBef>
                 <a:spcPts val="0"/>
               </a:spcBef>
@@ -4165,7 +4311,7 @@
               <a:buChar char="●"/>
               <a:defRPr sz="1400"/>
             </a:lvl1pPr>
-            <a:lvl2pPr indent="-304800" lvl="1" marL="914400">
+            <a:lvl2pPr marL="914400" lvl="1" indent="-304800">
               <a:spcBef>
                 <a:spcPts val="1600"/>
               </a:spcBef>
@@ -4176,7 +4322,7 @@
               <a:buChar char="○"/>
               <a:defRPr sz="1200"/>
             </a:lvl2pPr>
-            <a:lvl3pPr indent="-304800" lvl="2" marL="1371600">
+            <a:lvl3pPr marL="1371600" lvl="2" indent="-304800">
               <a:spcBef>
                 <a:spcPts val="1600"/>
               </a:spcBef>
@@ -4187,7 +4333,7 @@
               <a:buChar char="■"/>
               <a:defRPr sz="1200"/>
             </a:lvl3pPr>
-            <a:lvl4pPr indent="-304800" lvl="3" marL="1828800">
+            <a:lvl4pPr marL="1828800" lvl="3" indent="-304800">
               <a:spcBef>
                 <a:spcPts val="1600"/>
               </a:spcBef>
@@ -4198,7 +4344,7 @@
               <a:buChar char="●"/>
               <a:defRPr sz="1200"/>
             </a:lvl4pPr>
-            <a:lvl5pPr indent="-304800" lvl="4" marL="2286000">
+            <a:lvl5pPr marL="2286000" lvl="4" indent="-304800">
               <a:spcBef>
                 <a:spcPts val="1600"/>
               </a:spcBef>
@@ -4209,7 +4355,7 @@
               <a:buChar char="○"/>
               <a:defRPr sz="1200"/>
             </a:lvl5pPr>
-            <a:lvl6pPr indent="-304800" lvl="5" marL="2743200">
+            <a:lvl6pPr marL="2743200" lvl="5" indent="-304800">
               <a:spcBef>
                 <a:spcPts val="1600"/>
               </a:spcBef>
@@ -4220,7 +4366,7 @@
               <a:buChar char="■"/>
               <a:defRPr sz="1200"/>
             </a:lvl6pPr>
-            <a:lvl7pPr indent="-304800" lvl="6" marL="3200400">
+            <a:lvl7pPr marL="3200400" lvl="6" indent="-304800">
               <a:spcBef>
                 <a:spcPts val="1600"/>
               </a:spcBef>
@@ -4231,7 +4377,7 @@
               <a:buChar char="●"/>
               <a:defRPr sz="1200"/>
             </a:lvl7pPr>
-            <a:lvl8pPr indent="-304800" lvl="7" marL="3657600">
+            <a:lvl8pPr marL="3657600" lvl="7" indent="-304800">
               <a:spcBef>
                 <a:spcPts val="1600"/>
               </a:spcBef>
@@ -4242,7 +4388,7 @@
               <a:buChar char="○"/>
               <a:defRPr sz="1200"/>
             </a:lvl8pPr>
-            <a:lvl9pPr indent="-304800" lvl="8" marL="4114800">
+            <a:lvl9pPr marL="4114800" lvl="8" indent="-304800">
               <a:spcBef>
                 <a:spcPts val="1600"/>
               </a:spcBef>
@@ -4254,15 +4400,19 @@
               <a:defRPr sz="1200"/>
             </a:lvl9pPr>
           </a:lstStyle>
-          <a:p/>
+          <a:p>
+            <a:endParaRPr/>
+          </a:p>
         </p:txBody>
       </p:sp>
       <p:sp>
         <p:nvSpPr>
           <p:cNvPr id="24" name="Google Shape;24;p5"/>
-          <p:cNvSpPr txBox="1"/>
+          <p:cNvSpPr txBox="1">
+            <a:spLocks noGrp="1"/>
+          </p:cNvSpPr>
           <p:nvPr>
-            <p:ph idx="12" type="sldNum"/>
+            <p:ph type="sldNum" idx="12"/>
           </p:nvPr>
         </p:nvSpPr>
         <p:spPr>
@@ -4275,7 +4425,7 @@
           </a:prstGeom>
         </p:spPr>
         <p:txBody>
-          <a:bodyPr anchorCtr="0" anchor="ctr" bIns="91425" lIns="91425" spcFirstLastPara="1" rIns="91425" wrap="square" tIns="91425">
+          <a:bodyPr spcFirstLastPara="1" wrap="square" lIns="91425" tIns="91425" rIns="91425" bIns="91425" anchor="ctr" anchorCtr="0">
             <a:noAutofit/>
           </a:bodyPr>
           <a:lstStyle>
@@ -4317,7 +4467,7 @@
             </a:lvl9pPr>
           </a:lstStyle>
           <a:p>
-            <a:pPr indent="0" lvl="0" marL="0" rtl="0" algn="r">
+            <a:pPr marL="0" lvl="0" indent="0" algn="r" rtl="0">
               <a:spcBef>
                 <a:spcPts val="0"/>
               </a:spcBef>
@@ -4343,11 +4493,11 @@
 </file>
 
 <file path=ppt/slideLayouts/slideLayout5.xml><?xml version="1.0" encoding="utf-8"?>
-<p:sldLayout xmlns:a="http://schemas.openxmlformats.org/drawingml/2006/main" xmlns:r="http://schemas.openxmlformats.org/officeDocument/2006/relationships" xmlns:mc="http://schemas.openxmlformats.org/markup-compatibility/2006" xmlns:mv="urn:schemas-microsoft-com:mac:vml" xmlns:p="http://schemas.openxmlformats.org/presentationml/2006/main" xmlns:c="http://schemas.openxmlformats.org/drawingml/2006/chart" xmlns:dgm="http://schemas.openxmlformats.org/drawingml/2006/diagram" xmlns:o="urn:schemas-microsoft-com:office:office" xmlns:v="urn:schemas-microsoft-com:vml" xmlns:pvml="urn:schemas-microsoft-com:office:powerpoint" xmlns:com="http://schemas.openxmlformats.org/drawingml/2006/compatibility" xmlns:p14="http://schemas.microsoft.com/office/powerpoint/2010/main" xmlns:p15="http://schemas.microsoft.com/office/powerpoint/2012/main" matchingName="Title only" type="titleOnly">
+<p:sldLayout xmlns:a="http://schemas.openxmlformats.org/drawingml/2006/main" xmlns:r="http://schemas.openxmlformats.org/officeDocument/2006/relationships" xmlns:p="http://schemas.openxmlformats.org/presentationml/2006/main" matchingName="Title only" type="titleOnly">
   <p:cSld name="TITLE_ONLY">
     <p:spTree>
       <p:nvGrpSpPr>
-        <p:cNvPr id="25" name="Shape 25"/>
+        <p:cNvPr id="1" name="Shape 25"/>
         <p:cNvGrpSpPr/>
         <p:nvPr/>
       </p:nvGrpSpPr>
@@ -4362,7 +4512,9 @@
       <p:sp>
         <p:nvSpPr>
           <p:cNvPr id="26" name="Google Shape;26;p6"/>
-          <p:cNvSpPr txBox="1"/>
+          <p:cNvSpPr txBox="1">
+            <a:spLocks noGrp="1"/>
+          </p:cNvSpPr>
           <p:nvPr>
             <p:ph type="title"/>
           </p:nvPr>
@@ -4377,7 +4529,7 @@
           </a:prstGeom>
         </p:spPr>
         <p:txBody>
-          <a:bodyPr anchorCtr="0" anchor="t" bIns="91425" lIns="91425" spcFirstLastPara="1" rIns="91425" wrap="square" tIns="91425"/>
+          <a:bodyPr spcFirstLastPara="1" wrap="square" lIns="91425" tIns="91425" rIns="91425" bIns="91425" anchor="t" anchorCtr="0"/>
           <a:lstStyle>
             <a:lvl1pPr lvl="0">
               <a:spcBef>
@@ -4479,15 +4631,19 @@
               <a:defRPr/>
             </a:lvl9pPr>
           </a:lstStyle>
-          <a:p/>
+          <a:p>
+            <a:endParaRPr/>
+          </a:p>
         </p:txBody>
       </p:sp>
       <p:sp>
         <p:nvSpPr>
           <p:cNvPr id="27" name="Google Shape;27;p6"/>
-          <p:cNvSpPr txBox="1"/>
+          <p:cNvSpPr txBox="1">
+            <a:spLocks noGrp="1"/>
+          </p:cNvSpPr>
           <p:nvPr>
-            <p:ph idx="12" type="sldNum"/>
+            <p:ph type="sldNum" idx="12"/>
           </p:nvPr>
         </p:nvSpPr>
         <p:spPr>
@@ -4500,7 +4656,7 @@
           </a:prstGeom>
         </p:spPr>
         <p:txBody>
-          <a:bodyPr anchorCtr="0" anchor="ctr" bIns="91425" lIns="91425" spcFirstLastPara="1" rIns="91425" wrap="square" tIns="91425">
+          <a:bodyPr spcFirstLastPara="1" wrap="square" lIns="91425" tIns="91425" rIns="91425" bIns="91425" anchor="ctr" anchorCtr="0">
             <a:noAutofit/>
           </a:bodyPr>
           <a:lstStyle>
@@ -4542,7 +4698,7 @@
             </a:lvl9pPr>
           </a:lstStyle>
           <a:p>
-            <a:pPr indent="0" lvl="0" marL="0" rtl="0" algn="r">
+            <a:pPr marL="0" lvl="0" indent="0" algn="r" rtl="0">
               <a:spcBef>
                 <a:spcPts val="0"/>
               </a:spcBef>
@@ -4568,11 +4724,11 @@
 </file>
 
 <file path=ppt/slideLayouts/slideLayout6.xml><?xml version="1.0" encoding="utf-8"?>
-<p:sldLayout xmlns:a="http://schemas.openxmlformats.org/drawingml/2006/main" xmlns:r="http://schemas.openxmlformats.org/officeDocument/2006/relationships" xmlns:mc="http://schemas.openxmlformats.org/markup-compatibility/2006" xmlns:mv="urn:schemas-microsoft-com:mac:vml" xmlns:p="http://schemas.openxmlformats.org/presentationml/2006/main" xmlns:c="http://schemas.openxmlformats.org/drawingml/2006/chart" xmlns:dgm="http://schemas.openxmlformats.org/drawingml/2006/diagram" xmlns:o="urn:schemas-microsoft-com:office:office" xmlns:v="urn:schemas-microsoft-com:vml" xmlns:pvml="urn:schemas-microsoft-com:office:powerpoint" xmlns:com="http://schemas.openxmlformats.org/drawingml/2006/compatibility" xmlns:p14="http://schemas.microsoft.com/office/powerpoint/2010/main" xmlns:p15="http://schemas.microsoft.com/office/powerpoint/2012/main" matchingName="One column text">
+<p:sldLayout xmlns:a="http://schemas.openxmlformats.org/drawingml/2006/main" xmlns:r="http://schemas.openxmlformats.org/officeDocument/2006/relationships" xmlns:p="http://schemas.openxmlformats.org/presentationml/2006/main" matchingName="One column text">
   <p:cSld name="ONE_COLUMN_TEXT">
     <p:spTree>
       <p:nvGrpSpPr>
-        <p:cNvPr id="28" name="Shape 28"/>
+        <p:cNvPr id="1" name="Shape 28"/>
         <p:cNvGrpSpPr/>
         <p:nvPr/>
       </p:nvGrpSpPr>
@@ -4587,7 +4743,9 @@
       <p:sp>
         <p:nvSpPr>
           <p:cNvPr id="29" name="Google Shape;29;p7"/>
-          <p:cNvSpPr txBox="1"/>
+          <p:cNvSpPr txBox="1">
+            <a:spLocks noGrp="1"/>
+          </p:cNvSpPr>
           <p:nvPr>
             <p:ph type="title"/>
           </p:nvPr>
@@ -4602,7 +4760,7 @@
           </a:prstGeom>
         </p:spPr>
         <p:txBody>
-          <a:bodyPr anchorCtr="0" anchor="b" bIns="91425" lIns="91425" spcFirstLastPara="1" rIns="91425" wrap="square" tIns="91425"/>
+          <a:bodyPr spcFirstLastPara="1" wrap="square" lIns="91425" tIns="91425" rIns="91425" bIns="91425" anchor="b" anchorCtr="0"/>
           <a:lstStyle>
             <a:lvl1pPr lvl="0">
               <a:spcBef>
@@ -4704,15 +4862,19 @@
               <a:defRPr sz="2400"/>
             </a:lvl9pPr>
           </a:lstStyle>
-          <a:p/>
+          <a:p>
+            <a:endParaRPr/>
+          </a:p>
         </p:txBody>
       </p:sp>
       <p:sp>
         <p:nvSpPr>
           <p:cNvPr id="30" name="Google Shape;30;p7"/>
-          <p:cNvSpPr txBox="1"/>
+          <p:cNvSpPr txBox="1">
+            <a:spLocks noGrp="1"/>
+          </p:cNvSpPr>
           <p:nvPr>
-            <p:ph idx="1" type="body"/>
+            <p:ph type="body" idx="1"/>
           </p:nvPr>
         </p:nvSpPr>
         <p:spPr>
@@ -4725,9 +4887,9 @@
           </a:prstGeom>
         </p:spPr>
         <p:txBody>
-          <a:bodyPr anchorCtr="0" anchor="t" bIns="91425" lIns="91425" spcFirstLastPara="1" rIns="91425" wrap="square" tIns="91425"/>
+          <a:bodyPr spcFirstLastPara="1" wrap="square" lIns="91425" tIns="91425" rIns="91425" bIns="91425" anchor="t" anchorCtr="0"/>
           <a:lstStyle>
-            <a:lvl1pPr indent="-304800" lvl="0" marL="457200">
+            <a:lvl1pPr marL="457200" lvl="0" indent="-304800">
               <a:spcBef>
                 <a:spcPts val="0"/>
               </a:spcBef>
@@ -4738,7 +4900,7 @@
               <a:buChar char="●"/>
               <a:defRPr sz="1200"/>
             </a:lvl1pPr>
-            <a:lvl2pPr indent="-304800" lvl="1" marL="914400">
+            <a:lvl2pPr marL="914400" lvl="1" indent="-304800">
               <a:spcBef>
                 <a:spcPts val="1600"/>
               </a:spcBef>
@@ -4749,7 +4911,7 @@
               <a:buChar char="○"/>
               <a:defRPr sz="1200"/>
             </a:lvl2pPr>
-            <a:lvl3pPr indent="-304800" lvl="2" marL="1371600">
+            <a:lvl3pPr marL="1371600" lvl="2" indent="-304800">
               <a:spcBef>
                 <a:spcPts val="1600"/>
               </a:spcBef>
@@ -4760,7 +4922,7 @@
               <a:buChar char="■"/>
               <a:defRPr sz="1200"/>
             </a:lvl3pPr>
-            <a:lvl4pPr indent="-304800" lvl="3" marL="1828800">
+            <a:lvl4pPr marL="1828800" lvl="3" indent="-304800">
               <a:spcBef>
                 <a:spcPts val="1600"/>
               </a:spcBef>
@@ -4771,7 +4933,7 @@
               <a:buChar char="●"/>
               <a:defRPr sz="1200"/>
             </a:lvl4pPr>
-            <a:lvl5pPr indent="-304800" lvl="4" marL="2286000">
+            <a:lvl5pPr marL="2286000" lvl="4" indent="-304800">
               <a:spcBef>
                 <a:spcPts val="1600"/>
               </a:spcBef>
@@ -4782,7 +4944,7 @@
               <a:buChar char="○"/>
               <a:defRPr sz="1200"/>
             </a:lvl5pPr>
-            <a:lvl6pPr indent="-304800" lvl="5" marL="2743200">
+            <a:lvl6pPr marL="2743200" lvl="5" indent="-304800">
               <a:spcBef>
                 <a:spcPts val="1600"/>
               </a:spcBef>
@@ -4793,7 +4955,7 @@
               <a:buChar char="■"/>
               <a:defRPr sz="1200"/>
             </a:lvl6pPr>
-            <a:lvl7pPr indent="-304800" lvl="6" marL="3200400">
+            <a:lvl7pPr marL="3200400" lvl="6" indent="-304800">
               <a:spcBef>
                 <a:spcPts val="1600"/>
               </a:spcBef>
@@ -4804,7 +4966,7 @@
               <a:buChar char="●"/>
               <a:defRPr sz="1200"/>
             </a:lvl7pPr>
-            <a:lvl8pPr indent="-304800" lvl="7" marL="3657600">
+            <a:lvl8pPr marL="3657600" lvl="7" indent="-304800">
               <a:spcBef>
                 <a:spcPts val="1600"/>
               </a:spcBef>
@@ -4815,7 +4977,7 @@
               <a:buChar char="○"/>
               <a:defRPr sz="1200"/>
             </a:lvl8pPr>
-            <a:lvl9pPr indent="-304800" lvl="8" marL="4114800">
+            <a:lvl9pPr marL="4114800" lvl="8" indent="-304800">
               <a:spcBef>
                 <a:spcPts val="1600"/>
               </a:spcBef>
@@ -4827,15 +4989,19 @@
               <a:defRPr sz="1200"/>
             </a:lvl9pPr>
           </a:lstStyle>
-          <a:p/>
+          <a:p>
+            <a:endParaRPr/>
+          </a:p>
         </p:txBody>
       </p:sp>
       <p:sp>
         <p:nvSpPr>
           <p:cNvPr id="31" name="Google Shape;31;p7"/>
-          <p:cNvSpPr txBox="1"/>
+          <p:cNvSpPr txBox="1">
+            <a:spLocks noGrp="1"/>
+          </p:cNvSpPr>
           <p:nvPr>
-            <p:ph idx="12" type="sldNum"/>
+            <p:ph type="sldNum" idx="12"/>
           </p:nvPr>
         </p:nvSpPr>
         <p:spPr>
@@ -4848,7 +5014,7 @@
           </a:prstGeom>
         </p:spPr>
         <p:txBody>
-          <a:bodyPr anchorCtr="0" anchor="ctr" bIns="91425" lIns="91425" spcFirstLastPara="1" rIns="91425" wrap="square" tIns="91425">
+          <a:bodyPr spcFirstLastPara="1" wrap="square" lIns="91425" tIns="91425" rIns="91425" bIns="91425" anchor="ctr" anchorCtr="0">
             <a:noAutofit/>
           </a:bodyPr>
           <a:lstStyle>
@@ -4890,7 +5056,7 @@
             </a:lvl9pPr>
           </a:lstStyle>
           <a:p>
-            <a:pPr indent="0" lvl="0" marL="0" rtl="0" algn="r">
+            <a:pPr marL="0" lvl="0" indent="0" algn="r" rtl="0">
               <a:spcBef>
                 <a:spcPts val="0"/>
               </a:spcBef>
@@ -4916,11 +5082,11 @@
 </file>
 
 <file path=ppt/slideLayouts/slideLayout7.xml><?xml version="1.0" encoding="utf-8"?>
-<p:sldLayout xmlns:a="http://schemas.openxmlformats.org/drawingml/2006/main" xmlns:r="http://schemas.openxmlformats.org/officeDocument/2006/relationships" xmlns:mc="http://schemas.openxmlformats.org/markup-compatibility/2006" xmlns:mv="urn:schemas-microsoft-com:mac:vml" xmlns:p="http://schemas.openxmlformats.org/presentationml/2006/main" xmlns:c="http://schemas.openxmlformats.org/drawingml/2006/chart" xmlns:dgm="http://schemas.openxmlformats.org/drawingml/2006/diagram" xmlns:o="urn:schemas-microsoft-com:office:office" xmlns:v="urn:schemas-microsoft-com:vml" xmlns:pvml="urn:schemas-microsoft-com:office:powerpoint" xmlns:com="http://schemas.openxmlformats.org/drawingml/2006/compatibility" xmlns:p14="http://schemas.microsoft.com/office/powerpoint/2010/main" xmlns:p15="http://schemas.microsoft.com/office/powerpoint/2012/main" matchingName="Main point">
+<p:sldLayout xmlns:a="http://schemas.openxmlformats.org/drawingml/2006/main" xmlns:r="http://schemas.openxmlformats.org/officeDocument/2006/relationships" xmlns:p="http://schemas.openxmlformats.org/presentationml/2006/main" matchingName="Main point">
   <p:cSld name="MAIN_POINT">
     <p:spTree>
       <p:nvGrpSpPr>
-        <p:cNvPr id="32" name="Shape 32"/>
+        <p:cNvPr id="1" name="Shape 32"/>
         <p:cNvGrpSpPr/>
         <p:nvPr/>
       </p:nvGrpSpPr>
@@ -4935,7 +5101,9 @@
       <p:sp>
         <p:nvSpPr>
           <p:cNvPr id="33" name="Google Shape;33;p8"/>
-          <p:cNvSpPr txBox="1"/>
+          <p:cNvSpPr txBox="1">
+            <a:spLocks noGrp="1"/>
+          </p:cNvSpPr>
           <p:nvPr>
             <p:ph type="title"/>
           </p:nvPr>
@@ -4950,7 +5118,7 @@
           </a:prstGeom>
         </p:spPr>
         <p:txBody>
-          <a:bodyPr anchorCtr="0" anchor="ctr" bIns="91425" lIns="91425" spcFirstLastPara="1" rIns="91425" wrap="square" tIns="91425"/>
+          <a:bodyPr spcFirstLastPara="1" wrap="square" lIns="91425" tIns="91425" rIns="91425" bIns="91425" anchor="ctr" anchorCtr="0"/>
           <a:lstStyle>
             <a:lvl1pPr lvl="0">
               <a:spcBef>
@@ -5052,15 +5220,19 @@
               <a:defRPr sz="4800"/>
             </a:lvl9pPr>
           </a:lstStyle>
-          <a:p/>
+          <a:p>
+            <a:endParaRPr/>
+          </a:p>
         </p:txBody>
       </p:sp>
       <p:sp>
         <p:nvSpPr>
           <p:cNvPr id="34" name="Google Shape;34;p8"/>
-          <p:cNvSpPr txBox="1"/>
+          <p:cNvSpPr txBox="1">
+            <a:spLocks noGrp="1"/>
+          </p:cNvSpPr>
           <p:nvPr>
-            <p:ph idx="12" type="sldNum"/>
+            <p:ph type="sldNum" idx="12"/>
           </p:nvPr>
         </p:nvSpPr>
         <p:spPr>
@@ -5073,7 +5245,7 @@
           </a:prstGeom>
         </p:spPr>
         <p:txBody>
-          <a:bodyPr anchorCtr="0" anchor="ctr" bIns="91425" lIns="91425" spcFirstLastPara="1" rIns="91425" wrap="square" tIns="91425">
+          <a:bodyPr spcFirstLastPara="1" wrap="square" lIns="91425" tIns="91425" rIns="91425" bIns="91425" anchor="ctr" anchorCtr="0">
             <a:noAutofit/>
           </a:bodyPr>
           <a:lstStyle>
@@ -5115,7 +5287,7 @@
             </a:lvl9pPr>
           </a:lstStyle>
           <a:p>
-            <a:pPr indent="0" lvl="0" marL="0" rtl="0" algn="r">
+            <a:pPr marL="0" lvl="0" indent="0" algn="r" rtl="0">
               <a:spcBef>
                 <a:spcPts val="0"/>
               </a:spcBef>
@@ -5141,11 +5313,11 @@
 </file>
 
 <file path=ppt/slideLayouts/slideLayout8.xml><?xml version="1.0" encoding="utf-8"?>
-<p:sldLayout xmlns:a="http://schemas.openxmlformats.org/drawingml/2006/main" xmlns:r="http://schemas.openxmlformats.org/officeDocument/2006/relationships" xmlns:mc="http://schemas.openxmlformats.org/markup-compatibility/2006" xmlns:mv="urn:schemas-microsoft-com:mac:vml" xmlns:p="http://schemas.openxmlformats.org/presentationml/2006/main" xmlns:c="http://schemas.openxmlformats.org/drawingml/2006/chart" xmlns:dgm="http://schemas.openxmlformats.org/drawingml/2006/diagram" xmlns:o="urn:schemas-microsoft-com:office:office" xmlns:v="urn:schemas-microsoft-com:vml" xmlns:pvml="urn:schemas-microsoft-com:office:powerpoint" xmlns:com="http://schemas.openxmlformats.org/drawingml/2006/compatibility" xmlns:p14="http://schemas.microsoft.com/office/powerpoint/2010/main" xmlns:p15="http://schemas.microsoft.com/office/powerpoint/2012/main" matchingName="Section title and description">
+<p:sldLayout xmlns:a="http://schemas.openxmlformats.org/drawingml/2006/main" xmlns:r="http://schemas.openxmlformats.org/officeDocument/2006/relationships" xmlns:p="http://schemas.openxmlformats.org/presentationml/2006/main" matchingName="Section title and description">
   <p:cSld name="SECTION_TITLE_AND_DESCRIPTION">
     <p:spTree>
       <p:nvGrpSpPr>
-        <p:cNvPr id="35" name="Shape 35"/>
+        <p:cNvPr id="1" name="Shape 35"/>
         <p:cNvGrpSpPr/>
         <p:nvPr/>
       </p:nvGrpSpPr>
@@ -5179,12 +5351,12 @@
           </a:ln>
         </p:spPr>
         <p:txBody>
-          <a:bodyPr anchorCtr="0" anchor="ctr" bIns="91425" lIns="91425" spcFirstLastPara="1" rIns="91425" wrap="square" tIns="91425">
+          <a:bodyPr spcFirstLastPara="1" wrap="square" lIns="91425" tIns="91425" rIns="91425" bIns="91425" anchor="ctr" anchorCtr="0">
             <a:noAutofit/>
           </a:bodyPr>
           <a:lstStyle/>
           <a:p>
-            <a:pPr indent="0" lvl="0" marL="0" rtl="0" algn="l">
+            <a:pPr marL="0" lvl="0" indent="0" algn="l" rtl="0">
               <a:spcBef>
                 <a:spcPts val="0"/>
               </a:spcBef>
@@ -5193,9 +5365,6 @@
               </a:spcAft>
               <a:buNone/>
             </a:pPr>
-            <a:r>
-              <a:t/>
-            </a:r>
             <a:endParaRPr/>
           </a:p>
         </p:txBody>
@@ -5203,7 +5372,9 @@
       <p:sp>
         <p:nvSpPr>
           <p:cNvPr id="37" name="Google Shape;37;p9"/>
-          <p:cNvSpPr txBox="1"/>
+          <p:cNvSpPr txBox="1">
+            <a:spLocks noGrp="1"/>
+          </p:cNvSpPr>
           <p:nvPr>
             <p:ph type="title"/>
           </p:nvPr>
@@ -5218,7 +5389,7 @@
           </a:prstGeom>
         </p:spPr>
         <p:txBody>
-          <a:bodyPr anchorCtr="0" anchor="b" bIns="91425" lIns="91425" spcFirstLastPara="1" rIns="91425" wrap="square" tIns="91425"/>
+          <a:bodyPr spcFirstLastPara="1" wrap="square" lIns="91425" tIns="91425" rIns="91425" bIns="91425" anchor="b" anchorCtr="0"/>
           <a:lstStyle>
             <a:lvl1pPr lvl="0" algn="ctr">
               <a:spcBef>
@@ -5320,15 +5491,19 @@
               <a:defRPr sz="4200"/>
             </a:lvl9pPr>
           </a:lstStyle>
-          <a:p/>
+          <a:p>
+            <a:endParaRPr/>
+          </a:p>
         </p:txBody>
       </p:sp>
       <p:sp>
         <p:nvSpPr>
           <p:cNvPr id="38" name="Google Shape;38;p9"/>
-          <p:cNvSpPr txBox="1"/>
+          <p:cNvSpPr txBox="1">
+            <a:spLocks noGrp="1"/>
+          </p:cNvSpPr>
           <p:nvPr>
-            <p:ph idx="1" type="subTitle"/>
+            <p:ph type="subTitle" idx="1"/>
           </p:nvPr>
         </p:nvSpPr>
         <p:spPr>
@@ -5341,7 +5516,7 @@
           </a:prstGeom>
         </p:spPr>
         <p:txBody>
-          <a:bodyPr anchorCtr="0" anchor="t" bIns="91425" lIns="91425" spcFirstLastPara="1" rIns="91425" wrap="square" tIns="91425"/>
+          <a:bodyPr spcFirstLastPara="1" wrap="square" lIns="91425" tIns="91425" rIns="91425" bIns="91425" anchor="t" anchorCtr="0"/>
           <a:lstStyle>
             <a:lvl1pPr lvl="0" algn="ctr">
               <a:lnSpc>
@@ -5470,15 +5645,19 @@
               <a:defRPr sz="2100"/>
             </a:lvl9pPr>
           </a:lstStyle>
-          <a:p/>
+          <a:p>
+            <a:endParaRPr/>
+          </a:p>
         </p:txBody>
       </p:sp>
       <p:sp>
         <p:nvSpPr>
           <p:cNvPr id="39" name="Google Shape;39;p9"/>
-          <p:cNvSpPr txBox="1"/>
+          <p:cNvSpPr txBox="1">
+            <a:spLocks noGrp="1"/>
+          </p:cNvSpPr>
           <p:nvPr>
-            <p:ph idx="2" type="body"/>
+            <p:ph type="body" idx="2"/>
           </p:nvPr>
         </p:nvSpPr>
         <p:spPr>
@@ -5491,9 +5670,9 @@
           </a:prstGeom>
         </p:spPr>
         <p:txBody>
-          <a:bodyPr anchorCtr="0" anchor="ctr" bIns="91425" lIns="91425" spcFirstLastPara="1" rIns="91425" wrap="square" tIns="91425"/>
+          <a:bodyPr spcFirstLastPara="1" wrap="square" lIns="91425" tIns="91425" rIns="91425" bIns="91425" anchor="ctr" anchorCtr="0"/>
           <a:lstStyle>
-            <a:lvl1pPr indent="-342900" lvl="0" marL="457200">
+            <a:lvl1pPr marL="457200" lvl="0" indent="-342900">
               <a:spcBef>
                 <a:spcPts val="0"/>
               </a:spcBef>
@@ -5504,7 +5683,7 @@
               <a:buChar char="●"/>
               <a:defRPr/>
             </a:lvl1pPr>
-            <a:lvl2pPr indent="-317500" lvl="1" marL="914400">
+            <a:lvl2pPr marL="914400" lvl="1" indent="-317500">
               <a:spcBef>
                 <a:spcPts val="1600"/>
               </a:spcBef>
@@ -5515,7 +5694,7 @@
               <a:buChar char="○"/>
               <a:defRPr/>
             </a:lvl2pPr>
-            <a:lvl3pPr indent="-317500" lvl="2" marL="1371600">
+            <a:lvl3pPr marL="1371600" lvl="2" indent="-317500">
               <a:spcBef>
                 <a:spcPts val="1600"/>
               </a:spcBef>
@@ -5526,7 +5705,7 @@
               <a:buChar char="■"/>
               <a:defRPr/>
             </a:lvl3pPr>
-            <a:lvl4pPr indent="-317500" lvl="3" marL="1828800">
+            <a:lvl4pPr marL="1828800" lvl="3" indent="-317500">
               <a:spcBef>
                 <a:spcPts val="1600"/>
               </a:spcBef>
@@ -5537,7 +5716,7 @@
               <a:buChar char="●"/>
               <a:defRPr/>
             </a:lvl4pPr>
-            <a:lvl5pPr indent="-317500" lvl="4" marL="2286000">
+            <a:lvl5pPr marL="2286000" lvl="4" indent="-317500">
               <a:spcBef>
                 <a:spcPts val="1600"/>
               </a:spcBef>
@@ -5548,7 +5727,7 @@
               <a:buChar char="○"/>
               <a:defRPr/>
             </a:lvl5pPr>
-            <a:lvl6pPr indent="-317500" lvl="5" marL="2743200">
+            <a:lvl6pPr marL="2743200" lvl="5" indent="-317500">
               <a:spcBef>
                 <a:spcPts val="1600"/>
               </a:spcBef>
@@ -5559,7 +5738,7 @@
               <a:buChar char="■"/>
               <a:defRPr/>
             </a:lvl6pPr>
-            <a:lvl7pPr indent="-317500" lvl="6" marL="3200400">
+            <a:lvl7pPr marL="3200400" lvl="6" indent="-317500">
               <a:spcBef>
                 <a:spcPts val="1600"/>
               </a:spcBef>
@@ -5570,7 +5749,7 @@
               <a:buChar char="●"/>
               <a:defRPr/>
             </a:lvl7pPr>
-            <a:lvl8pPr indent="-317500" lvl="7" marL="3657600">
+            <a:lvl8pPr marL="3657600" lvl="7" indent="-317500">
               <a:spcBef>
                 <a:spcPts val="1600"/>
               </a:spcBef>
@@ -5581,7 +5760,7 @@
               <a:buChar char="○"/>
               <a:defRPr/>
             </a:lvl8pPr>
-            <a:lvl9pPr indent="-317500" lvl="8" marL="4114800">
+            <a:lvl9pPr marL="4114800" lvl="8" indent="-317500">
               <a:spcBef>
                 <a:spcPts val="1600"/>
               </a:spcBef>
@@ -5593,15 +5772,19 @@
               <a:defRPr/>
             </a:lvl9pPr>
           </a:lstStyle>
-          <a:p/>
+          <a:p>
+            <a:endParaRPr/>
+          </a:p>
         </p:txBody>
       </p:sp>
       <p:sp>
         <p:nvSpPr>
           <p:cNvPr id="40" name="Google Shape;40;p9"/>
-          <p:cNvSpPr txBox="1"/>
+          <p:cNvSpPr txBox="1">
+            <a:spLocks noGrp="1"/>
+          </p:cNvSpPr>
           <p:nvPr>
-            <p:ph idx="12" type="sldNum"/>
+            <p:ph type="sldNum" idx="12"/>
           </p:nvPr>
         </p:nvSpPr>
         <p:spPr>
@@ -5614,7 +5797,7 @@
           </a:prstGeom>
         </p:spPr>
         <p:txBody>
-          <a:bodyPr anchorCtr="0" anchor="ctr" bIns="91425" lIns="91425" spcFirstLastPara="1" rIns="91425" wrap="square" tIns="91425">
+          <a:bodyPr spcFirstLastPara="1" wrap="square" lIns="91425" tIns="91425" rIns="91425" bIns="91425" anchor="ctr" anchorCtr="0">
             <a:noAutofit/>
           </a:bodyPr>
           <a:lstStyle>
@@ -5656,7 +5839,7 @@
             </a:lvl9pPr>
           </a:lstStyle>
           <a:p>
-            <a:pPr indent="0" lvl="0" marL="0" rtl="0" algn="r">
+            <a:pPr marL="0" lvl="0" indent="0" algn="r" rtl="0">
               <a:spcBef>
                 <a:spcPts val="0"/>
               </a:spcBef>
@@ -5682,11 +5865,11 @@
 </file>
 
 <file path=ppt/slideLayouts/slideLayout9.xml><?xml version="1.0" encoding="utf-8"?>
-<p:sldLayout xmlns:a="http://schemas.openxmlformats.org/drawingml/2006/main" xmlns:r="http://schemas.openxmlformats.org/officeDocument/2006/relationships" xmlns:mc="http://schemas.openxmlformats.org/markup-compatibility/2006" xmlns:mv="urn:schemas-microsoft-com:mac:vml" xmlns:p="http://schemas.openxmlformats.org/presentationml/2006/main" xmlns:c="http://schemas.openxmlformats.org/drawingml/2006/chart" xmlns:dgm="http://schemas.openxmlformats.org/drawingml/2006/diagram" xmlns:o="urn:schemas-microsoft-com:office:office" xmlns:v="urn:schemas-microsoft-com:vml" xmlns:pvml="urn:schemas-microsoft-com:office:powerpoint" xmlns:com="http://schemas.openxmlformats.org/drawingml/2006/compatibility" xmlns:p14="http://schemas.microsoft.com/office/powerpoint/2010/main" xmlns:p15="http://schemas.microsoft.com/office/powerpoint/2012/main" matchingName="Caption">
+<p:sldLayout xmlns:a="http://schemas.openxmlformats.org/drawingml/2006/main" xmlns:r="http://schemas.openxmlformats.org/officeDocument/2006/relationships" xmlns:p="http://schemas.openxmlformats.org/presentationml/2006/main" matchingName="Caption">
   <p:cSld name="CAPTION_ONLY">
     <p:spTree>
       <p:nvGrpSpPr>
-        <p:cNvPr id="41" name="Shape 41"/>
+        <p:cNvPr id="1" name="Shape 41"/>
         <p:cNvGrpSpPr/>
         <p:nvPr/>
       </p:nvGrpSpPr>
@@ -5701,9 +5884,11 @@
       <p:sp>
         <p:nvSpPr>
           <p:cNvPr id="42" name="Google Shape;42;p10"/>
-          <p:cNvSpPr txBox="1"/>
+          <p:cNvSpPr txBox="1">
+            <a:spLocks noGrp="1"/>
+          </p:cNvSpPr>
           <p:nvPr>
-            <p:ph idx="1" type="body"/>
+            <p:ph type="body" idx="1"/>
           </p:nvPr>
         </p:nvSpPr>
         <p:spPr>
@@ -5716,9 +5901,9 @@
           </a:prstGeom>
         </p:spPr>
         <p:txBody>
-          <a:bodyPr anchorCtr="0" anchor="ctr" bIns="91425" lIns="91425" spcFirstLastPara="1" rIns="91425" wrap="square" tIns="91425"/>
+          <a:bodyPr spcFirstLastPara="1" wrap="square" lIns="91425" tIns="91425" rIns="91425" bIns="91425" anchor="ctr" anchorCtr="0"/>
           <a:lstStyle>
-            <a:lvl1pPr indent="-228600" lvl="0" marL="457200">
+            <a:lvl1pPr marL="457200" lvl="0" indent="-228600">
               <a:lnSpc>
                 <a:spcPct val="100000"/>
               </a:lnSpc>
@@ -5733,15 +5918,19 @@
               <a:defRPr/>
             </a:lvl1pPr>
           </a:lstStyle>
-          <a:p/>
+          <a:p>
+            <a:endParaRPr/>
+          </a:p>
         </p:txBody>
       </p:sp>
       <p:sp>
         <p:nvSpPr>
           <p:cNvPr id="43" name="Google Shape;43;p10"/>
-          <p:cNvSpPr txBox="1"/>
+          <p:cNvSpPr txBox="1">
+            <a:spLocks noGrp="1"/>
+          </p:cNvSpPr>
           <p:nvPr>
-            <p:ph idx="12" type="sldNum"/>
+            <p:ph type="sldNum" idx="12"/>
           </p:nvPr>
         </p:nvSpPr>
         <p:spPr>
@@ -5754,7 +5943,7 @@
           </a:prstGeom>
         </p:spPr>
         <p:txBody>
-          <a:bodyPr anchorCtr="0" anchor="ctr" bIns="91425" lIns="91425" spcFirstLastPara="1" rIns="91425" wrap="square" tIns="91425">
+          <a:bodyPr spcFirstLastPara="1" wrap="square" lIns="91425" tIns="91425" rIns="91425" bIns="91425" anchor="ctr" anchorCtr="0">
             <a:noAutofit/>
           </a:bodyPr>
           <a:lstStyle>
@@ -5796,7 +5985,7 @@
             </a:lvl9pPr>
           </a:lstStyle>
           <a:p>
-            <a:pPr indent="0" lvl="0" marL="0" rtl="0" algn="r">
+            <a:pPr marL="0" lvl="0" indent="0" algn="r" rtl="0">
               <a:spcBef>
                 <a:spcPts val="0"/>
               </a:spcBef>
@@ -5822,18 +6011,19 @@
 </file>
 
 <file path=ppt/slideMasters/slideMaster1.xml><?xml version="1.0" encoding="utf-8"?>
-<p:sldMaster xmlns:a="http://schemas.openxmlformats.org/drawingml/2006/main" xmlns:r="http://schemas.openxmlformats.org/officeDocument/2006/relationships" xmlns:mc="http://schemas.openxmlformats.org/markup-compatibility/2006" xmlns:mv="urn:schemas-microsoft-com:mac:vml" xmlns:p="http://schemas.openxmlformats.org/presentationml/2006/main" xmlns:c="http://schemas.openxmlformats.org/drawingml/2006/chart" xmlns:dgm="http://schemas.openxmlformats.org/drawingml/2006/diagram" xmlns:o="urn:schemas-microsoft-com:office:office" xmlns:v="urn:schemas-microsoft-com:vml" xmlns:pvml="urn:schemas-microsoft-com:office:powerpoint" xmlns:com="http://schemas.openxmlformats.org/drawingml/2006/compatibility" xmlns:p14="http://schemas.microsoft.com/office/powerpoint/2010/main" xmlns:p15="http://schemas.microsoft.com/office/powerpoint/2012/main">
+<p:sldMaster xmlns:a="http://schemas.openxmlformats.org/drawingml/2006/main" xmlns:r="http://schemas.openxmlformats.org/officeDocument/2006/relationships" xmlns:p="http://schemas.openxmlformats.org/presentationml/2006/main">
   <p:cSld name="simple-light-2">
     <p:bg>
       <p:bgPr>
         <a:solidFill>
           <a:srgbClr val="A676E1"/>
         </a:solidFill>
+        <a:effectLst/>
       </p:bgPr>
     </p:bg>
     <p:spTree>
       <p:nvGrpSpPr>
-        <p:cNvPr id="5" name="Shape 5"/>
+        <p:cNvPr id="1" name="Shape 5"/>
         <p:cNvGrpSpPr/>
         <p:nvPr/>
       </p:nvGrpSpPr>
@@ -5848,7 +6038,9 @@
       <p:sp>
         <p:nvSpPr>
           <p:cNvPr id="6" name="Google Shape;6;p1"/>
-          <p:cNvSpPr txBox="1"/>
+          <p:cNvSpPr txBox="1">
+            <a:spLocks noGrp="1"/>
+          </p:cNvSpPr>
           <p:nvPr>
             <p:ph type="title"/>
           </p:nvPr>
@@ -5867,7 +6059,7 @@
           </a:ln>
         </p:spPr>
         <p:txBody>
-          <a:bodyPr anchorCtr="0" anchor="t" bIns="91425" lIns="91425" spcFirstLastPara="1" rIns="91425" wrap="square" tIns="91425"/>
+          <a:bodyPr spcFirstLastPara="1" wrap="square" lIns="91425" tIns="91425" rIns="91425" bIns="91425" anchor="t" anchorCtr="0"/>
           <a:lstStyle>
             <a:lvl1pPr lvl="0">
               <a:spcBef>
@@ -6037,15 +6229,19 @@
               </a:defRPr>
             </a:lvl9pPr>
           </a:lstStyle>
-          <a:p/>
+          <a:p>
+            <a:endParaRPr/>
+          </a:p>
         </p:txBody>
       </p:sp>
       <p:sp>
         <p:nvSpPr>
           <p:cNvPr id="7" name="Google Shape;7;p1"/>
-          <p:cNvSpPr txBox="1"/>
+          <p:cNvSpPr txBox="1">
+            <a:spLocks noGrp="1"/>
+          </p:cNvSpPr>
           <p:nvPr>
-            <p:ph idx="1" type="body"/>
+            <p:ph type="body" idx="1"/>
           </p:nvPr>
         </p:nvSpPr>
         <p:spPr>
@@ -6062,9 +6258,9 @@
           </a:ln>
         </p:spPr>
         <p:txBody>
-          <a:bodyPr anchorCtr="0" anchor="t" bIns="91425" lIns="91425" spcFirstLastPara="1" rIns="91425" wrap="square" tIns="91425"/>
+          <a:bodyPr spcFirstLastPara="1" wrap="square" lIns="91425" tIns="91425" rIns="91425" bIns="91425" anchor="t" anchorCtr="0"/>
           <a:lstStyle>
-            <a:lvl1pPr indent="-342900" lvl="0" marL="457200">
+            <a:lvl1pPr marL="457200" lvl="0" indent="-342900">
               <a:lnSpc>
                 <a:spcPct val="115000"/>
               </a:lnSpc>
@@ -6090,7 +6286,7 @@
                 <a:sym typeface="Proxima Nova"/>
               </a:defRPr>
             </a:lvl1pPr>
-            <a:lvl2pPr indent="-317500" lvl="1" marL="914400">
+            <a:lvl2pPr marL="914400" lvl="1" indent="-317500">
               <a:lnSpc>
                 <a:spcPct val="115000"/>
               </a:lnSpc>
@@ -6116,7 +6312,7 @@
                 <a:sym typeface="Proxima Nova"/>
               </a:defRPr>
             </a:lvl2pPr>
-            <a:lvl3pPr indent="-317500" lvl="2" marL="1371600">
+            <a:lvl3pPr marL="1371600" lvl="2" indent="-317500">
               <a:lnSpc>
                 <a:spcPct val="115000"/>
               </a:lnSpc>
@@ -6142,7 +6338,7 @@
                 <a:sym typeface="Proxima Nova"/>
               </a:defRPr>
             </a:lvl3pPr>
-            <a:lvl4pPr indent="-317500" lvl="3" marL="1828800">
+            <a:lvl4pPr marL="1828800" lvl="3" indent="-317500">
               <a:lnSpc>
                 <a:spcPct val="115000"/>
               </a:lnSpc>
@@ -6168,7 +6364,7 @@
                 <a:sym typeface="Proxima Nova"/>
               </a:defRPr>
             </a:lvl4pPr>
-            <a:lvl5pPr indent="-317500" lvl="4" marL="2286000">
+            <a:lvl5pPr marL="2286000" lvl="4" indent="-317500">
               <a:lnSpc>
                 <a:spcPct val="115000"/>
               </a:lnSpc>
@@ -6194,7 +6390,7 @@
                 <a:sym typeface="Proxima Nova"/>
               </a:defRPr>
             </a:lvl5pPr>
-            <a:lvl6pPr indent="-317500" lvl="5" marL="2743200">
+            <a:lvl6pPr marL="2743200" lvl="5" indent="-317500">
               <a:lnSpc>
                 <a:spcPct val="115000"/>
               </a:lnSpc>
@@ -6220,7 +6416,7 @@
                 <a:sym typeface="Proxima Nova"/>
               </a:defRPr>
             </a:lvl6pPr>
-            <a:lvl7pPr indent="-317500" lvl="6" marL="3200400">
+            <a:lvl7pPr marL="3200400" lvl="6" indent="-317500">
               <a:lnSpc>
                 <a:spcPct val="115000"/>
               </a:lnSpc>
@@ -6246,7 +6442,7 @@
                 <a:sym typeface="Proxima Nova"/>
               </a:defRPr>
             </a:lvl7pPr>
-            <a:lvl8pPr indent="-317500" lvl="7" marL="3657600">
+            <a:lvl8pPr marL="3657600" lvl="7" indent="-317500">
               <a:lnSpc>
                 <a:spcPct val="115000"/>
               </a:lnSpc>
@@ -6272,7 +6468,7 @@
                 <a:sym typeface="Proxima Nova"/>
               </a:defRPr>
             </a:lvl8pPr>
-            <a:lvl9pPr indent="-317500" lvl="8" marL="4114800">
+            <a:lvl9pPr marL="4114800" lvl="8" indent="-317500">
               <a:lnSpc>
                 <a:spcPct val="115000"/>
               </a:lnSpc>
@@ -6299,15 +6495,19 @@
               </a:defRPr>
             </a:lvl9pPr>
           </a:lstStyle>
-          <a:p/>
+          <a:p>
+            <a:endParaRPr/>
+          </a:p>
         </p:txBody>
       </p:sp>
       <p:sp>
         <p:nvSpPr>
           <p:cNvPr id="8" name="Google Shape;8;p1"/>
-          <p:cNvSpPr txBox="1"/>
+          <p:cNvSpPr txBox="1">
+            <a:spLocks noGrp="1"/>
+          </p:cNvSpPr>
           <p:nvPr>
-            <p:ph idx="12" type="sldNum"/>
+            <p:ph type="sldNum" idx="12"/>
           </p:nvPr>
         </p:nvSpPr>
         <p:spPr>
@@ -6324,7 +6524,7 @@
           </a:ln>
         </p:spPr>
         <p:txBody>
-          <a:bodyPr anchorCtr="0" anchor="ctr" bIns="91425" lIns="91425" spcFirstLastPara="1" rIns="91425" wrap="square" tIns="91425">
+          <a:bodyPr spcFirstLastPara="1" wrap="square" lIns="91425" tIns="91425" rIns="91425" bIns="91425" anchor="ctr" anchorCtr="0">
             <a:noAutofit/>
           </a:bodyPr>
           <a:lstStyle>
@@ -6402,7 +6602,7 @@
             </a:lvl9pPr>
           </a:lstStyle>
           <a:p>
-            <a:pPr indent="0" lvl="0" marL="0" rtl="0" algn="r">
+            <a:pPr marL="0" lvl="0" indent="0" algn="r" rtl="0">
               <a:spcBef>
                 <a:spcPts val="0"/>
               </a:spcBef>
@@ -6421,7 +6621,7 @@
       </p:sp>
     </p:spTree>
   </p:cSld>
-  <p:clrMap accent1="accent1" accent2="accent2" accent3="accent3" accent4="accent4" accent5="accent5" accent6="accent6" bg1="lt1" bg2="dk2" tx1="dk1" tx2="lt2" folHlink="folHlink" hlink="hlink"/>
+  <p:clrMap bg1="lt1" tx1="dk1" bg2="dk2" tx2="lt2" accent1="accent1" accent2="accent2" accent3="accent3" accent4="accent4" accent5="accent5" accent6="accent6" hlink="hlink" folHlink="folHlink"/>
   <p:sldLayoutIdLst>
     <p:sldLayoutId id="2147483648" r:id="rId1"/>
     <p:sldLayoutId id="2147483649" r:id="rId2"/>
@@ -6435,10 +6635,10 @@
     <p:sldLayoutId id="2147483657" r:id="rId10"/>
     <p:sldLayoutId id="2147483658" r:id="rId11"/>
   </p:sldLayoutIdLst>
-  <p:hf dt="0" ftr="0" hdr="0" sldNum="0"/>
+  <p:hf sldNum="0" hdr="0" ftr="0" dt="0"/>
   <p:txStyles>
     <p:titleStyle>
-      <a:defPPr lvl="0" marR="0" rtl="0" algn="l">
+      <a:defPPr marR="0" lvl="0" algn="l" rtl="0">
         <a:lnSpc>
           <a:spcPct val="100000"/>
         </a:lnSpc>
@@ -6449,7 +6649,7 @@
           <a:spcPts val="0"/>
         </a:spcAft>
       </a:defPPr>
-      <a:lvl1pPr lvl="0" marR="0" rtl="0" algn="l">
+      <a:lvl1pPr marR="0" lvl="0" algn="l" rtl="0">
         <a:lnSpc>
           <a:spcPct val="100000"/>
         </a:lnSpc>
@@ -6463,7 +6663,7 @@
           <a:srgbClr val="000000"/>
         </a:buClr>
         <a:buFont typeface="Arial"/>
-        <a:defRPr b="0" i="0" sz="1400" u="none" cap="none" strike="noStrike">
+        <a:defRPr sz="1400" b="0" i="0" u="none" strike="noStrike" cap="none">
           <a:solidFill>
             <a:srgbClr val="000000"/>
           </a:solidFill>
@@ -6473,7 +6673,7 @@
           <a:sym typeface="Arial"/>
         </a:defRPr>
       </a:lvl1pPr>
-      <a:lvl2pPr lvl="1" marR="0" rtl="0" algn="l">
+      <a:lvl2pPr marR="0" lvl="1" algn="l" rtl="0">
         <a:lnSpc>
           <a:spcPct val="100000"/>
         </a:lnSpc>
@@ -6487,7 +6687,7 @@
           <a:srgbClr val="000000"/>
         </a:buClr>
         <a:buFont typeface="Arial"/>
-        <a:defRPr b="0" i="0" sz="1400" u="none" cap="none" strike="noStrike">
+        <a:defRPr sz="1400" b="0" i="0" u="none" strike="noStrike" cap="none">
           <a:solidFill>
             <a:srgbClr val="000000"/>
           </a:solidFill>
@@ -6497,7 +6697,7 @@
           <a:sym typeface="Arial"/>
         </a:defRPr>
       </a:lvl2pPr>
-      <a:lvl3pPr lvl="2" marR="0" rtl="0" algn="l">
+      <a:lvl3pPr marR="0" lvl="2" algn="l" rtl="0">
         <a:lnSpc>
           <a:spcPct val="100000"/>
         </a:lnSpc>
@@ -6511,7 +6711,7 @@
           <a:srgbClr val="000000"/>
         </a:buClr>
         <a:buFont typeface="Arial"/>
-        <a:defRPr b="0" i="0" sz="1400" u="none" cap="none" strike="noStrike">
+        <a:defRPr sz="1400" b="0" i="0" u="none" strike="noStrike" cap="none">
           <a:solidFill>
             <a:srgbClr val="000000"/>
           </a:solidFill>
@@ -6521,7 +6721,7 @@
           <a:sym typeface="Arial"/>
         </a:defRPr>
       </a:lvl3pPr>
-      <a:lvl4pPr lvl="3" marR="0" rtl="0" algn="l">
+      <a:lvl4pPr marR="0" lvl="3" algn="l" rtl="0">
         <a:lnSpc>
           <a:spcPct val="100000"/>
         </a:lnSpc>
@@ -6535,7 +6735,7 @@
           <a:srgbClr val="000000"/>
         </a:buClr>
         <a:buFont typeface="Arial"/>
-        <a:defRPr b="0" i="0" sz="1400" u="none" cap="none" strike="noStrike">
+        <a:defRPr sz="1400" b="0" i="0" u="none" strike="noStrike" cap="none">
           <a:solidFill>
             <a:srgbClr val="000000"/>
           </a:solidFill>
@@ -6545,7 +6745,7 @@
           <a:sym typeface="Arial"/>
         </a:defRPr>
       </a:lvl4pPr>
-      <a:lvl5pPr lvl="4" marR="0" rtl="0" algn="l">
+      <a:lvl5pPr marR="0" lvl="4" algn="l" rtl="0">
         <a:lnSpc>
           <a:spcPct val="100000"/>
         </a:lnSpc>
@@ -6559,7 +6759,7 @@
           <a:srgbClr val="000000"/>
         </a:buClr>
         <a:buFont typeface="Arial"/>
-        <a:defRPr b="0" i="0" sz="1400" u="none" cap="none" strike="noStrike">
+        <a:defRPr sz="1400" b="0" i="0" u="none" strike="noStrike" cap="none">
           <a:solidFill>
             <a:srgbClr val="000000"/>
           </a:solidFill>
@@ -6569,7 +6769,7 @@
           <a:sym typeface="Arial"/>
         </a:defRPr>
       </a:lvl5pPr>
-      <a:lvl6pPr lvl="5" marR="0" rtl="0" algn="l">
+      <a:lvl6pPr marR="0" lvl="5" algn="l" rtl="0">
         <a:lnSpc>
           <a:spcPct val="100000"/>
         </a:lnSpc>
@@ -6583,7 +6783,7 @@
           <a:srgbClr val="000000"/>
         </a:buClr>
         <a:buFont typeface="Arial"/>
-        <a:defRPr b="0" i="0" sz="1400" u="none" cap="none" strike="noStrike">
+        <a:defRPr sz="1400" b="0" i="0" u="none" strike="noStrike" cap="none">
           <a:solidFill>
             <a:srgbClr val="000000"/>
           </a:solidFill>
@@ -6593,7 +6793,7 @@
           <a:sym typeface="Arial"/>
         </a:defRPr>
       </a:lvl6pPr>
-      <a:lvl7pPr lvl="6" marR="0" rtl="0" algn="l">
+      <a:lvl7pPr marR="0" lvl="6" algn="l" rtl="0">
         <a:lnSpc>
           <a:spcPct val="100000"/>
         </a:lnSpc>
@@ -6607,7 +6807,7 @@
           <a:srgbClr val="000000"/>
         </a:buClr>
         <a:buFont typeface="Arial"/>
-        <a:defRPr b="0" i="0" sz="1400" u="none" cap="none" strike="noStrike">
+        <a:defRPr sz="1400" b="0" i="0" u="none" strike="noStrike" cap="none">
           <a:solidFill>
             <a:srgbClr val="000000"/>
           </a:solidFill>
@@ -6617,7 +6817,7 @@
           <a:sym typeface="Arial"/>
         </a:defRPr>
       </a:lvl7pPr>
-      <a:lvl8pPr lvl="7" marR="0" rtl="0" algn="l">
+      <a:lvl8pPr marR="0" lvl="7" algn="l" rtl="0">
         <a:lnSpc>
           <a:spcPct val="100000"/>
         </a:lnSpc>
@@ -6631,7 +6831,7 @@
           <a:srgbClr val="000000"/>
         </a:buClr>
         <a:buFont typeface="Arial"/>
-        <a:defRPr b="0" i="0" sz="1400" u="none" cap="none" strike="noStrike">
+        <a:defRPr sz="1400" b="0" i="0" u="none" strike="noStrike" cap="none">
           <a:solidFill>
             <a:srgbClr val="000000"/>
           </a:solidFill>
@@ -6641,7 +6841,7 @@
           <a:sym typeface="Arial"/>
         </a:defRPr>
       </a:lvl8pPr>
-      <a:lvl9pPr lvl="8" marR="0" rtl="0" algn="l">
+      <a:lvl9pPr marR="0" lvl="8" algn="l" rtl="0">
         <a:lnSpc>
           <a:spcPct val="100000"/>
         </a:lnSpc>
@@ -6655,7 +6855,7 @@
           <a:srgbClr val="000000"/>
         </a:buClr>
         <a:buFont typeface="Arial"/>
-        <a:defRPr b="0" i="0" sz="1400" u="none" cap="none" strike="noStrike">
+        <a:defRPr sz="1400" b="0" i="0" u="none" strike="noStrike" cap="none">
           <a:solidFill>
             <a:srgbClr val="000000"/>
           </a:solidFill>
@@ -6667,7 +6867,7 @@
       </a:lvl9pPr>
     </p:titleStyle>
     <p:bodyStyle>
-      <a:defPPr lvl="0" marR="0" rtl="0" algn="l">
+      <a:defPPr marR="0" lvl="0" algn="l" rtl="0">
         <a:lnSpc>
           <a:spcPct val="100000"/>
         </a:lnSpc>
@@ -6678,7 +6878,7 @@
           <a:spcPts val="0"/>
         </a:spcAft>
       </a:defPPr>
-      <a:lvl1pPr lvl="0" marR="0" rtl="0" algn="l">
+      <a:lvl1pPr marR="0" lvl="0" algn="l" rtl="0">
         <a:lnSpc>
           <a:spcPct val="100000"/>
         </a:lnSpc>
@@ -6692,7 +6892,7 @@
           <a:srgbClr val="000000"/>
         </a:buClr>
         <a:buFont typeface="Arial"/>
-        <a:defRPr b="0" i="0" sz="1400" u="none" cap="none" strike="noStrike">
+        <a:defRPr sz="1400" b="0" i="0" u="none" strike="noStrike" cap="none">
           <a:solidFill>
             <a:srgbClr val="000000"/>
           </a:solidFill>
@@ -6702,7 +6902,7 @@
           <a:sym typeface="Arial"/>
         </a:defRPr>
       </a:lvl1pPr>
-      <a:lvl2pPr lvl="1" marR="0" rtl="0" algn="l">
+      <a:lvl2pPr marR="0" lvl="1" algn="l" rtl="0">
         <a:lnSpc>
           <a:spcPct val="100000"/>
         </a:lnSpc>
@@ -6716,7 +6916,7 @@
           <a:srgbClr val="000000"/>
         </a:buClr>
         <a:buFont typeface="Arial"/>
-        <a:defRPr b="0" i="0" sz="1400" u="none" cap="none" strike="noStrike">
+        <a:defRPr sz="1400" b="0" i="0" u="none" strike="noStrike" cap="none">
           <a:solidFill>
             <a:srgbClr val="000000"/>
           </a:solidFill>
@@ -6726,7 +6926,7 @@
           <a:sym typeface="Arial"/>
         </a:defRPr>
       </a:lvl2pPr>
-      <a:lvl3pPr lvl="2" marR="0" rtl="0" algn="l">
+      <a:lvl3pPr marR="0" lvl="2" algn="l" rtl="0">
         <a:lnSpc>
           <a:spcPct val="100000"/>
         </a:lnSpc>
@@ -6740,7 +6940,7 @@
           <a:srgbClr val="000000"/>
         </a:buClr>
         <a:buFont typeface="Arial"/>
-        <a:defRPr b="0" i="0" sz="1400" u="none" cap="none" strike="noStrike">
+        <a:defRPr sz="1400" b="0" i="0" u="none" strike="noStrike" cap="none">
           <a:solidFill>
             <a:srgbClr val="000000"/>
           </a:solidFill>
@@ -6750,7 +6950,7 @@
           <a:sym typeface="Arial"/>
         </a:defRPr>
       </a:lvl3pPr>
-      <a:lvl4pPr lvl="3" marR="0" rtl="0" algn="l">
+      <a:lvl4pPr marR="0" lvl="3" algn="l" rtl="0">
         <a:lnSpc>
           <a:spcPct val="100000"/>
         </a:lnSpc>
@@ -6764,7 +6964,7 @@
           <a:srgbClr val="000000"/>
         </a:buClr>
         <a:buFont typeface="Arial"/>
-        <a:defRPr b="0" i="0" sz="1400" u="none" cap="none" strike="noStrike">
+        <a:defRPr sz="1400" b="0" i="0" u="none" strike="noStrike" cap="none">
           <a:solidFill>
             <a:srgbClr val="000000"/>
           </a:solidFill>
@@ -6774,7 +6974,7 @@
           <a:sym typeface="Arial"/>
         </a:defRPr>
       </a:lvl4pPr>
-      <a:lvl5pPr lvl="4" marR="0" rtl="0" algn="l">
+      <a:lvl5pPr marR="0" lvl="4" algn="l" rtl="0">
         <a:lnSpc>
           <a:spcPct val="100000"/>
         </a:lnSpc>
@@ -6788,7 +6988,7 @@
           <a:srgbClr val="000000"/>
         </a:buClr>
         <a:buFont typeface="Arial"/>
-        <a:defRPr b="0" i="0" sz="1400" u="none" cap="none" strike="noStrike">
+        <a:defRPr sz="1400" b="0" i="0" u="none" strike="noStrike" cap="none">
           <a:solidFill>
             <a:srgbClr val="000000"/>
           </a:solidFill>
@@ -6798,7 +6998,7 @@
           <a:sym typeface="Arial"/>
         </a:defRPr>
       </a:lvl5pPr>
-      <a:lvl6pPr lvl="5" marR="0" rtl="0" algn="l">
+      <a:lvl6pPr marR="0" lvl="5" algn="l" rtl="0">
         <a:lnSpc>
           <a:spcPct val="100000"/>
         </a:lnSpc>
@@ -6812,7 +7012,7 @@
           <a:srgbClr val="000000"/>
         </a:buClr>
         <a:buFont typeface="Arial"/>
-        <a:defRPr b="0" i="0" sz="1400" u="none" cap="none" strike="noStrike">
+        <a:defRPr sz="1400" b="0" i="0" u="none" strike="noStrike" cap="none">
           <a:solidFill>
             <a:srgbClr val="000000"/>
           </a:solidFill>
@@ -6822,7 +7022,7 @@
           <a:sym typeface="Arial"/>
         </a:defRPr>
       </a:lvl6pPr>
-      <a:lvl7pPr lvl="6" marR="0" rtl="0" algn="l">
+      <a:lvl7pPr marR="0" lvl="6" algn="l" rtl="0">
         <a:lnSpc>
           <a:spcPct val="100000"/>
         </a:lnSpc>
@@ -6836,7 +7036,7 @@
           <a:srgbClr val="000000"/>
         </a:buClr>
         <a:buFont typeface="Arial"/>
-        <a:defRPr b="0" i="0" sz="1400" u="none" cap="none" strike="noStrike">
+        <a:defRPr sz="1400" b="0" i="0" u="none" strike="noStrike" cap="none">
           <a:solidFill>
             <a:srgbClr val="000000"/>
           </a:solidFill>
@@ -6846,7 +7046,7 @@
           <a:sym typeface="Arial"/>
         </a:defRPr>
       </a:lvl7pPr>
-      <a:lvl8pPr lvl="7" marR="0" rtl="0" algn="l">
+      <a:lvl8pPr marR="0" lvl="7" algn="l" rtl="0">
         <a:lnSpc>
           <a:spcPct val="100000"/>
         </a:lnSpc>
@@ -6860,7 +7060,7 @@
           <a:srgbClr val="000000"/>
         </a:buClr>
         <a:buFont typeface="Arial"/>
-        <a:defRPr b="0" i="0" sz="1400" u="none" cap="none" strike="noStrike">
+        <a:defRPr sz="1400" b="0" i="0" u="none" strike="noStrike" cap="none">
           <a:solidFill>
             <a:srgbClr val="000000"/>
           </a:solidFill>
@@ -6870,7 +7070,7 @@
           <a:sym typeface="Arial"/>
         </a:defRPr>
       </a:lvl8pPr>
-      <a:lvl9pPr lvl="8" marR="0" rtl="0" algn="l">
+      <a:lvl9pPr marR="0" lvl="8" algn="l" rtl="0">
         <a:lnSpc>
           <a:spcPct val="100000"/>
         </a:lnSpc>
@@ -6884,7 +7084,7 @@
           <a:srgbClr val="000000"/>
         </a:buClr>
         <a:buFont typeface="Arial"/>
-        <a:defRPr b="0" i="0" sz="1400" u="none" cap="none" strike="noStrike">
+        <a:defRPr sz="1400" b="0" i="0" u="none" strike="noStrike" cap="none">
           <a:solidFill>
             <a:srgbClr val="000000"/>
           </a:solidFill>
@@ -6896,7 +7096,7 @@
       </a:lvl9pPr>
     </p:bodyStyle>
     <p:otherStyle>
-      <a:defPPr lvl="0" marR="0" rtl="0" algn="l">
+      <a:defPPr marR="0" lvl="0" algn="l" rtl="0">
         <a:lnSpc>
           <a:spcPct val="100000"/>
         </a:lnSpc>
@@ -6907,7 +7107,7 @@
           <a:spcPts val="0"/>
         </a:spcAft>
       </a:defPPr>
-      <a:lvl1pPr lvl="0" marR="0" rtl="0" algn="l">
+      <a:lvl1pPr marR="0" lvl="0" algn="l" rtl="0">
         <a:lnSpc>
           <a:spcPct val="100000"/>
         </a:lnSpc>
@@ -6921,7 +7121,7 @@
           <a:srgbClr val="000000"/>
         </a:buClr>
         <a:buFont typeface="Arial"/>
-        <a:defRPr b="0" i="0" sz="1400" u="none" cap="none" strike="noStrike">
+        <a:defRPr sz="1400" b="0" i="0" u="none" strike="noStrike" cap="none">
           <a:solidFill>
             <a:srgbClr val="000000"/>
           </a:solidFill>
@@ -6931,7 +7131,7 @@
           <a:sym typeface="Arial"/>
         </a:defRPr>
       </a:lvl1pPr>
-      <a:lvl2pPr lvl="1" marR="0" rtl="0" algn="l">
+      <a:lvl2pPr marR="0" lvl="1" algn="l" rtl="0">
         <a:lnSpc>
           <a:spcPct val="100000"/>
         </a:lnSpc>
@@ -6945,7 +7145,7 @@
           <a:srgbClr val="000000"/>
         </a:buClr>
         <a:buFont typeface="Arial"/>
-        <a:defRPr b="0" i="0" sz="1400" u="none" cap="none" strike="noStrike">
+        <a:defRPr sz="1400" b="0" i="0" u="none" strike="noStrike" cap="none">
           <a:solidFill>
             <a:srgbClr val="000000"/>
           </a:solidFill>
@@ -6955,7 +7155,7 @@
           <a:sym typeface="Arial"/>
         </a:defRPr>
       </a:lvl2pPr>
-      <a:lvl3pPr lvl="2" marR="0" rtl="0" algn="l">
+      <a:lvl3pPr marR="0" lvl="2" algn="l" rtl="0">
         <a:lnSpc>
           <a:spcPct val="100000"/>
         </a:lnSpc>
@@ -6969,7 +7169,7 @@
           <a:srgbClr val="000000"/>
         </a:buClr>
         <a:buFont typeface="Arial"/>
-        <a:defRPr b="0" i="0" sz="1400" u="none" cap="none" strike="noStrike">
+        <a:defRPr sz="1400" b="0" i="0" u="none" strike="noStrike" cap="none">
           <a:solidFill>
             <a:srgbClr val="000000"/>
           </a:solidFill>
@@ -6979,7 +7179,7 @@
           <a:sym typeface="Arial"/>
         </a:defRPr>
       </a:lvl3pPr>
-      <a:lvl4pPr lvl="3" marR="0" rtl="0" algn="l">
+      <a:lvl4pPr marR="0" lvl="3" algn="l" rtl="0">
         <a:lnSpc>
           <a:spcPct val="100000"/>
         </a:lnSpc>
@@ -6993,7 +7193,7 @@
           <a:srgbClr val="000000"/>
         </a:buClr>
         <a:buFont typeface="Arial"/>
-        <a:defRPr b="0" i="0" sz="1400" u="none" cap="none" strike="noStrike">
+        <a:defRPr sz="1400" b="0" i="0" u="none" strike="noStrike" cap="none">
           <a:solidFill>
             <a:srgbClr val="000000"/>
           </a:solidFill>
@@ -7003,7 +7203,7 @@
           <a:sym typeface="Arial"/>
         </a:defRPr>
       </a:lvl4pPr>
-      <a:lvl5pPr lvl="4" marR="0" rtl="0" algn="l">
+      <a:lvl5pPr marR="0" lvl="4" algn="l" rtl="0">
         <a:lnSpc>
           <a:spcPct val="100000"/>
         </a:lnSpc>
@@ -7017,7 +7217,7 @@
           <a:srgbClr val="000000"/>
         </a:buClr>
         <a:buFont typeface="Arial"/>
-        <a:defRPr b="0" i="0" sz="1400" u="none" cap="none" strike="noStrike">
+        <a:defRPr sz="1400" b="0" i="0" u="none" strike="noStrike" cap="none">
           <a:solidFill>
             <a:srgbClr val="000000"/>
           </a:solidFill>
@@ -7027,7 +7227,7 @@
           <a:sym typeface="Arial"/>
         </a:defRPr>
       </a:lvl5pPr>
-      <a:lvl6pPr lvl="5" marR="0" rtl="0" algn="l">
+      <a:lvl6pPr marR="0" lvl="5" algn="l" rtl="0">
         <a:lnSpc>
           <a:spcPct val="100000"/>
         </a:lnSpc>
@@ -7041,7 +7241,7 @@
           <a:srgbClr val="000000"/>
         </a:buClr>
         <a:buFont typeface="Arial"/>
-        <a:defRPr b="0" i="0" sz="1400" u="none" cap="none" strike="noStrike">
+        <a:defRPr sz="1400" b="0" i="0" u="none" strike="noStrike" cap="none">
           <a:solidFill>
             <a:srgbClr val="000000"/>
           </a:solidFill>
@@ -7051,7 +7251,7 @@
           <a:sym typeface="Arial"/>
         </a:defRPr>
       </a:lvl6pPr>
-      <a:lvl7pPr lvl="6" marR="0" rtl="0" algn="l">
+      <a:lvl7pPr marR="0" lvl="6" algn="l" rtl="0">
         <a:lnSpc>
           <a:spcPct val="100000"/>
         </a:lnSpc>
@@ -7065,7 +7265,7 @@
           <a:srgbClr val="000000"/>
         </a:buClr>
         <a:buFont typeface="Arial"/>
-        <a:defRPr b="0" i="0" sz="1400" u="none" cap="none" strike="noStrike">
+        <a:defRPr sz="1400" b="0" i="0" u="none" strike="noStrike" cap="none">
           <a:solidFill>
             <a:srgbClr val="000000"/>
           </a:solidFill>
@@ -7075,7 +7275,7 @@
           <a:sym typeface="Arial"/>
         </a:defRPr>
       </a:lvl7pPr>
-      <a:lvl8pPr lvl="7" marR="0" rtl="0" algn="l">
+      <a:lvl8pPr marR="0" lvl="7" algn="l" rtl="0">
         <a:lnSpc>
           <a:spcPct val="100000"/>
         </a:lnSpc>
@@ -7089,7 +7289,7 @@
           <a:srgbClr val="000000"/>
         </a:buClr>
         <a:buFont typeface="Arial"/>
-        <a:defRPr b="0" i="0" sz="1400" u="none" cap="none" strike="noStrike">
+        <a:defRPr sz="1400" b="0" i="0" u="none" strike="noStrike" cap="none">
           <a:solidFill>
             <a:srgbClr val="000000"/>
           </a:solidFill>
@@ -7099,7 +7299,7 @@
           <a:sym typeface="Arial"/>
         </a:defRPr>
       </a:lvl8pPr>
-      <a:lvl9pPr lvl="8" marR="0" rtl="0" algn="l">
+      <a:lvl9pPr marR="0" lvl="8" algn="l" rtl="0">
         <a:lnSpc>
           <a:spcPct val="100000"/>
         </a:lnSpc>
@@ -7113,7 +7313,7 @@
           <a:srgbClr val="000000"/>
         </a:buClr>
         <a:buFont typeface="Arial"/>
-        <a:defRPr b="0" i="0" sz="1400" u="none" cap="none" strike="noStrike">
+        <a:defRPr sz="1400" b="0" i="0" u="none" strike="noStrike" cap="none">
           <a:solidFill>
             <a:srgbClr val="000000"/>
           </a:solidFill>
@@ -7129,11 +7329,11 @@
 </file>
 
 <file path=ppt/slides/slide1.xml><?xml version="1.0" encoding="utf-8"?>
-<p:sld xmlns:a="http://schemas.openxmlformats.org/drawingml/2006/main" xmlns:r="http://schemas.openxmlformats.org/officeDocument/2006/relationships" xmlns:mc="http://schemas.openxmlformats.org/markup-compatibility/2006" xmlns:mv="urn:schemas-microsoft-com:mac:vml" xmlns:p="http://schemas.openxmlformats.org/presentationml/2006/main" xmlns:c="http://schemas.openxmlformats.org/drawingml/2006/chart" xmlns:dgm="http://schemas.openxmlformats.org/drawingml/2006/diagram" xmlns:o="urn:schemas-microsoft-com:office:office" xmlns:v="urn:schemas-microsoft-com:vml" xmlns:pvml="urn:schemas-microsoft-com:office:powerpoint" xmlns:com="http://schemas.openxmlformats.org/drawingml/2006/compatibility" xmlns:p14="http://schemas.microsoft.com/office/powerpoint/2010/main" xmlns:p15="http://schemas.microsoft.com/office/powerpoint/2012/main">
+<p:sld xmlns:a="http://schemas.openxmlformats.org/drawingml/2006/main" xmlns:r="http://schemas.openxmlformats.org/officeDocument/2006/relationships" xmlns:p="http://schemas.openxmlformats.org/presentationml/2006/main">
   <p:cSld>
     <p:spTree>
       <p:nvGrpSpPr>
-        <p:cNvPr id="53" name="Shape 53"/>
+        <p:cNvPr id="1" name="Shape 53"/>
         <p:cNvGrpSpPr/>
         <p:nvPr/>
       </p:nvGrpSpPr>
@@ -7148,7 +7348,9 @@
       <p:sp>
         <p:nvSpPr>
           <p:cNvPr id="54" name="Google Shape;54;p13"/>
-          <p:cNvSpPr txBox="1"/>
+          <p:cNvSpPr txBox="1">
+            <a:spLocks noGrp="1"/>
+          </p:cNvSpPr>
           <p:nvPr>
             <p:ph type="ctrTitle"/>
           </p:nvPr>
@@ -7163,12 +7365,12 @@
           </a:prstGeom>
         </p:spPr>
         <p:txBody>
-          <a:bodyPr anchorCtr="0" anchor="b" bIns="91425" lIns="91425" spcFirstLastPara="1" rIns="91425" wrap="square" tIns="91425">
+          <a:bodyPr spcFirstLastPara="1" wrap="square" lIns="91425" tIns="91425" rIns="91425" bIns="91425" anchor="b" anchorCtr="0">
             <a:noAutofit/>
           </a:bodyPr>
           <a:lstStyle/>
           <a:p>
-            <a:pPr indent="0" lvl="0" marL="0" rtl="0" algn="ctr">
+            <a:pPr marL="0" lvl="0" indent="0" algn="ctr" rtl="0">
               <a:spcBef>
                 <a:spcPts val="0"/>
               </a:spcBef>
@@ -7188,9 +7390,11 @@
       <p:sp>
         <p:nvSpPr>
           <p:cNvPr id="55" name="Google Shape;55;p13"/>
-          <p:cNvSpPr txBox="1"/>
+          <p:cNvSpPr txBox="1">
+            <a:spLocks noGrp="1"/>
+          </p:cNvSpPr>
           <p:nvPr>
-            <p:ph idx="1" type="subTitle"/>
+            <p:ph type="subTitle" idx="1"/>
           </p:nvPr>
         </p:nvSpPr>
         <p:spPr>
@@ -7203,12 +7407,12 @@
           </a:prstGeom>
         </p:spPr>
         <p:txBody>
-          <a:bodyPr anchorCtr="0" anchor="t" bIns="91425" lIns="91425" spcFirstLastPara="1" rIns="91425" wrap="square" tIns="91425">
+          <a:bodyPr spcFirstLastPara="1" wrap="square" lIns="91425" tIns="91425" rIns="91425" bIns="91425" anchor="t" anchorCtr="0">
             <a:noAutofit/>
           </a:bodyPr>
           <a:lstStyle/>
           <a:p>
-            <a:pPr indent="0" lvl="0" marL="0" rtl="0" algn="ctr">
+            <a:pPr marL="0" lvl="0" indent="0" algn="ctr" rtl="0">
               <a:spcBef>
                 <a:spcPts val="0"/>
               </a:spcBef>
@@ -7217,6 +7421,14 @@
               </a:spcAft>
               <a:buNone/>
             </a:pPr>
+            <a:r>
+              <a:rPr lang="en-US">
+                <a:solidFill>
+                  <a:srgbClr val="FFF2CC"/>
+                </a:solidFill>
+              </a:rPr>
+              <a:t>Polished </a:t>
+            </a:r>
             <a:r>
               <a:rPr lang="en">
                 <a:solidFill>
@@ -7225,7 +7437,7 @@
               </a:rPr>
               <a:t>Casual Game Treatment</a:t>
             </a:r>
-            <a:endParaRPr>
+            <a:endParaRPr dirty="0">
               <a:solidFill>
                 <a:srgbClr val="FFF2CC"/>
               </a:solidFill>
@@ -7264,9 +7476,11 @@
       <p:sp>
         <p:nvSpPr>
           <p:cNvPr id="57" name="Google Shape;57;p13"/>
-          <p:cNvSpPr txBox="1"/>
+          <p:cNvSpPr txBox="1">
+            <a:spLocks noGrp="1"/>
+          </p:cNvSpPr>
           <p:nvPr>
-            <p:ph idx="1" type="subTitle"/>
+            <p:ph type="subTitle" idx="1"/>
           </p:nvPr>
         </p:nvSpPr>
         <p:spPr>
@@ -7279,12 +7493,12 @@
           </a:prstGeom>
         </p:spPr>
         <p:txBody>
-          <a:bodyPr anchorCtr="0" anchor="t" bIns="91425" lIns="91425" spcFirstLastPara="1" rIns="91425" wrap="square" tIns="91425">
+          <a:bodyPr spcFirstLastPara="1" wrap="square" lIns="91425" tIns="91425" rIns="91425" bIns="91425" anchor="t" anchorCtr="0">
             <a:noAutofit/>
           </a:bodyPr>
           <a:lstStyle/>
           <a:p>
-            <a:pPr indent="0" lvl="0" marL="0" rtl="0" algn="l">
+            <a:pPr marL="0" lvl="0" indent="0" algn="l" rtl="0">
               <a:spcBef>
                 <a:spcPts val="0"/>
               </a:spcBef>
@@ -7308,7 +7522,7 @@
             </a:endParaRPr>
           </a:p>
           <a:p>
-            <a:pPr indent="0" lvl="0" marL="0" rtl="0" algn="l">
+            <a:pPr marL="0" lvl="0" indent="0" algn="l" rtl="0">
               <a:spcBef>
                 <a:spcPts val="0"/>
               </a:spcBef>
@@ -7342,11 +7556,11 @@
 </file>
 
 <file path=ppt/slides/slide10.xml><?xml version="1.0" encoding="utf-8"?>
-<p:sld xmlns:a="http://schemas.openxmlformats.org/drawingml/2006/main" xmlns:r="http://schemas.openxmlformats.org/officeDocument/2006/relationships" xmlns:mc="http://schemas.openxmlformats.org/markup-compatibility/2006" xmlns:mv="urn:schemas-microsoft-com:mac:vml" xmlns:p="http://schemas.openxmlformats.org/presentationml/2006/main" xmlns:c="http://schemas.openxmlformats.org/drawingml/2006/chart" xmlns:dgm="http://schemas.openxmlformats.org/drawingml/2006/diagram" xmlns:o="urn:schemas-microsoft-com:office:office" xmlns:v="urn:schemas-microsoft-com:vml" xmlns:pvml="urn:schemas-microsoft-com:office:powerpoint" xmlns:com="http://schemas.openxmlformats.org/drawingml/2006/compatibility" xmlns:p14="http://schemas.microsoft.com/office/powerpoint/2010/main" xmlns:p15="http://schemas.microsoft.com/office/powerpoint/2012/main">
+<p:sld xmlns:a="http://schemas.openxmlformats.org/drawingml/2006/main" xmlns:r="http://schemas.openxmlformats.org/officeDocument/2006/relationships" xmlns:p="http://schemas.openxmlformats.org/presentationml/2006/main">
   <p:cSld>
     <p:spTree>
       <p:nvGrpSpPr>
-        <p:cNvPr id="116" name="Shape 116"/>
+        <p:cNvPr id="1" name="Shape 116"/>
         <p:cNvGrpSpPr/>
         <p:nvPr/>
       </p:nvGrpSpPr>
@@ -7361,7 +7575,9 @@
       <p:sp>
         <p:nvSpPr>
           <p:cNvPr id="117" name="Google Shape;117;p22"/>
-          <p:cNvSpPr txBox="1"/>
+          <p:cNvSpPr txBox="1">
+            <a:spLocks noGrp="1"/>
+          </p:cNvSpPr>
           <p:nvPr>
             <p:ph type="title"/>
           </p:nvPr>
@@ -7376,12 +7592,12 @@
           </a:prstGeom>
         </p:spPr>
         <p:txBody>
-          <a:bodyPr anchorCtr="0" anchor="t" bIns="91425" lIns="91425" spcFirstLastPara="1" rIns="91425" wrap="square" tIns="91425">
+          <a:bodyPr spcFirstLastPara="1" wrap="square" lIns="91425" tIns="91425" rIns="91425" bIns="91425" anchor="t" anchorCtr="0">
             <a:noAutofit/>
           </a:bodyPr>
           <a:lstStyle/>
           <a:p>
-            <a:pPr indent="0" lvl="0" marL="0" rtl="0" algn="l">
+            <a:pPr marL="0" lvl="0" indent="0" algn="l" rtl="0">
               <a:spcBef>
                 <a:spcPts val="0"/>
               </a:spcBef>
@@ -7439,11 +7655,11 @@
 </file>
 
 <file path=ppt/slides/slide11.xml><?xml version="1.0" encoding="utf-8"?>
-<p:sld xmlns:a="http://schemas.openxmlformats.org/drawingml/2006/main" xmlns:r="http://schemas.openxmlformats.org/officeDocument/2006/relationships" xmlns:mc="http://schemas.openxmlformats.org/markup-compatibility/2006" xmlns:mv="urn:schemas-microsoft-com:mac:vml" xmlns:p="http://schemas.openxmlformats.org/presentationml/2006/main" xmlns:c="http://schemas.openxmlformats.org/drawingml/2006/chart" xmlns:dgm="http://schemas.openxmlformats.org/drawingml/2006/diagram" xmlns:o="urn:schemas-microsoft-com:office:office" xmlns:v="urn:schemas-microsoft-com:vml" xmlns:pvml="urn:schemas-microsoft-com:office:powerpoint" xmlns:com="http://schemas.openxmlformats.org/drawingml/2006/compatibility" xmlns:p14="http://schemas.microsoft.com/office/powerpoint/2010/main" xmlns:p15="http://schemas.microsoft.com/office/powerpoint/2012/main">
+<p:sld xmlns:a="http://schemas.openxmlformats.org/drawingml/2006/main" xmlns:r="http://schemas.openxmlformats.org/officeDocument/2006/relationships" xmlns:p="http://schemas.openxmlformats.org/presentationml/2006/main">
   <p:cSld>
     <p:spTree>
       <p:nvGrpSpPr>
-        <p:cNvPr id="122" name="Shape 122"/>
+        <p:cNvPr id="1" name="Shape 122"/>
         <p:cNvGrpSpPr/>
         <p:nvPr/>
       </p:nvGrpSpPr>
@@ -7458,7 +7674,9 @@
       <p:sp>
         <p:nvSpPr>
           <p:cNvPr id="123" name="Google Shape;123;p23"/>
-          <p:cNvSpPr txBox="1"/>
+          <p:cNvSpPr txBox="1">
+            <a:spLocks noGrp="1"/>
+          </p:cNvSpPr>
           <p:nvPr>
             <p:ph type="title"/>
           </p:nvPr>
@@ -7473,12 +7691,12 @@
           </a:prstGeom>
         </p:spPr>
         <p:txBody>
-          <a:bodyPr anchorCtr="0" anchor="t" bIns="91425" lIns="91425" spcFirstLastPara="1" rIns="91425" wrap="square" tIns="91425">
+          <a:bodyPr spcFirstLastPara="1" wrap="square" lIns="91425" tIns="91425" rIns="91425" bIns="91425" anchor="t" anchorCtr="0">
             <a:noAutofit/>
           </a:bodyPr>
           <a:lstStyle/>
           <a:p>
-            <a:pPr indent="0" lvl="0" marL="0" rtl="0" algn="l">
+            <a:pPr marL="0" lvl="0" indent="0" algn="l" rtl="0">
               <a:spcBef>
                 <a:spcPts val="0"/>
               </a:spcBef>
@@ -7564,11 +7782,11 @@
 </file>
 
 <file path=ppt/slides/slide12.xml><?xml version="1.0" encoding="utf-8"?>
-<p:sld xmlns:a="http://schemas.openxmlformats.org/drawingml/2006/main" xmlns:r="http://schemas.openxmlformats.org/officeDocument/2006/relationships" xmlns:mc="http://schemas.openxmlformats.org/markup-compatibility/2006" xmlns:mv="urn:schemas-microsoft-com:mac:vml" xmlns:p="http://schemas.openxmlformats.org/presentationml/2006/main" xmlns:c="http://schemas.openxmlformats.org/drawingml/2006/chart" xmlns:dgm="http://schemas.openxmlformats.org/drawingml/2006/diagram" xmlns:o="urn:schemas-microsoft-com:office:office" xmlns:v="urn:schemas-microsoft-com:vml" xmlns:pvml="urn:schemas-microsoft-com:office:powerpoint" xmlns:com="http://schemas.openxmlformats.org/drawingml/2006/compatibility" xmlns:p14="http://schemas.microsoft.com/office/powerpoint/2010/main" xmlns:p15="http://schemas.microsoft.com/office/powerpoint/2012/main">
+<p:sld xmlns:a="http://schemas.openxmlformats.org/drawingml/2006/main" xmlns:r="http://schemas.openxmlformats.org/officeDocument/2006/relationships" xmlns:p="http://schemas.openxmlformats.org/presentationml/2006/main">
   <p:cSld>
     <p:spTree>
       <p:nvGrpSpPr>
-        <p:cNvPr id="129" name="Shape 129"/>
+        <p:cNvPr id="1" name="Shape 129"/>
         <p:cNvGrpSpPr/>
         <p:nvPr/>
       </p:nvGrpSpPr>
@@ -7583,7 +7801,9 @@
       <p:sp>
         <p:nvSpPr>
           <p:cNvPr id="130" name="Google Shape;130;p24"/>
-          <p:cNvSpPr txBox="1"/>
+          <p:cNvSpPr txBox="1">
+            <a:spLocks noGrp="1"/>
+          </p:cNvSpPr>
           <p:nvPr>
             <p:ph type="title"/>
           </p:nvPr>
@@ -7598,12 +7818,12 @@
           </a:prstGeom>
         </p:spPr>
         <p:txBody>
-          <a:bodyPr anchorCtr="0" anchor="t" bIns="91425" lIns="91425" spcFirstLastPara="1" rIns="91425" wrap="square" tIns="91425">
+          <a:bodyPr spcFirstLastPara="1" wrap="square" lIns="91425" tIns="91425" rIns="91425" bIns="91425" anchor="t" anchorCtr="0">
             <a:noAutofit/>
           </a:bodyPr>
           <a:lstStyle/>
           <a:p>
-            <a:pPr indent="0" lvl="0" marL="0" rtl="0" algn="l">
+            <a:pPr marL="0" lvl="0" indent="0" algn="l" rtl="0">
               <a:spcBef>
                 <a:spcPts val="0"/>
               </a:spcBef>
@@ -7665,30 +7885,30 @@
           </a:xfrm>
           <a:prstGeom prst="leftArrow">
             <a:avLst>
-              <a:gd fmla="val 50000" name="adj1"/>
-              <a:gd fmla="val 50000" name="adj2"/>
+              <a:gd name="adj1" fmla="val 50000"/>
+              <a:gd name="adj2" fmla="val 50000"/>
             </a:avLst>
           </a:prstGeom>
           <a:solidFill>
             <a:schemeClr val="lt2"/>
           </a:solidFill>
-          <a:ln cap="flat" cmpd="sng" w="9525">
+          <a:ln w="9525" cap="flat" cmpd="sng">
             <a:solidFill>
               <a:schemeClr val="dk2"/>
             </a:solidFill>
             <a:prstDash val="solid"/>
             <a:round/>
-            <a:headEnd len="sm" w="sm" type="none"/>
-            <a:tailEnd len="sm" w="sm" type="none"/>
+            <a:headEnd type="none" w="sm" len="sm"/>
+            <a:tailEnd type="none" w="sm" len="sm"/>
           </a:ln>
         </p:spPr>
         <p:txBody>
-          <a:bodyPr anchorCtr="0" anchor="ctr" bIns="91425" lIns="91425" spcFirstLastPara="1" rIns="91425" wrap="square" tIns="91425">
+          <a:bodyPr spcFirstLastPara="1" wrap="square" lIns="91425" tIns="91425" rIns="91425" bIns="91425" anchor="ctr" anchorCtr="0">
             <a:noAutofit/>
           </a:bodyPr>
           <a:lstStyle/>
           <a:p>
-            <a:pPr indent="0" lvl="0" marL="0" rtl="0" algn="l">
+            <a:pPr marL="0" lvl="0" indent="0" algn="l" rtl="0">
               <a:spcBef>
                 <a:spcPts val="0"/>
               </a:spcBef>
@@ -7697,9 +7917,6 @@
               </a:spcAft>
               <a:buNone/>
             </a:pPr>
-            <a:r>
-              <a:t/>
-            </a:r>
             <a:endParaRPr/>
           </a:p>
         </p:txBody>
@@ -7717,30 +7934,30 @@
           </a:xfrm>
           <a:prstGeom prst="leftArrow">
             <a:avLst>
-              <a:gd fmla="val 50000" name="adj1"/>
-              <a:gd fmla="val 50000" name="adj2"/>
+              <a:gd name="adj1" fmla="val 50000"/>
+              <a:gd name="adj2" fmla="val 50000"/>
             </a:avLst>
           </a:prstGeom>
           <a:solidFill>
             <a:schemeClr val="lt2"/>
           </a:solidFill>
-          <a:ln cap="flat" cmpd="sng" w="9525">
+          <a:ln w="9525" cap="flat" cmpd="sng">
             <a:solidFill>
               <a:schemeClr val="dk2"/>
             </a:solidFill>
             <a:prstDash val="solid"/>
             <a:round/>
-            <a:headEnd len="sm" w="sm" type="none"/>
-            <a:tailEnd len="sm" w="sm" type="none"/>
+            <a:headEnd type="none" w="sm" len="sm"/>
+            <a:tailEnd type="none" w="sm" len="sm"/>
           </a:ln>
         </p:spPr>
         <p:txBody>
-          <a:bodyPr anchorCtr="0" anchor="ctr" bIns="91425" lIns="91425" spcFirstLastPara="1" rIns="91425" wrap="square" tIns="91425">
+          <a:bodyPr spcFirstLastPara="1" wrap="square" lIns="91425" tIns="91425" rIns="91425" bIns="91425" anchor="ctr" anchorCtr="0">
             <a:noAutofit/>
           </a:bodyPr>
           <a:lstStyle/>
           <a:p>
-            <a:pPr indent="0" lvl="0" marL="0" rtl="0" algn="l">
+            <a:pPr marL="0" lvl="0" indent="0" algn="l" rtl="0">
               <a:spcBef>
                 <a:spcPts val="0"/>
               </a:spcBef>
@@ -7749,9 +7966,6 @@
               </a:spcAft>
               <a:buNone/>
             </a:pPr>
-            <a:r>
-              <a:t/>
-            </a:r>
             <a:endParaRPr/>
           </a:p>
         </p:txBody>
@@ -7769,30 +7983,30 @@
           </a:xfrm>
           <a:prstGeom prst="leftArrow">
             <a:avLst>
-              <a:gd fmla="val 50000" name="adj1"/>
-              <a:gd fmla="val 50000" name="adj2"/>
+              <a:gd name="adj1" fmla="val 50000"/>
+              <a:gd name="adj2" fmla="val 50000"/>
             </a:avLst>
           </a:prstGeom>
           <a:solidFill>
             <a:schemeClr val="lt2"/>
           </a:solidFill>
-          <a:ln cap="flat" cmpd="sng" w="9525">
+          <a:ln w="9525" cap="flat" cmpd="sng">
             <a:solidFill>
               <a:schemeClr val="dk2"/>
             </a:solidFill>
             <a:prstDash val="solid"/>
             <a:round/>
-            <a:headEnd len="sm" w="sm" type="none"/>
-            <a:tailEnd len="sm" w="sm" type="none"/>
+            <a:headEnd type="none" w="sm" len="sm"/>
+            <a:tailEnd type="none" w="sm" len="sm"/>
           </a:ln>
         </p:spPr>
         <p:txBody>
-          <a:bodyPr anchorCtr="0" anchor="ctr" bIns="91425" lIns="91425" spcFirstLastPara="1" rIns="91425" wrap="square" tIns="91425">
+          <a:bodyPr spcFirstLastPara="1" wrap="square" lIns="91425" tIns="91425" rIns="91425" bIns="91425" anchor="ctr" anchorCtr="0">
             <a:noAutofit/>
           </a:bodyPr>
           <a:lstStyle/>
           <a:p>
-            <a:pPr indent="0" lvl="0" marL="0" rtl="0" algn="l">
+            <a:pPr marL="0" lvl="0" indent="0" algn="l" rtl="0">
               <a:spcBef>
                 <a:spcPts val="0"/>
               </a:spcBef>
@@ -7801,9 +8015,6 @@
               </a:spcAft>
               <a:buNone/>
             </a:pPr>
-            <a:r>
-              <a:t/>
-            </a:r>
             <a:endParaRPr/>
           </a:p>
         </p:txBody>
@@ -7816,32 +8027,32 @@
   <p:timing>
     <p:tnLst>
       <p:par>
-        <p:cTn dur="indefinite" nodeType="tmRoot" restart="never">
+        <p:cTn id="1" dur="indefinite" restart="never" nodeType="tmRoot">
           <p:childTnLst>
             <p:seq concurrent="1" nextAc="seek">
-              <p:cTn dur="indefinite" id="2" nodeType="mainSeq">
+              <p:cTn id="2" dur="indefinite" nodeType="mainSeq">
                 <p:childTnLst>
                   <p:par>
-                    <p:cTn fill="hold">
+                    <p:cTn id="3" fill="hold">
                       <p:stCondLst>
                         <p:cond delay="indefinite"/>
                       </p:stCondLst>
                       <p:childTnLst>
                         <p:par>
-                          <p:cTn fill="hold">
+                          <p:cTn id="4" fill="hold">
                             <p:stCondLst>
                               <p:cond delay="0"/>
                             </p:stCondLst>
                             <p:childTnLst>
                               <p:par>
-                                <p:cTn fill="hold" nodeType="clickEffect" presetClass="entr" presetID="10" presetSubtype="0">
+                                <p:cTn id="5" presetID="10" presetClass="entr" presetSubtype="0" fill="hold" nodeType="clickEffect">
                                   <p:stCondLst>
                                     <p:cond delay="0"/>
                                   </p:stCondLst>
                                   <p:childTnLst>
                                     <p:set>
                                       <p:cBhvr>
-                                        <p:cTn dur="1" fill="hold">
+                                        <p:cTn id="6" dur="1" fill="hold">
                                           <p:stCondLst>
                                             <p:cond delay="0"/>
                                           </p:stCondLst>
@@ -7857,9 +8068,9 @@
                                         <p:strVal val="visible"/>
                                       </p:to>
                                     </p:set>
-                                    <p:animEffect filter="fade" transition="in">
+                                    <p:animEffect transition="in" filter="fade">
                                       <p:cBhvr>
-                                        <p:cTn dur="1400"/>
+                                        <p:cTn id="7" dur="1400"/>
                                         <p:tgtEl>
                                           <p:spTgt spid="132"/>
                                         </p:tgtEl>
@@ -7869,14 +8080,14 @@
                                 </p:cTn>
                               </p:par>
                               <p:par>
-                                <p:cTn fill="hold" nodeType="withEffect" presetClass="entr" presetID="10" presetSubtype="0">
+                                <p:cTn id="8" presetID="10" presetClass="entr" presetSubtype="0" fill="hold" nodeType="withEffect">
                                   <p:stCondLst>
                                     <p:cond delay="0"/>
                                   </p:stCondLst>
                                   <p:childTnLst>
                                     <p:set>
                                       <p:cBhvr>
-                                        <p:cTn dur="1" fill="hold">
+                                        <p:cTn id="9" dur="1" fill="hold">
                                           <p:stCondLst>
                                             <p:cond delay="0"/>
                                           </p:stCondLst>
@@ -7892,9 +8103,9 @@
                                         <p:strVal val="visible"/>
                                       </p:to>
                                     </p:set>
-                                    <p:animEffect filter="fade" transition="in">
+                                    <p:animEffect transition="in" filter="fade">
                                       <p:cBhvr>
-                                        <p:cTn dur="1000"/>
+                                        <p:cTn id="10" dur="1000"/>
                                         <p:tgtEl>
                                           <p:spTgt spid="133"/>
                                         </p:tgtEl>
@@ -7904,14 +8115,14 @@
                                 </p:cTn>
                               </p:par>
                               <p:par>
-                                <p:cTn fill="hold" nodeType="withEffect" presetClass="entr" presetID="10" presetSubtype="0">
+                                <p:cTn id="11" presetID="10" presetClass="entr" presetSubtype="0" fill="hold" nodeType="withEffect">
                                   <p:stCondLst>
                                     <p:cond delay="0"/>
                                   </p:stCondLst>
                                   <p:childTnLst>
                                     <p:set>
                                       <p:cBhvr>
-                                        <p:cTn dur="1" fill="hold">
+                                        <p:cTn id="12" dur="1" fill="hold">
                                           <p:stCondLst>
                                             <p:cond delay="0"/>
                                           </p:stCondLst>
@@ -7927,9 +8138,9 @@
                                         <p:strVal val="visible"/>
                                       </p:to>
                                     </p:set>
-                                    <p:animEffect filter="fade" transition="in">
+                                    <p:animEffect transition="in" filter="fade">
                                       <p:cBhvr>
-                                        <p:cTn dur="1000"/>
+                                        <p:cTn id="13" dur="1000"/>
                                         <p:tgtEl>
                                           <p:spTgt spid="134"/>
                                         </p:tgtEl>
@@ -7947,14 +8158,14 @@
                 </p:childTnLst>
               </p:cTn>
               <p:prevCondLst>
-                <p:cond evt="onPrev">
+                <p:cond evt="onPrev" delay="0">
                   <p:tgtEl>
                     <p:sldTgt/>
                   </p:tgtEl>
                 </p:cond>
               </p:prevCondLst>
               <p:nextCondLst>
-                <p:cond evt="onNext">
+                <p:cond evt="onNext" delay="0">
                   <p:tgtEl>
                     <p:sldTgt/>
                   </p:tgtEl>
@@ -7970,11 +8181,11 @@
 </file>
 
 <file path=ppt/slides/slide13.xml><?xml version="1.0" encoding="utf-8"?>
-<p:sld xmlns:a="http://schemas.openxmlformats.org/drawingml/2006/main" xmlns:r="http://schemas.openxmlformats.org/officeDocument/2006/relationships" xmlns:mc="http://schemas.openxmlformats.org/markup-compatibility/2006" xmlns:mv="urn:schemas-microsoft-com:mac:vml" xmlns:p="http://schemas.openxmlformats.org/presentationml/2006/main" xmlns:c="http://schemas.openxmlformats.org/drawingml/2006/chart" xmlns:dgm="http://schemas.openxmlformats.org/drawingml/2006/diagram" xmlns:o="urn:schemas-microsoft-com:office:office" xmlns:v="urn:schemas-microsoft-com:vml" xmlns:pvml="urn:schemas-microsoft-com:office:powerpoint" xmlns:com="http://schemas.openxmlformats.org/drawingml/2006/compatibility" xmlns:p14="http://schemas.microsoft.com/office/powerpoint/2010/main" xmlns:p15="http://schemas.microsoft.com/office/powerpoint/2012/main">
+<p:sld xmlns:a="http://schemas.openxmlformats.org/drawingml/2006/main" xmlns:r="http://schemas.openxmlformats.org/officeDocument/2006/relationships" xmlns:p="http://schemas.openxmlformats.org/presentationml/2006/main">
   <p:cSld>
     <p:spTree>
       <p:nvGrpSpPr>
-        <p:cNvPr id="138" name="Shape 138"/>
+        <p:cNvPr id="1" name="Shape 138"/>
         <p:cNvGrpSpPr/>
         <p:nvPr/>
       </p:nvGrpSpPr>
@@ -7989,7 +8200,9 @@
       <p:sp>
         <p:nvSpPr>
           <p:cNvPr id="139" name="Google Shape;139;p25"/>
-          <p:cNvSpPr txBox="1"/>
+          <p:cNvSpPr txBox="1">
+            <a:spLocks noGrp="1"/>
+          </p:cNvSpPr>
           <p:nvPr>
             <p:ph type="title"/>
           </p:nvPr>
@@ -8004,12 +8217,12 @@
           </a:prstGeom>
         </p:spPr>
         <p:txBody>
-          <a:bodyPr anchorCtr="0" anchor="t" bIns="91425" lIns="91425" spcFirstLastPara="1" rIns="91425" wrap="square" tIns="91425">
+          <a:bodyPr spcFirstLastPara="1" wrap="square" lIns="91425" tIns="91425" rIns="91425" bIns="91425" anchor="t" anchorCtr="0">
             <a:noAutofit/>
           </a:bodyPr>
           <a:lstStyle/>
           <a:p>
-            <a:pPr indent="0" lvl="0" marL="0" rtl="0" algn="l">
+            <a:pPr marL="0" lvl="0" indent="0" algn="l" rtl="0">
               <a:spcBef>
                 <a:spcPts val="0"/>
               </a:spcBef>
@@ -8033,9 +8246,11 @@
       <p:sp>
         <p:nvSpPr>
           <p:cNvPr id="140" name="Google Shape;140;p25"/>
-          <p:cNvSpPr txBox="1"/>
+          <p:cNvSpPr txBox="1">
+            <a:spLocks noGrp="1"/>
+          </p:cNvSpPr>
           <p:nvPr>
-            <p:ph idx="1" type="body"/>
+            <p:ph type="body" idx="1"/>
           </p:nvPr>
         </p:nvSpPr>
         <p:spPr>
@@ -8048,12 +8263,12 @@
           </a:prstGeom>
         </p:spPr>
         <p:txBody>
-          <a:bodyPr anchorCtr="0" anchor="t" bIns="91425" lIns="91425" spcFirstLastPara="1" rIns="91425" wrap="square" tIns="91425">
+          <a:bodyPr spcFirstLastPara="1" wrap="square" lIns="91425" tIns="91425" rIns="91425" bIns="91425" anchor="t" anchorCtr="0">
             <a:noAutofit/>
           </a:bodyPr>
           <a:lstStyle/>
           <a:p>
-            <a:pPr indent="-381000" lvl="0" marL="457200" marR="0" rtl="0" algn="l">
+            <a:pPr marL="457200" marR="0" lvl="0" indent="-381000" algn="l" rtl="0">
               <a:lnSpc>
                 <a:spcPct val="115000"/>
               </a:lnSpc>
@@ -8077,7 +8292,7 @@
             <a:endParaRPr sz="2400"/>
           </a:p>
           <a:p>
-            <a:pPr indent="-342900" lvl="1" marL="914400" marR="0" rtl="0" algn="l">
+            <a:pPr marL="914400" marR="0" lvl="1" indent="-342900" algn="l" rtl="0">
               <a:lnSpc>
                 <a:spcPct val="115000"/>
               </a:lnSpc>
@@ -8097,7 +8312,7 @@
             <a:endParaRPr sz="1800"/>
           </a:p>
           <a:p>
-            <a:pPr indent="-381000" lvl="0" marL="457200" marR="0" rtl="0" algn="l">
+            <a:pPr marL="457200" marR="0" lvl="0" indent="-381000" algn="l" rtl="0">
               <a:lnSpc>
                 <a:spcPct val="115000"/>
               </a:lnSpc>
@@ -8117,7 +8332,7 @@
             <a:endParaRPr sz="2400"/>
           </a:p>
           <a:p>
-            <a:pPr indent="-381000" lvl="0" marL="457200" marR="0" rtl="0" algn="l">
+            <a:pPr marL="457200" marR="0" lvl="0" indent="-381000" algn="l" rtl="0">
               <a:lnSpc>
                 <a:spcPct val="115000"/>
               </a:lnSpc>
@@ -8137,7 +8352,7 @@
             <a:endParaRPr sz="2400"/>
           </a:p>
           <a:p>
-            <a:pPr indent="-381000" lvl="0" marL="457200" marR="0" rtl="0" algn="l">
+            <a:pPr marL="457200" marR="0" lvl="0" indent="-381000" algn="l" rtl="0">
               <a:lnSpc>
                 <a:spcPct val="115000"/>
               </a:lnSpc>
@@ -8157,7 +8372,7 @@
             <a:endParaRPr sz="2400"/>
           </a:p>
           <a:p>
-            <a:pPr indent="0" lvl="0" marL="0" marR="0" rtl="0" algn="l">
+            <a:pPr marL="0" marR="0" lvl="0" indent="0" algn="l" rtl="0">
               <a:lnSpc>
                 <a:spcPct val="115000"/>
               </a:lnSpc>
@@ -8169,9 +8384,6 @@
               </a:spcAft>
               <a:buNone/>
             </a:pPr>
-            <a:r>
-              <a:t/>
-            </a:r>
             <a:endParaRPr/>
           </a:p>
         </p:txBody>
@@ -8185,11 +8397,11 @@
 </file>
 
 <file path=ppt/slides/slide14.xml><?xml version="1.0" encoding="utf-8"?>
-<p:sld xmlns:a="http://schemas.openxmlformats.org/drawingml/2006/main" xmlns:r="http://schemas.openxmlformats.org/officeDocument/2006/relationships" xmlns:mc="http://schemas.openxmlformats.org/markup-compatibility/2006" xmlns:mv="urn:schemas-microsoft-com:mac:vml" xmlns:p="http://schemas.openxmlformats.org/presentationml/2006/main" xmlns:c="http://schemas.openxmlformats.org/drawingml/2006/chart" xmlns:dgm="http://schemas.openxmlformats.org/drawingml/2006/diagram" xmlns:o="urn:schemas-microsoft-com:office:office" xmlns:v="urn:schemas-microsoft-com:vml" xmlns:pvml="urn:schemas-microsoft-com:office:powerpoint" xmlns:com="http://schemas.openxmlformats.org/drawingml/2006/compatibility" xmlns:p14="http://schemas.microsoft.com/office/powerpoint/2010/main" xmlns:p15="http://schemas.microsoft.com/office/powerpoint/2012/main">
+<p:sld xmlns:a="http://schemas.openxmlformats.org/drawingml/2006/main" xmlns:r="http://schemas.openxmlformats.org/officeDocument/2006/relationships" xmlns:p="http://schemas.openxmlformats.org/presentationml/2006/main">
   <p:cSld>
     <p:spTree>
       <p:nvGrpSpPr>
-        <p:cNvPr id="144" name="Shape 144"/>
+        <p:cNvPr id="1" name="Shape 144"/>
         <p:cNvGrpSpPr/>
         <p:nvPr/>
       </p:nvGrpSpPr>
@@ -8204,7 +8416,9 @@
       <p:sp>
         <p:nvSpPr>
           <p:cNvPr id="145" name="Google Shape;145;p26"/>
-          <p:cNvSpPr txBox="1"/>
+          <p:cNvSpPr txBox="1">
+            <a:spLocks noGrp="1"/>
+          </p:cNvSpPr>
           <p:nvPr>
             <p:ph type="title"/>
           </p:nvPr>
@@ -8219,12 +8433,12 @@
           </a:prstGeom>
         </p:spPr>
         <p:txBody>
-          <a:bodyPr anchorCtr="0" anchor="ctr" bIns="91425" lIns="91425" spcFirstLastPara="1" rIns="91425" wrap="square" tIns="91425">
+          <a:bodyPr spcFirstLastPara="1" wrap="square" lIns="91425" tIns="91425" rIns="91425" bIns="91425" anchor="ctr" anchorCtr="0">
             <a:noAutofit/>
           </a:bodyPr>
           <a:lstStyle/>
           <a:p>
-            <a:pPr indent="0" lvl="0" marL="0" rtl="0" algn="ctr">
+            <a:pPr marL="0" lvl="0" indent="0" algn="ctr" rtl="0">
               <a:spcBef>
                 <a:spcPts val="0"/>
               </a:spcBef>
@@ -8286,11 +8500,11 @@
 </file>
 
 <file path=ppt/slides/slide2.xml><?xml version="1.0" encoding="utf-8"?>
-<p:sld xmlns:a="http://schemas.openxmlformats.org/drawingml/2006/main" xmlns:r="http://schemas.openxmlformats.org/officeDocument/2006/relationships" xmlns:mc="http://schemas.openxmlformats.org/markup-compatibility/2006" xmlns:mv="urn:schemas-microsoft-com:mac:vml" xmlns:p="http://schemas.openxmlformats.org/presentationml/2006/main" xmlns:c="http://schemas.openxmlformats.org/drawingml/2006/chart" xmlns:dgm="http://schemas.openxmlformats.org/drawingml/2006/diagram" xmlns:o="urn:schemas-microsoft-com:office:office" xmlns:v="urn:schemas-microsoft-com:vml" xmlns:pvml="urn:schemas-microsoft-com:office:powerpoint" xmlns:com="http://schemas.openxmlformats.org/drawingml/2006/compatibility" xmlns:p14="http://schemas.microsoft.com/office/powerpoint/2010/main" xmlns:p15="http://schemas.microsoft.com/office/powerpoint/2012/main">
+<p:sld xmlns:a="http://schemas.openxmlformats.org/drawingml/2006/main" xmlns:r="http://schemas.openxmlformats.org/officeDocument/2006/relationships" xmlns:p="http://schemas.openxmlformats.org/presentationml/2006/main">
   <p:cSld>
     <p:spTree>
       <p:nvGrpSpPr>
-        <p:cNvPr id="61" name="Shape 61"/>
+        <p:cNvPr id="1" name="Shape 61"/>
         <p:cNvGrpSpPr/>
         <p:nvPr/>
       </p:nvGrpSpPr>
@@ -8339,11 +8553,11 @@
 </file>
 
 <file path=ppt/slides/slide3.xml><?xml version="1.0" encoding="utf-8"?>
-<p:sld xmlns:a="http://schemas.openxmlformats.org/drawingml/2006/main" xmlns:r="http://schemas.openxmlformats.org/officeDocument/2006/relationships" xmlns:mc="http://schemas.openxmlformats.org/markup-compatibility/2006" xmlns:mv="urn:schemas-microsoft-com:mac:vml" xmlns:p="http://schemas.openxmlformats.org/presentationml/2006/main" xmlns:c="http://schemas.openxmlformats.org/drawingml/2006/chart" xmlns:dgm="http://schemas.openxmlformats.org/drawingml/2006/diagram" xmlns:o="urn:schemas-microsoft-com:office:office" xmlns:v="urn:schemas-microsoft-com:vml" xmlns:pvml="urn:schemas-microsoft-com:office:powerpoint" xmlns:com="http://schemas.openxmlformats.org/drawingml/2006/compatibility" xmlns:p14="http://schemas.microsoft.com/office/powerpoint/2010/main" xmlns:p15="http://schemas.microsoft.com/office/powerpoint/2012/main">
+<p:sld xmlns:a="http://schemas.openxmlformats.org/drawingml/2006/main" xmlns:r="http://schemas.openxmlformats.org/officeDocument/2006/relationships" xmlns:p="http://schemas.openxmlformats.org/presentationml/2006/main">
   <p:cSld>
     <p:spTree>
       <p:nvGrpSpPr>
-        <p:cNvPr id="66" name="Shape 66"/>
+        <p:cNvPr id="1" name="Shape 66"/>
         <p:cNvGrpSpPr/>
         <p:nvPr/>
       </p:nvGrpSpPr>
@@ -8358,7 +8572,9 @@
       <p:sp>
         <p:nvSpPr>
           <p:cNvPr id="67" name="Google Shape;67;p15"/>
-          <p:cNvSpPr txBox="1"/>
+          <p:cNvSpPr txBox="1">
+            <a:spLocks noGrp="1"/>
+          </p:cNvSpPr>
           <p:nvPr>
             <p:ph type="title"/>
           </p:nvPr>
@@ -8373,12 +8589,12 @@
           </a:prstGeom>
         </p:spPr>
         <p:txBody>
-          <a:bodyPr anchorCtr="0" anchor="t" bIns="91425" lIns="91425" spcFirstLastPara="1" rIns="91425" wrap="square" tIns="91425">
+          <a:bodyPr spcFirstLastPara="1" wrap="square" lIns="91425" tIns="91425" rIns="91425" bIns="91425" anchor="t" anchorCtr="0">
             <a:noAutofit/>
           </a:bodyPr>
           <a:lstStyle/>
           <a:p>
-            <a:pPr indent="0" lvl="0" marL="0" rtl="0" algn="l">
+            <a:pPr marL="0" lvl="0" indent="0" algn="l" rtl="0">
               <a:spcBef>
                 <a:spcPts val="0"/>
               </a:spcBef>
@@ -8402,9 +8618,11 @@
       <p:sp>
         <p:nvSpPr>
           <p:cNvPr id="68" name="Google Shape;68;p15"/>
-          <p:cNvSpPr txBox="1"/>
+          <p:cNvSpPr txBox="1">
+            <a:spLocks noGrp="1"/>
+          </p:cNvSpPr>
           <p:nvPr>
-            <p:ph idx="1" type="body"/>
+            <p:ph type="body" idx="1"/>
           </p:nvPr>
         </p:nvSpPr>
         <p:spPr>
@@ -8417,12 +8635,12 @@
           </a:prstGeom>
         </p:spPr>
         <p:txBody>
-          <a:bodyPr anchorCtr="0" anchor="t" bIns="91425" lIns="91425" spcFirstLastPara="1" rIns="91425" wrap="square" tIns="91425">
+          <a:bodyPr spcFirstLastPara="1" wrap="square" lIns="91425" tIns="91425" rIns="91425" bIns="91425" anchor="t" anchorCtr="0">
             <a:noAutofit/>
           </a:bodyPr>
           <a:lstStyle/>
           <a:p>
-            <a:pPr indent="-381000" lvl="0" marL="457200" rtl="0" algn="l">
+            <a:pPr marL="457200" lvl="0" indent="-381000" algn="l" rtl="0">
               <a:spcBef>
                 <a:spcPts val="0"/>
               </a:spcBef>
@@ -8439,7 +8657,7 @@
             <a:endParaRPr sz="2400"/>
           </a:p>
           <a:p>
-            <a:pPr indent="-342900" lvl="1" marL="914400" rtl="0" algn="l">
+            <a:pPr marL="914400" lvl="1" indent="-342900" algn="l" rtl="0">
               <a:spcBef>
                 <a:spcPts val="0"/>
               </a:spcBef>
@@ -8456,7 +8674,7 @@
             <a:endParaRPr sz="1800"/>
           </a:p>
           <a:p>
-            <a:pPr indent="-342900" lvl="1" marL="914400" rtl="0" algn="l">
+            <a:pPr marL="914400" lvl="1" indent="-342900" algn="l" rtl="0">
               <a:spcBef>
                 <a:spcPts val="0"/>
               </a:spcBef>
@@ -8484,7 +8702,7 @@
             </a:endParaRPr>
           </a:p>
           <a:p>
-            <a:pPr indent="-342900" lvl="2" marL="1371600" rtl="0" algn="l">
+            <a:pPr marL="1371600" lvl="2" indent="-342900" algn="l" rtl="0">
               <a:spcBef>
                 <a:spcPts val="0"/>
               </a:spcBef>
@@ -8512,7 +8730,7 @@
             </a:endParaRPr>
           </a:p>
           <a:p>
-            <a:pPr indent="-342900" lvl="2" marL="1371600" rtl="0" algn="l">
+            <a:pPr marL="1371600" lvl="2" indent="-342900" algn="l" rtl="0">
               <a:spcBef>
                 <a:spcPts val="0"/>
               </a:spcBef>
@@ -8540,7 +8758,7 @@
             </a:endParaRPr>
           </a:p>
           <a:p>
-            <a:pPr indent="-381000" lvl="0" marL="457200" rtl="0" algn="l">
+            <a:pPr marL="457200" lvl="0" indent="-381000" algn="l" rtl="0">
               <a:spcBef>
                 <a:spcPts val="0"/>
               </a:spcBef>
@@ -8557,7 +8775,7 @@
             <a:endParaRPr sz="2400"/>
           </a:p>
           <a:p>
-            <a:pPr indent="-381000" lvl="0" marL="457200" rtl="0" algn="l">
+            <a:pPr marL="457200" lvl="0" indent="-381000" algn="l" rtl="0">
               <a:spcBef>
                 <a:spcPts val="0"/>
               </a:spcBef>
@@ -8574,7 +8792,7 @@
             <a:endParaRPr sz="2400"/>
           </a:p>
           <a:p>
-            <a:pPr indent="-381000" lvl="0" marL="457200" rtl="0" algn="l">
+            <a:pPr marL="457200" lvl="0" indent="-381000" algn="l" rtl="0">
               <a:spcBef>
                 <a:spcPts val="0"/>
               </a:spcBef>
@@ -8591,7 +8809,7 @@
             <a:endParaRPr sz="2400"/>
           </a:p>
           <a:p>
-            <a:pPr indent="-381000" lvl="0" marL="457200" rtl="0" algn="l">
+            <a:pPr marL="457200" lvl="0" indent="-381000" algn="l" rtl="0">
               <a:spcBef>
                 <a:spcPts val="0"/>
               </a:spcBef>
@@ -8626,11 +8844,11 @@
 </file>
 
 <file path=ppt/slides/slide4.xml><?xml version="1.0" encoding="utf-8"?>
-<p:sld xmlns:a="http://schemas.openxmlformats.org/drawingml/2006/main" xmlns:r="http://schemas.openxmlformats.org/officeDocument/2006/relationships" xmlns:mc="http://schemas.openxmlformats.org/markup-compatibility/2006" xmlns:mv="urn:schemas-microsoft-com:mac:vml" xmlns:p="http://schemas.openxmlformats.org/presentationml/2006/main" xmlns:c="http://schemas.openxmlformats.org/drawingml/2006/chart" xmlns:dgm="http://schemas.openxmlformats.org/drawingml/2006/diagram" xmlns:o="urn:schemas-microsoft-com:office:office" xmlns:v="urn:schemas-microsoft-com:vml" xmlns:pvml="urn:schemas-microsoft-com:office:powerpoint" xmlns:com="http://schemas.openxmlformats.org/drawingml/2006/compatibility" xmlns:p14="http://schemas.microsoft.com/office/powerpoint/2010/main" xmlns:p15="http://schemas.microsoft.com/office/powerpoint/2012/main">
+<p:sld xmlns:a="http://schemas.openxmlformats.org/drawingml/2006/main" xmlns:r="http://schemas.openxmlformats.org/officeDocument/2006/relationships" xmlns:p="http://schemas.openxmlformats.org/presentationml/2006/main">
   <p:cSld>
     <p:spTree>
       <p:nvGrpSpPr>
-        <p:cNvPr id="72" name="Shape 72"/>
+        <p:cNvPr id="1" name="Shape 72"/>
         <p:cNvGrpSpPr/>
         <p:nvPr/>
       </p:nvGrpSpPr>
@@ -8645,7 +8863,9 @@
       <p:sp>
         <p:nvSpPr>
           <p:cNvPr id="73" name="Google Shape;73;p16"/>
-          <p:cNvSpPr txBox="1"/>
+          <p:cNvSpPr txBox="1">
+            <a:spLocks noGrp="1"/>
+          </p:cNvSpPr>
           <p:nvPr>
             <p:ph type="title"/>
           </p:nvPr>
@@ -8660,12 +8880,12 @@
           </a:prstGeom>
         </p:spPr>
         <p:txBody>
-          <a:bodyPr anchorCtr="0" anchor="t" bIns="91425" lIns="91425" spcFirstLastPara="1" rIns="91425" wrap="square" tIns="91425">
+          <a:bodyPr spcFirstLastPara="1" wrap="square" lIns="91425" tIns="91425" rIns="91425" bIns="91425" anchor="t" anchorCtr="0">
             <a:noAutofit/>
           </a:bodyPr>
           <a:lstStyle/>
           <a:p>
-            <a:pPr indent="0" lvl="0" marL="0" rtl="0" algn="l">
+            <a:pPr marL="0" lvl="0" indent="0" algn="l" rtl="0">
               <a:spcBef>
                 <a:spcPts val="0"/>
               </a:spcBef>
@@ -8689,9 +8909,11 @@
       <p:sp>
         <p:nvSpPr>
           <p:cNvPr id="74" name="Google Shape;74;p16"/>
-          <p:cNvSpPr txBox="1"/>
+          <p:cNvSpPr txBox="1">
+            <a:spLocks noGrp="1"/>
+          </p:cNvSpPr>
           <p:nvPr>
-            <p:ph idx="1" type="body"/>
+            <p:ph type="body" idx="1"/>
           </p:nvPr>
         </p:nvSpPr>
         <p:spPr>
@@ -8704,12 +8926,12 @@
           </a:prstGeom>
         </p:spPr>
         <p:txBody>
-          <a:bodyPr anchorCtr="0" anchor="t" bIns="91425" lIns="91425" spcFirstLastPara="1" rIns="91425" wrap="square" tIns="91425">
+          <a:bodyPr spcFirstLastPara="1" wrap="square" lIns="91425" tIns="91425" rIns="91425" bIns="91425" anchor="t" anchorCtr="0">
             <a:noAutofit/>
           </a:bodyPr>
           <a:lstStyle/>
           <a:p>
-            <a:pPr indent="-342900" lvl="0" marL="457200" rtl="0" algn="l">
+            <a:pPr marL="457200" lvl="0" indent="-342900" algn="l" rtl="0">
               <a:spcBef>
                 <a:spcPts val="0"/>
               </a:spcBef>
@@ -8737,7 +8959,7 @@
           <a:blip r:embed="rId3">
             <a:alphaModFix/>
           </a:blip>
-          <a:srcRect b="7287" l="0" r="0" t="0"/>
+          <a:srcRect b="7287"/>
           <a:stretch/>
         </p:blipFill>
         <p:spPr>
@@ -8753,7 +8975,7 @@
             <a:noFill/>
           </a:ln>
           <a:effectLst>
-            <a:outerShdw blurRad="57150" rotWithShape="0" algn="bl" dir="5400000" dist="19050">
+            <a:outerShdw blurRad="57150" dist="19050" dir="5400000" algn="bl" rotWithShape="0">
               <a:srgbClr val="000000">
                 <a:alpha val="50000"/>
               </a:srgbClr>
@@ -8788,7 +9010,7 @@
             <a:noFill/>
           </a:ln>
           <a:effectLst>
-            <a:outerShdw blurRad="57150" rotWithShape="0" algn="bl" dir="5400000" dist="19050">
+            <a:outerShdw blurRad="57150" dist="19050" dir="5400000" algn="bl" rotWithShape="0">
               <a:srgbClr val="000000">
                 <a:alpha val="50000"/>
               </a:srgbClr>
@@ -8805,11 +9027,11 @@
 </file>
 
 <file path=ppt/slides/slide5.xml><?xml version="1.0" encoding="utf-8"?>
-<p:sld xmlns:a="http://schemas.openxmlformats.org/drawingml/2006/main" xmlns:r="http://schemas.openxmlformats.org/officeDocument/2006/relationships" xmlns:mc="http://schemas.openxmlformats.org/markup-compatibility/2006" xmlns:mv="urn:schemas-microsoft-com:mac:vml" xmlns:p="http://schemas.openxmlformats.org/presentationml/2006/main" xmlns:c="http://schemas.openxmlformats.org/drawingml/2006/chart" xmlns:dgm="http://schemas.openxmlformats.org/drawingml/2006/diagram" xmlns:o="urn:schemas-microsoft-com:office:office" xmlns:v="urn:schemas-microsoft-com:vml" xmlns:pvml="urn:schemas-microsoft-com:office:powerpoint" xmlns:com="http://schemas.openxmlformats.org/drawingml/2006/compatibility" xmlns:p14="http://schemas.microsoft.com/office/powerpoint/2010/main" xmlns:p15="http://schemas.microsoft.com/office/powerpoint/2012/main">
+<p:sld xmlns:a="http://schemas.openxmlformats.org/drawingml/2006/main" xmlns:r="http://schemas.openxmlformats.org/officeDocument/2006/relationships" xmlns:p="http://schemas.openxmlformats.org/presentationml/2006/main">
   <p:cSld>
     <p:spTree>
       <p:nvGrpSpPr>
-        <p:cNvPr id="80" name="Shape 80"/>
+        <p:cNvPr id="1" name="Shape 80"/>
         <p:cNvGrpSpPr/>
         <p:nvPr/>
       </p:nvGrpSpPr>
@@ -8824,7 +9046,9 @@
       <p:sp>
         <p:nvSpPr>
           <p:cNvPr id="81" name="Google Shape;81;p17"/>
-          <p:cNvSpPr txBox="1"/>
+          <p:cNvSpPr txBox="1">
+            <a:spLocks noGrp="1"/>
+          </p:cNvSpPr>
           <p:nvPr>
             <p:ph type="title"/>
           </p:nvPr>
@@ -8839,12 +9063,12 @@
           </a:prstGeom>
         </p:spPr>
         <p:txBody>
-          <a:bodyPr anchorCtr="0" anchor="t" bIns="91425" lIns="91425" spcFirstLastPara="1" rIns="91425" wrap="square" tIns="91425">
+          <a:bodyPr spcFirstLastPara="1" wrap="square" lIns="91425" tIns="91425" rIns="91425" bIns="91425" anchor="t" anchorCtr="0">
             <a:noAutofit/>
           </a:bodyPr>
           <a:lstStyle/>
           <a:p>
-            <a:pPr indent="0" lvl="0" marL="0" rtl="0" algn="l">
+            <a:pPr marL="0" lvl="0" indent="0" algn="l" rtl="0">
               <a:spcBef>
                 <a:spcPts val="0"/>
               </a:spcBef>
@@ -8868,9 +9092,11 @@
       <p:sp>
         <p:nvSpPr>
           <p:cNvPr id="82" name="Google Shape;82;p17"/>
-          <p:cNvSpPr txBox="1"/>
+          <p:cNvSpPr txBox="1">
+            <a:spLocks noGrp="1"/>
+          </p:cNvSpPr>
           <p:nvPr>
-            <p:ph idx="1" type="body"/>
+            <p:ph type="body" idx="1"/>
           </p:nvPr>
         </p:nvSpPr>
         <p:spPr>
@@ -8883,12 +9109,12 @@
           </a:prstGeom>
         </p:spPr>
         <p:txBody>
-          <a:bodyPr anchorCtr="0" anchor="t" bIns="91425" lIns="91425" spcFirstLastPara="1" rIns="91425" wrap="square" tIns="91425">
+          <a:bodyPr spcFirstLastPara="1" wrap="square" lIns="91425" tIns="91425" rIns="91425" bIns="91425" anchor="t" anchorCtr="0">
             <a:noAutofit/>
           </a:bodyPr>
           <a:lstStyle/>
           <a:p>
-            <a:pPr indent="0" lvl="0" marL="0" rtl="0" algn="l">
+            <a:pPr marL="0" lvl="0" indent="0" algn="l" rtl="0">
               <a:spcBef>
                 <a:spcPts val="0"/>
               </a:spcBef>
@@ -8942,11 +9168,11 @@
 </file>
 
 <file path=ppt/slides/slide6.xml><?xml version="1.0" encoding="utf-8"?>
-<p:sld xmlns:a="http://schemas.openxmlformats.org/drawingml/2006/main" xmlns:r="http://schemas.openxmlformats.org/officeDocument/2006/relationships" xmlns:mc="http://schemas.openxmlformats.org/markup-compatibility/2006" xmlns:mv="urn:schemas-microsoft-com:mac:vml" xmlns:p="http://schemas.openxmlformats.org/presentationml/2006/main" xmlns:c="http://schemas.openxmlformats.org/drawingml/2006/chart" xmlns:dgm="http://schemas.openxmlformats.org/drawingml/2006/diagram" xmlns:o="urn:schemas-microsoft-com:office:office" xmlns:v="urn:schemas-microsoft-com:vml" xmlns:pvml="urn:schemas-microsoft-com:office:powerpoint" xmlns:com="http://schemas.openxmlformats.org/drawingml/2006/compatibility" xmlns:p14="http://schemas.microsoft.com/office/powerpoint/2010/main" xmlns:p15="http://schemas.microsoft.com/office/powerpoint/2012/main">
+<p:sld xmlns:a="http://schemas.openxmlformats.org/drawingml/2006/main" xmlns:r="http://schemas.openxmlformats.org/officeDocument/2006/relationships" xmlns:p="http://schemas.openxmlformats.org/presentationml/2006/main">
   <p:cSld>
     <p:spTree>
       <p:nvGrpSpPr>
-        <p:cNvPr id="87" name="Shape 87"/>
+        <p:cNvPr id="1" name="Shape 87"/>
         <p:cNvGrpSpPr/>
         <p:nvPr/>
       </p:nvGrpSpPr>
@@ -8961,7 +9187,9 @@
       <p:sp>
         <p:nvSpPr>
           <p:cNvPr id="88" name="Google Shape;88;p18"/>
-          <p:cNvSpPr txBox="1"/>
+          <p:cNvSpPr txBox="1">
+            <a:spLocks noGrp="1"/>
+          </p:cNvSpPr>
           <p:nvPr>
             <p:ph type="title"/>
           </p:nvPr>
@@ -8976,12 +9204,12 @@
           </a:prstGeom>
         </p:spPr>
         <p:txBody>
-          <a:bodyPr anchorCtr="0" anchor="t" bIns="91425" lIns="91425" spcFirstLastPara="1" rIns="91425" wrap="square" tIns="91425">
+          <a:bodyPr spcFirstLastPara="1" wrap="square" lIns="91425" tIns="91425" rIns="91425" bIns="91425" anchor="t" anchorCtr="0">
             <a:noAutofit/>
           </a:bodyPr>
           <a:lstStyle/>
           <a:p>
-            <a:pPr indent="0" lvl="0" marL="0" rtl="0" algn="l">
+            <a:pPr marL="0" lvl="0" indent="0" algn="l" rtl="0">
               <a:spcBef>
                 <a:spcPts val="0"/>
               </a:spcBef>
@@ -9005,9 +9233,11 @@
       <p:sp>
         <p:nvSpPr>
           <p:cNvPr id="89" name="Google Shape;89;p18"/>
-          <p:cNvSpPr txBox="1"/>
+          <p:cNvSpPr txBox="1">
+            <a:spLocks noGrp="1"/>
+          </p:cNvSpPr>
           <p:nvPr>
-            <p:ph idx="1" type="body"/>
+            <p:ph type="body" idx="1"/>
           </p:nvPr>
         </p:nvSpPr>
         <p:spPr>
@@ -9020,12 +9250,12 @@
           </a:prstGeom>
         </p:spPr>
         <p:txBody>
-          <a:bodyPr anchorCtr="0" anchor="t" bIns="91425" lIns="91425" spcFirstLastPara="1" rIns="91425" wrap="square" tIns="91425">
+          <a:bodyPr spcFirstLastPara="1" wrap="square" lIns="91425" tIns="91425" rIns="91425" bIns="91425" anchor="t" anchorCtr="0">
             <a:noAutofit/>
           </a:bodyPr>
           <a:lstStyle/>
           <a:p>
-            <a:pPr indent="0" lvl="0" marL="0" rtl="0" algn="l">
+            <a:pPr marL="0" lvl="0" indent="0" algn="l" rtl="0">
               <a:spcBef>
                 <a:spcPts val="0"/>
               </a:spcBef>
@@ -9107,11 +9337,11 @@
 </file>
 
 <file path=ppt/slides/slide7.xml><?xml version="1.0" encoding="utf-8"?>
-<p:sld xmlns:a="http://schemas.openxmlformats.org/drawingml/2006/main" xmlns:r="http://schemas.openxmlformats.org/officeDocument/2006/relationships" xmlns:mc="http://schemas.openxmlformats.org/markup-compatibility/2006" xmlns:mv="urn:schemas-microsoft-com:mac:vml" xmlns:p="http://schemas.openxmlformats.org/presentationml/2006/main" xmlns:c="http://schemas.openxmlformats.org/drawingml/2006/chart" xmlns:dgm="http://schemas.openxmlformats.org/drawingml/2006/diagram" xmlns:o="urn:schemas-microsoft-com:office:office" xmlns:v="urn:schemas-microsoft-com:vml" xmlns:pvml="urn:schemas-microsoft-com:office:powerpoint" xmlns:com="http://schemas.openxmlformats.org/drawingml/2006/compatibility" xmlns:p14="http://schemas.microsoft.com/office/powerpoint/2010/main" xmlns:p15="http://schemas.microsoft.com/office/powerpoint/2012/main">
+<p:sld xmlns:a="http://schemas.openxmlformats.org/drawingml/2006/main" xmlns:r="http://schemas.openxmlformats.org/officeDocument/2006/relationships" xmlns:p="http://schemas.openxmlformats.org/presentationml/2006/main">
   <p:cSld>
     <p:spTree>
       <p:nvGrpSpPr>
-        <p:cNvPr id="95" name="Shape 95"/>
+        <p:cNvPr id="1" name="Shape 95"/>
         <p:cNvGrpSpPr/>
         <p:nvPr/>
       </p:nvGrpSpPr>
@@ -9126,7 +9356,9 @@
       <p:sp>
         <p:nvSpPr>
           <p:cNvPr id="96" name="Google Shape;96;p19"/>
-          <p:cNvSpPr txBox="1"/>
+          <p:cNvSpPr txBox="1">
+            <a:spLocks noGrp="1"/>
+          </p:cNvSpPr>
           <p:nvPr>
             <p:ph type="title"/>
           </p:nvPr>
@@ -9141,12 +9373,12 @@
           </a:prstGeom>
         </p:spPr>
         <p:txBody>
-          <a:bodyPr anchorCtr="0" anchor="t" bIns="91425" lIns="91425" spcFirstLastPara="1" rIns="91425" wrap="square" tIns="91425">
+          <a:bodyPr spcFirstLastPara="1" wrap="square" lIns="91425" tIns="91425" rIns="91425" bIns="91425" anchor="t" anchorCtr="0">
             <a:noAutofit/>
           </a:bodyPr>
           <a:lstStyle/>
           <a:p>
-            <a:pPr indent="0" lvl="0" marL="0" rtl="0" algn="l">
+            <a:pPr marL="0" lvl="0" indent="0" algn="l" rtl="0">
               <a:spcBef>
                 <a:spcPts val="0"/>
               </a:spcBef>
@@ -9170,9 +9402,11 @@
       <p:sp>
         <p:nvSpPr>
           <p:cNvPr id="97" name="Google Shape;97;p19"/>
-          <p:cNvSpPr txBox="1"/>
+          <p:cNvSpPr txBox="1">
+            <a:spLocks noGrp="1"/>
+          </p:cNvSpPr>
           <p:nvPr>
-            <p:ph idx="1" type="body"/>
+            <p:ph type="body" idx="1"/>
           </p:nvPr>
         </p:nvSpPr>
         <p:spPr>
@@ -9185,12 +9419,12 @@
           </a:prstGeom>
         </p:spPr>
         <p:txBody>
-          <a:bodyPr anchorCtr="0" anchor="t" bIns="91425" lIns="91425" spcFirstLastPara="1" rIns="91425" wrap="square" tIns="91425">
+          <a:bodyPr spcFirstLastPara="1" wrap="square" lIns="91425" tIns="91425" rIns="91425" bIns="91425" anchor="t" anchorCtr="0">
             <a:noAutofit/>
           </a:bodyPr>
           <a:lstStyle/>
           <a:p>
-            <a:pPr indent="0" lvl="0" marL="0" rtl="0" algn="l">
+            <a:pPr marL="0" lvl="0" indent="0" algn="l" rtl="0">
               <a:spcBef>
                 <a:spcPts val="0"/>
               </a:spcBef>
@@ -9201,15 +9435,7 @@
             </a:pPr>
             <a:r>
               <a:rPr lang="en"/>
-              <a:t>When players successfully create path of the same colored beads from the start to the finish bead, a cascading animation plays of the beads being sequentially highlighted, </a:t>
-            </a:r>
-            <a:r>
-              <a:rPr lang="en"/>
-              <a:t>mimicking</a:t>
-            </a:r>
-            <a:r>
-              <a:rPr lang="en"/>
-              <a:t> a traveled path.</a:t>
+              <a:t>When players successfully create path of the same colored beads from the start to the finish bead, a cascading animation plays of the beads being sequentially highlighted, mimicking a traveled path.</a:t>
             </a:r>
             <a:endParaRPr/>
           </a:p>
@@ -9225,7 +9451,7 @@
           <a:blip r:embed="rId3">
             <a:alphaModFix/>
           </a:blip>
-          <a:srcRect b="20997" l="26348" r="27033" t="7558"/>
+          <a:srcRect l="26348" t="7558" r="27033" b="20997"/>
           <a:stretch/>
         </p:blipFill>
         <p:spPr>
@@ -9251,11 +9477,11 @@
 </file>
 
 <file path=ppt/slides/slide8.xml><?xml version="1.0" encoding="utf-8"?>
-<p:sld xmlns:a="http://schemas.openxmlformats.org/drawingml/2006/main" xmlns:r="http://schemas.openxmlformats.org/officeDocument/2006/relationships" xmlns:mc="http://schemas.openxmlformats.org/markup-compatibility/2006" xmlns:mv="urn:schemas-microsoft-com:mac:vml" xmlns:p="http://schemas.openxmlformats.org/presentationml/2006/main" xmlns:c="http://schemas.openxmlformats.org/drawingml/2006/chart" xmlns:dgm="http://schemas.openxmlformats.org/drawingml/2006/diagram" xmlns:o="urn:schemas-microsoft-com:office:office" xmlns:v="urn:schemas-microsoft-com:vml" xmlns:pvml="urn:schemas-microsoft-com:office:powerpoint" xmlns:com="http://schemas.openxmlformats.org/drawingml/2006/compatibility" xmlns:p14="http://schemas.microsoft.com/office/powerpoint/2010/main" xmlns:p15="http://schemas.microsoft.com/office/powerpoint/2012/main">
+<p:sld xmlns:a="http://schemas.openxmlformats.org/drawingml/2006/main" xmlns:r="http://schemas.openxmlformats.org/officeDocument/2006/relationships" xmlns:p="http://schemas.openxmlformats.org/presentationml/2006/main">
   <p:cSld>
     <p:spTree>
       <p:nvGrpSpPr>
-        <p:cNvPr id="102" name="Shape 102"/>
+        <p:cNvPr id="1" name="Shape 102"/>
         <p:cNvGrpSpPr/>
         <p:nvPr/>
       </p:nvGrpSpPr>
@@ -9270,7 +9496,9 @@
       <p:sp>
         <p:nvSpPr>
           <p:cNvPr id="103" name="Google Shape;103;p20"/>
-          <p:cNvSpPr txBox="1"/>
+          <p:cNvSpPr txBox="1">
+            <a:spLocks noGrp="1"/>
+          </p:cNvSpPr>
           <p:nvPr>
             <p:ph type="title"/>
           </p:nvPr>
@@ -9285,12 +9513,12 @@
           </a:prstGeom>
         </p:spPr>
         <p:txBody>
-          <a:bodyPr anchorCtr="0" anchor="t" bIns="91425" lIns="91425" spcFirstLastPara="1" rIns="91425" wrap="square" tIns="91425">
+          <a:bodyPr spcFirstLastPara="1" wrap="square" lIns="91425" tIns="91425" rIns="91425" bIns="91425" anchor="t" anchorCtr="0">
             <a:noAutofit/>
           </a:bodyPr>
           <a:lstStyle/>
           <a:p>
-            <a:pPr indent="0" lvl="0" marL="0" rtl="0" algn="l">
+            <a:pPr marL="0" lvl="0" indent="0" algn="l" rtl="0">
               <a:spcBef>
                 <a:spcPts val="0"/>
               </a:spcBef>
@@ -9314,9 +9542,11 @@
       <p:sp>
         <p:nvSpPr>
           <p:cNvPr id="104" name="Google Shape;104;p20"/>
-          <p:cNvSpPr txBox="1"/>
+          <p:cNvSpPr txBox="1">
+            <a:spLocks noGrp="1"/>
+          </p:cNvSpPr>
           <p:nvPr>
-            <p:ph idx="1" type="body"/>
+            <p:ph type="body" idx="1"/>
           </p:nvPr>
         </p:nvSpPr>
         <p:spPr>
@@ -9329,12 +9559,12 @@
           </a:prstGeom>
         </p:spPr>
         <p:txBody>
-          <a:bodyPr anchorCtr="0" anchor="t" bIns="91425" lIns="91425" spcFirstLastPara="1" rIns="91425" wrap="square" tIns="91425">
+          <a:bodyPr spcFirstLastPara="1" wrap="square" lIns="91425" tIns="91425" rIns="91425" bIns="91425" anchor="t" anchorCtr="0">
             <a:noAutofit/>
           </a:bodyPr>
           <a:lstStyle/>
           <a:p>
-            <a:pPr indent="-342900" lvl="0" marL="457200" rtl="0" algn="l">
+            <a:pPr marL="457200" lvl="0" indent="-342900" algn="l" rtl="0">
               <a:spcBef>
                 <a:spcPts val="0"/>
               </a:spcBef>
@@ -9351,7 +9581,7 @@
             <a:endParaRPr/>
           </a:p>
           <a:p>
-            <a:pPr indent="-342900" lvl="0" marL="457200" rtl="0" algn="l">
+            <a:pPr marL="457200" lvl="0" indent="-342900" algn="l" rtl="0">
               <a:spcBef>
                 <a:spcPts val="0"/>
               </a:spcBef>
@@ -9396,7 +9626,7 @@
             <a:noFill/>
           </a:ln>
           <a:effectLst>
-            <a:outerShdw blurRad="57150" rotWithShape="0" algn="bl" dir="5400000" dist="19050">
+            <a:outerShdw blurRad="57150" dist="19050" dir="5400000" algn="bl" rotWithShape="0">
               <a:srgbClr val="000000">
                 <a:alpha val="50000"/>
               </a:srgbClr>
@@ -9431,7 +9661,7 @@
             <a:noFill/>
           </a:ln>
           <a:effectLst>
-            <a:outerShdw blurRad="57150" rotWithShape="0" algn="bl" dir="5400000" dist="19050">
+            <a:outerShdw blurRad="57150" dist="19050" dir="5400000" algn="bl" rotWithShape="0">
               <a:srgbClr val="000000">
                 <a:alpha val="50000"/>
               </a:srgbClr>
@@ -9448,11 +9678,11 @@
 </file>
 
 <file path=ppt/slides/slide9.xml><?xml version="1.0" encoding="utf-8"?>
-<p:sld xmlns:a="http://schemas.openxmlformats.org/drawingml/2006/main" xmlns:r="http://schemas.openxmlformats.org/officeDocument/2006/relationships" xmlns:mc="http://schemas.openxmlformats.org/markup-compatibility/2006" xmlns:mv="urn:schemas-microsoft-com:mac:vml" xmlns:p="http://schemas.openxmlformats.org/presentationml/2006/main" xmlns:c="http://schemas.openxmlformats.org/drawingml/2006/chart" xmlns:dgm="http://schemas.openxmlformats.org/drawingml/2006/diagram" xmlns:o="urn:schemas-microsoft-com:office:office" xmlns:v="urn:schemas-microsoft-com:vml" xmlns:pvml="urn:schemas-microsoft-com:office:powerpoint" xmlns:com="http://schemas.openxmlformats.org/drawingml/2006/compatibility" xmlns:p14="http://schemas.microsoft.com/office/powerpoint/2010/main" xmlns:p15="http://schemas.microsoft.com/office/powerpoint/2012/main">
+<p:sld xmlns:a="http://schemas.openxmlformats.org/drawingml/2006/main" xmlns:r="http://schemas.openxmlformats.org/officeDocument/2006/relationships" xmlns:p="http://schemas.openxmlformats.org/presentationml/2006/main">
   <p:cSld>
     <p:spTree>
       <p:nvGrpSpPr>
-        <p:cNvPr id="110" name="Shape 110"/>
+        <p:cNvPr id="1" name="Shape 110"/>
         <p:cNvGrpSpPr/>
         <p:nvPr/>
       </p:nvGrpSpPr>
@@ -9467,7 +9697,9 @@
       <p:sp>
         <p:nvSpPr>
           <p:cNvPr id="111" name="Google Shape;111;p21"/>
-          <p:cNvSpPr txBox="1"/>
+          <p:cNvSpPr txBox="1">
+            <a:spLocks noGrp="1"/>
+          </p:cNvSpPr>
           <p:nvPr>
             <p:ph type="title"/>
           </p:nvPr>
@@ -9482,12 +9714,12 @@
           </a:prstGeom>
         </p:spPr>
         <p:txBody>
-          <a:bodyPr anchorCtr="0" anchor="t" bIns="91425" lIns="91425" spcFirstLastPara="1" rIns="91425" wrap="square" tIns="91425">
+          <a:bodyPr spcFirstLastPara="1" wrap="square" lIns="91425" tIns="91425" rIns="91425" bIns="91425" anchor="t" anchorCtr="0">
             <a:noAutofit/>
           </a:bodyPr>
           <a:lstStyle/>
           <a:p>
-            <a:pPr indent="0" lvl="0" marL="0" rtl="0" algn="l">
+            <a:pPr marL="0" lvl="0" indent="0" algn="l" rtl="0">
               <a:spcBef>
                 <a:spcPts val="0"/>
               </a:spcBef>
@@ -9502,15 +9734,7 @@
                   <a:srgbClr val="FFF2CC"/>
                 </a:solidFill>
               </a:rPr>
-              <a:t>Measurable</a:t>
-            </a:r>
-            <a:r>
-              <a:rPr lang="en">
-                <a:solidFill>
-                  <a:srgbClr val="FFF2CC"/>
-                </a:solidFill>
-              </a:rPr>
-              <a:t> Experience Goals</a:t>
+              <a:t>Measurable Experience Goals</a:t>
             </a:r>
             <a:endParaRPr/>
           </a:p>
@@ -9519,9 +9743,11 @@
       <p:sp>
         <p:nvSpPr>
           <p:cNvPr id="112" name="Google Shape;112;p21"/>
-          <p:cNvSpPr txBox="1"/>
+          <p:cNvSpPr txBox="1">
+            <a:spLocks noGrp="1"/>
+          </p:cNvSpPr>
           <p:nvPr>
-            <p:ph idx="1" type="body"/>
+            <p:ph type="body" idx="1"/>
           </p:nvPr>
         </p:nvSpPr>
         <p:spPr>
@@ -9534,12 +9760,12 @@
           </a:prstGeom>
         </p:spPr>
         <p:txBody>
-          <a:bodyPr anchorCtr="0" anchor="t" bIns="91425" lIns="91425" spcFirstLastPara="1" rIns="91425" wrap="square" tIns="91425">
+          <a:bodyPr spcFirstLastPara="1" wrap="square" lIns="91425" tIns="91425" rIns="91425" bIns="91425" anchor="t" anchorCtr="0">
             <a:noAutofit/>
           </a:bodyPr>
           <a:lstStyle/>
           <a:p>
-            <a:pPr indent="-381000" lvl="0" marL="457200" rtl="0" algn="l">
+            <a:pPr marL="457200" lvl="0" indent="-381000" algn="l" rtl="0">
               <a:spcBef>
                 <a:spcPts val="0"/>
               </a:spcBef>
@@ -9556,7 +9782,7 @@
             <a:endParaRPr sz="2400"/>
           </a:p>
           <a:p>
-            <a:pPr indent="-381000" lvl="0" marL="457200" rtl="0" algn="l">
+            <a:pPr marL="457200" lvl="0" indent="-381000" algn="l" rtl="0">
               <a:spcBef>
                 <a:spcPts val="0"/>
               </a:spcBef>
@@ -9573,7 +9799,7 @@
             <a:endParaRPr sz="2400"/>
           </a:p>
           <a:p>
-            <a:pPr indent="-381000" lvl="0" marL="457200" rtl="0" algn="l">
+            <a:pPr marL="457200" lvl="0" indent="-381000" algn="l" rtl="0">
               <a:spcBef>
                 <a:spcPts val="0"/>
               </a:spcBef>
@@ -9590,7 +9816,7 @@
             <a:endParaRPr sz="2400"/>
           </a:p>
           <a:p>
-            <a:pPr indent="-342900" lvl="1" marL="914400" rtl="0" algn="l">
+            <a:pPr marL="914400" lvl="1" indent="-342900" algn="l" rtl="0">
               <a:spcBef>
                 <a:spcPts val="0"/>
               </a:spcBef>
@@ -9617,7 +9843,7 @@
 </file>
 
 <file path=ppt/theme/theme1.xml><?xml version="1.0" encoding="utf-8"?>
-<a:theme xmlns:a="http://schemas.openxmlformats.org/drawingml/2006/main" xmlns:r="http://schemas.openxmlformats.org/officeDocument/2006/relationships" name="Simple Light">
+<a:theme xmlns:a="http://schemas.openxmlformats.org/drawingml/2006/main" name="Simple Light">
   <a:themeElements>
     <a:clrScheme name="Simple Light">
       <a:dk1>
@@ -9892,11 +10118,13 @@
       </a:bgFillStyleLst>
     </a:fmtScheme>
   </a:themeElements>
+  <a:objectDefaults/>
+  <a:extraClrSchemeLst/>
 </a:theme>
 </file>
 
 <file path=ppt/theme/theme2.xml><?xml version="1.0" encoding="utf-8"?>
-<a:theme xmlns:a="http://schemas.openxmlformats.org/drawingml/2006/main" xmlns:r="http://schemas.openxmlformats.org/officeDocument/2006/relationships">
+<a:theme xmlns:a="http://schemas.openxmlformats.org/drawingml/2006/main">
   <a:themeElements>
     <a:clrScheme name="Default">
       <a:dk1>
@@ -10171,5 +10399,7 @@
       </a:bgFillStyleLst>
     </a:fmtScheme>
   </a:themeElements>
+  <a:objectDefaults/>
+  <a:extraClrSchemeLst/>
 </a:theme>
 </file>